--- a/src/main/java/ee/bcs/java/lectures/Loeng47 - Google-Cloud-Deploy.pptx
+++ b/src/main/java/ee/bcs/java/lectures/Loeng47 - Google-Cloud-Deploy.pptx
@@ -5,19 +5,26 @@
     <p:sldMasterId id="2147483648" r:id="rId1"/>
   </p:sldMasterIdLst>
   <p:notesMasterIdLst>
-    <p:notesMasterId r:id="rId12"/>
+    <p:notesMasterId r:id="rId19"/>
   </p:notesMasterIdLst>
   <p:sldIdLst>
     <p:sldId id="260" r:id="rId2"/>
-    <p:sldId id="268" r:id="rId3"/>
-    <p:sldId id="270" r:id="rId4"/>
-    <p:sldId id="271" r:id="rId5"/>
-    <p:sldId id="266" r:id="rId6"/>
-    <p:sldId id="272" r:id="rId7"/>
-    <p:sldId id="273" r:id="rId8"/>
-    <p:sldId id="279" r:id="rId9"/>
-    <p:sldId id="280" r:id="rId10"/>
-    <p:sldId id="275" r:id="rId11"/>
+    <p:sldId id="265" r:id="rId3"/>
+    <p:sldId id="390" r:id="rId4"/>
+    <p:sldId id="382" r:id="rId5"/>
+    <p:sldId id="385" r:id="rId6"/>
+    <p:sldId id="386" r:id="rId7"/>
+    <p:sldId id="387" r:id="rId8"/>
+    <p:sldId id="388" r:id="rId9"/>
+    <p:sldId id="268" r:id="rId10"/>
+    <p:sldId id="270" r:id="rId11"/>
+    <p:sldId id="271" r:id="rId12"/>
+    <p:sldId id="266" r:id="rId13"/>
+    <p:sldId id="272" r:id="rId14"/>
+    <p:sldId id="273" r:id="rId15"/>
+    <p:sldId id="279" r:id="rId16"/>
+    <p:sldId id="280" r:id="rId17"/>
+    <p:sldId id="275" r:id="rId18"/>
   </p:sldIdLst>
   <p:sldSz cx="9144000" cy="6858000" type="screen4x3"/>
   <p:notesSz cx="6858000" cy="9144000"/>
@@ -140,60 +147,16 @@
 </p:presentation>
 </file>
 
+<file path=ppt/revisionInfo.xml><?xml version="1.0" encoding="utf-8"?>
+<p1510:revInfo xmlns:a="http://schemas.openxmlformats.org/drawingml/2006/main" xmlns:r="http://schemas.openxmlformats.org/officeDocument/2006/relationships" xmlns:p1510="http://schemas.microsoft.com/office/powerpoint/2015/10/main">
+  <p1510:revLst>
+    <p1510:client id="{DDBE5A66-7749-46C2-B88B-3F0678349A0E}" v="1" dt="2020-12-21T17:17:32.544"/>
+  </p1510:revLst>
+</p1510:revInfo>
+</file>
+
 <file path=ppt/changesInfos/changesInfo1.xml><?xml version="1.0" encoding="utf-8"?>
 <pc:chgInfo xmlns:a="http://schemas.openxmlformats.org/drawingml/2006/main" xmlns:r="http://schemas.openxmlformats.org/officeDocument/2006/relationships" xmlns:ac="http://schemas.microsoft.com/office/drawing/2013/main/command" xmlns:pc="http://schemas.microsoft.com/office/powerpoint/2013/main/command">
-  <pc:docChgLst>
-    <pc:chgData name="Siim Rebane" userId="25ec13ac778510f2" providerId="LiveId" clId="{DDBE5A66-7749-46C2-B88B-3F0678349A0E}"/>
-    <pc:docChg chg="delSld modSld">
-      <pc:chgData name="Siim Rebane" userId="25ec13ac778510f2" providerId="LiveId" clId="{DDBE5A66-7749-46C2-B88B-3F0678349A0E}" dt="2020-12-16T17:16:30.603" v="4" actId="47"/>
-      <pc:docMkLst>
-        <pc:docMk/>
-      </pc:docMkLst>
-      <pc:sldChg chg="modSp mod">
-        <pc:chgData name="Siim Rebane" userId="25ec13ac778510f2" providerId="LiveId" clId="{DDBE5A66-7749-46C2-B88B-3F0678349A0E}" dt="2020-12-16T17:15:58.294" v="3" actId="20577"/>
-        <pc:sldMkLst>
-          <pc:docMk/>
-          <pc:sldMk cId="0" sldId="260"/>
-        </pc:sldMkLst>
-        <pc:spChg chg="mod">
-          <ac:chgData name="Siim Rebane" userId="25ec13ac778510f2" providerId="LiveId" clId="{DDBE5A66-7749-46C2-B88B-3F0678349A0E}" dt="2020-12-16T17:15:58.294" v="3" actId="20577"/>
-          <ac:spMkLst>
-            <pc:docMk/>
-            <pc:sldMk cId="0" sldId="260"/>
-            <ac:spMk id="5" creationId="{00000000-0000-0000-0000-000000000000}"/>
-          </ac:spMkLst>
-        </pc:spChg>
-      </pc:sldChg>
-      <pc:sldChg chg="del">
-        <pc:chgData name="Siim Rebane" userId="25ec13ac778510f2" providerId="LiveId" clId="{DDBE5A66-7749-46C2-B88B-3F0678349A0E}" dt="2020-12-16T17:16:30.603" v="4" actId="47"/>
-        <pc:sldMkLst>
-          <pc:docMk/>
-          <pc:sldMk cId="3865425581" sldId="274"/>
-        </pc:sldMkLst>
-      </pc:sldChg>
-      <pc:sldChg chg="del">
-        <pc:chgData name="Siim Rebane" userId="25ec13ac778510f2" providerId="LiveId" clId="{DDBE5A66-7749-46C2-B88B-3F0678349A0E}" dt="2020-12-16T17:16:30.603" v="4" actId="47"/>
-        <pc:sldMkLst>
-          <pc:docMk/>
-          <pc:sldMk cId="3599653048" sldId="276"/>
-        </pc:sldMkLst>
-      </pc:sldChg>
-      <pc:sldChg chg="del">
-        <pc:chgData name="Siim Rebane" userId="25ec13ac778510f2" providerId="LiveId" clId="{DDBE5A66-7749-46C2-B88B-3F0678349A0E}" dt="2020-12-16T17:16:30.603" v="4" actId="47"/>
-        <pc:sldMkLst>
-          <pc:docMk/>
-          <pc:sldMk cId="3318099388" sldId="277"/>
-        </pc:sldMkLst>
-      </pc:sldChg>
-      <pc:sldChg chg="del">
-        <pc:chgData name="Siim Rebane" userId="25ec13ac778510f2" providerId="LiveId" clId="{DDBE5A66-7749-46C2-B88B-3F0678349A0E}" dt="2020-12-16T17:16:30.603" v="4" actId="47"/>
-        <pc:sldMkLst>
-          <pc:docMk/>
-          <pc:sldMk cId="3334323201" sldId="281"/>
-        </pc:sldMkLst>
-      </pc:sldChg>
-    </pc:docChg>
-  </pc:docChgLst>
   <pc:docChgLst>
     <pc:chgData name="Siim Rebane" userId="25ec13ac778510f2" providerId="LiveId" clId="{5A4812FB-489A-42A7-B3D2-F0A9FC229E9F}"/>
     <pc:docChg chg="undo custSel addSld delSld modSld sldOrd">
@@ -385,6 +348,107 @@
       </pc:sldChg>
     </pc:docChg>
   </pc:docChgLst>
+  <pc:docChgLst>
+    <pc:chgData name="Siim Rebane" userId="25ec13ac778510f2" providerId="LiveId" clId="{DDBE5A66-7749-46C2-B88B-3F0678349A0E}"/>
+    <pc:docChg chg="addSld delSld modSld">
+      <pc:chgData name="Siim Rebane" userId="25ec13ac778510f2" providerId="LiveId" clId="{DDBE5A66-7749-46C2-B88B-3F0678349A0E}" dt="2020-12-21T17:17:32.542" v="5"/>
+      <pc:docMkLst>
+        <pc:docMk/>
+      </pc:docMkLst>
+      <pc:sldChg chg="modSp mod">
+        <pc:chgData name="Siim Rebane" userId="25ec13ac778510f2" providerId="LiveId" clId="{DDBE5A66-7749-46C2-B88B-3F0678349A0E}" dt="2020-12-16T17:15:58.294" v="3" actId="20577"/>
+        <pc:sldMkLst>
+          <pc:docMk/>
+          <pc:sldMk cId="0" sldId="260"/>
+        </pc:sldMkLst>
+        <pc:spChg chg="mod">
+          <ac:chgData name="Siim Rebane" userId="25ec13ac778510f2" providerId="LiveId" clId="{DDBE5A66-7749-46C2-B88B-3F0678349A0E}" dt="2020-12-16T17:15:58.294" v="3" actId="20577"/>
+          <ac:spMkLst>
+            <pc:docMk/>
+            <pc:sldMk cId="0" sldId="260"/>
+            <ac:spMk id="5" creationId="{00000000-0000-0000-0000-000000000000}"/>
+          </ac:spMkLst>
+        </pc:spChg>
+      </pc:sldChg>
+      <pc:sldChg chg="add">
+        <pc:chgData name="Siim Rebane" userId="25ec13ac778510f2" providerId="LiveId" clId="{DDBE5A66-7749-46C2-B88B-3F0678349A0E}" dt="2020-12-21T17:17:32.542" v="5"/>
+        <pc:sldMkLst>
+          <pc:docMk/>
+          <pc:sldMk cId="2697561553" sldId="265"/>
+        </pc:sldMkLst>
+      </pc:sldChg>
+      <pc:sldChg chg="del">
+        <pc:chgData name="Siim Rebane" userId="25ec13ac778510f2" providerId="LiveId" clId="{DDBE5A66-7749-46C2-B88B-3F0678349A0E}" dt="2020-12-16T17:16:30.603" v="4" actId="47"/>
+        <pc:sldMkLst>
+          <pc:docMk/>
+          <pc:sldMk cId="3865425581" sldId="274"/>
+        </pc:sldMkLst>
+      </pc:sldChg>
+      <pc:sldChg chg="del">
+        <pc:chgData name="Siim Rebane" userId="25ec13ac778510f2" providerId="LiveId" clId="{DDBE5A66-7749-46C2-B88B-3F0678349A0E}" dt="2020-12-16T17:16:30.603" v="4" actId="47"/>
+        <pc:sldMkLst>
+          <pc:docMk/>
+          <pc:sldMk cId="3599653048" sldId="276"/>
+        </pc:sldMkLst>
+      </pc:sldChg>
+      <pc:sldChg chg="del">
+        <pc:chgData name="Siim Rebane" userId="25ec13ac778510f2" providerId="LiveId" clId="{DDBE5A66-7749-46C2-B88B-3F0678349A0E}" dt="2020-12-16T17:16:30.603" v="4" actId="47"/>
+        <pc:sldMkLst>
+          <pc:docMk/>
+          <pc:sldMk cId="3318099388" sldId="277"/>
+        </pc:sldMkLst>
+      </pc:sldChg>
+      <pc:sldChg chg="del">
+        <pc:chgData name="Siim Rebane" userId="25ec13ac778510f2" providerId="LiveId" clId="{DDBE5A66-7749-46C2-B88B-3F0678349A0E}" dt="2020-12-16T17:16:30.603" v="4" actId="47"/>
+        <pc:sldMkLst>
+          <pc:docMk/>
+          <pc:sldMk cId="3334323201" sldId="281"/>
+        </pc:sldMkLst>
+      </pc:sldChg>
+      <pc:sldChg chg="add">
+        <pc:chgData name="Siim Rebane" userId="25ec13ac778510f2" providerId="LiveId" clId="{DDBE5A66-7749-46C2-B88B-3F0678349A0E}" dt="2020-12-21T17:17:32.542" v="5"/>
+        <pc:sldMkLst>
+          <pc:docMk/>
+          <pc:sldMk cId="271304936" sldId="382"/>
+        </pc:sldMkLst>
+      </pc:sldChg>
+      <pc:sldChg chg="add">
+        <pc:chgData name="Siim Rebane" userId="25ec13ac778510f2" providerId="LiveId" clId="{DDBE5A66-7749-46C2-B88B-3F0678349A0E}" dt="2020-12-21T17:17:32.542" v="5"/>
+        <pc:sldMkLst>
+          <pc:docMk/>
+          <pc:sldMk cId="2472229496" sldId="385"/>
+        </pc:sldMkLst>
+      </pc:sldChg>
+      <pc:sldChg chg="add">
+        <pc:chgData name="Siim Rebane" userId="25ec13ac778510f2" providerId="LiveId" clId="{DDBE5A66-7749-46C2-B88B-3F0678349A0E}" dt="2020-12-21T17:17:32.542" v="5"/>
+        <pc:sldMkLst>
+          <pc:docMk/>
+          <pc:sldMk cId="3308073382" sldId="386"/>
+        </pc:sldMkLst>
+      </pc:sldChg>
+      <pc:sldChg chg="add">
+        <pc:chgData name="Siim Rebane" userId="25ec13ac778510f2" providerId="LiveId" clId="{DDBE5A66-7749-46C2-B88B-3F0678349A0E}" dt="2020-12-21T17:17:32.542" v="5"/>
+        <pc:sldMkLst>
+          <pc:docMk/>
+          <pc:sldMk cId="2765466566" sldId="387"/>
+        </pc:sldMkLst>
+      </pc:sldChg>
+      <pc:sldChg chg="add">
+        <pc:chgData name="Siim Rebane" userId="25ec13ac778510f2" providerId="LiveId" clId="{DDBE5A66-7749-46C2-B88B-3F0678349A0E}" dt="2020-12-21T17:17:32.542" v="5"/>
+        <pc:sldMkLst>
+          <pc:docMk/>
+          <pc:sldMk cId="160939593" sldId="388"/>
+        </pc:sldMkLst>
+      </pc:sldChg>
+      <pc:sldChg chg="add">
+        <pc:chgData name="Siim Rebane" userId="25ec13ac778510f2" providerId="LiveId" clId="{DDBE5A66-7749-46C2-B88B-3F0678349A0E}" dt="2020-12-21T17:17:32.542" v="5"/>
+        <pc:sldMkLst>
+          <pc:docMk/>
+          <pc:sldMk cId="607120014" sldId="390"/>
+        </pc:sldMkLst>
+      </pc:sldChg>
+    </pc:docChg>
+  </pc:docChgLst>
 </pc:chgInfo>
 </file>
 
@@ -470,7 +534,7 @@
           <a:p>
             <a:fld id="{60163E65-5F46-4A69-883D-966D9827EBBB}" type="datetimeFigureOut">
               <a:rPr lang="en-US" smtClean="0"/>
-              <a:t>12/16/2020</a:t>
+              <a:t>21-Dec-20</a:t>
             </a:fld>
             <a:endParaRPr lang="en-US"/>
           </a:p>
@@ -928,7 +992,7 @@
             <a:fld id="{9B034333-4FC0-4832-B48E-1BB4D6BFA92F}" type="datetimeFigureOut">
               <a:rPr lang="et-EE" smtClean="0"/>
               <a:pPr/>
-              <a:t>16.12.2020</a:t>
+              <a:t>21.12.2020</a:t>
             </a:fld>
             <a:endParaRPr lang="et-EE"/>
           </a:p>
@@ -1147,7 +1211,7 @@
             <a:fld id="{9B034333-4FC0-4832-B48E-1BB4D6BFA92F}" type="datetimeFigureOut">
               <a:rPr lang="et-EE" smtClean="0"/>
               <a:pPr/>
-              <a:t>16.12.2020</a:t>
+              <a:t>21.12.2020</a:t>
             </a:fld>
             <a:endParaRPr lang="et-EE"/>
           </a:p>
@@ -1322,7 +1386,7 @@
             <a:fld id="{9B034333-4FC0-4832-B48E-1BB4D6BFA92F}" type="datetimeFigureOut">
               <a:rPr lang="et-EE" smtClean="0"/>
               <a:pPr/>
-              <a:t>16.12.2020</a:t>
+              <a:t>21.12.2020</a:t>
             </a:fld>
             <a:endParaRPr lang="et-EE"/>
           </a:p>
@@ -1565,7 +1629,7 @@
             <a:fld id="{9B034333-4FC0-4832-B48E-1BB4D6BFA92F}" type="datetimeFigureOut">
               <a:rPr lang="et-EE" smtClean="0"/>
               <a:pPr/>
-              <a:t>16.12.2020</a:t>
+              <a:t>21.12.2020</a:t>
             </a:fld>
             <a:endParaRPr lang="et-EE"/>
           </a:p>
@@ -1862,7 +1926,7 @@
             <a:fld id="{9B034333-4FC0-4832-B48E-1BB4D6BFA92F}" type="datetimeFigureOut">
               <a:rPr lang="et-EE" smtClean="0"/>
               <a:pPr/>
-              <a:t>16.12.2020</a:t>
+              <a:t>21.12.2020</a:t>
             </a:fld>
             <a:endParaRPr lang="et-EE"/>
           </a:p>
@@ -2214,7 +2278,7 @@
             <a:fld id="{9B034333-4FC0-4832-B48E-1BB4D6BFA92F}" type="datetimeFigureOut">
               <a:rPr lang="et-EE" smtClean="0"/>
               <a:pPr/>
-              <a:t>16.12.2020</a:t>
+              <a:t>21.12.2020</a:t>
             </a:fld>
             <a:endParaRPr lang="et-EE"/>
           </a:p>
@@ -2714,7 +2778,7 @@
             <a:fld id="{9B034333-4FC0-4832-B48E-1BB4D6BFA92F}" type="datetimeFigureOut">
               <a:rPr lang="et-EE" smtClean="0"/>
               <a:pPr/>
-              <a:t>16.12.2020</a:t>
+              <a:t>21.12.2020</a:t>
             </a:fld>
             <a:endParaRPr lang="et-EE"/>
           </a:p>
@@ -2828,7 +2892,7 @@
             <a:fld id="{9B034333-4FC0-4832-B48E-1BB4D6BFA92F}" type="datetimeFigureOut">
               <a:rPr lang="et-EE" smtClean="0"/>
               <a:pPr/>
-              <a:t>16.12.2020</a:t>
+              <a:t>21.12.2020</a:t>
             </a:fld>
             <a:endParaRPr lang="et-EE"/>
           </a:p>
@@ -2920,7 +2984,7 @@
             <a:fld id="{9B034333-4FC0-4832-B48E-1BB4D6BFA92F}" type="datetimeFigureOut">
               <a:rPr lang="et-EE" smtClean="0"/>
               <a:pPr/>
-              <a:t>16.12.2020</a:t>
+              <a:t>21.12.2020</a:t>
             </a:fld>
             <a:endParaRPr lang="et-EE"/>
           </a:p>
@@ -3192,7 +3256,7 @@
             <a:fld id="{9B034333-4FC0-4832-B48E-1BB4D6BFA92F}" type="datetimeFigureOut">
               <a:rPr lang="et-EE" smtClean="0"/>
               <a:pPr/>
-              <a:t>16.12.2020</a:t>
+              <a:t>21.12.2020</a:t>
             </a:fld>
             <a:endParaRPr lang="et-EE"/>
           </a:p>
@@ -3444,7 +3508,7 @@
             <a:fld id="{9B034333-4FC0-4832-B48E-1BB4D6BFA92F}" type="datetimeFigureOut">
               <a:rPr lang="et-EE" smtClean="0"/>
               <a:pPr/>
-              <a:t>16.12.2020</a:t>
+              <a:t>21.12.2020</a:t>
             </a:fld>
             <a:endParaRPr lang="et-EE"/>
           </a:p>
@@ -3653,7 +3717,7 @@
             <a:fld id="{9B034333-4FC0-4832-B48E-1BB4D6BFA92F}" type="datetimeFigureOut">
               <a:rPr lang="et-EE" smtClean="0"/>
               <a:pPr/>
-              <a:t>16.12.2020</a:t>
+              <a:t>21.12.2020</a:t>
             </a:fld>
             <a:endParaRPr lang="et-EE"/>
           </a:p>
@@ -4141,630 +4205,6 @@
           <a:lstStyle/>
           <a:p>
             <a:r>
-              <a:rPr lang="et-EE" dirty="0"/>
-              <a:t>Install </a:t>
-            </a:r>
-            <a:r>
-              <a:rPr lang="et-EE" dirty="0" err="1"/>
-              <a:t>apache</a:t>
-            </a:r>
-            <a:endParaRPr lang="en-US" dirty="0"/>
-          </a:p>
-        </p:txBody>
-      </p:sp>
-      <p:sp>
-        <p:nvSpPr>
-          <p:cNvPr id="3" name="TextBox 2">
-            <a:extLst>
-              <a:ext uri="{FF2B5EF4-FFF2-40B4-BE49-F238E27FC236}">
-                <a16:creationId xmlns:a16="http://schemas.microsoft.com/office/drawing/2014/main" id="{EC84FC94-AA30-4575-8C1A-04FDF049F7BD}"/>
-              </a:ext>
-            </a:extLst>
-          </p:cNvPr>
-          <p:cNvSpPr txBox="1"/>
-          <p:nvPr/>
-        </p:nvSpPr>
-        <p:spPr>
-          <a:xfrm>
-            <a:off x="442838" y="2276872"/>
-            <a:ext cx="7369522" cy="3416320"/>
-          </a:xfrm>
-          <a:prstGeom prst="rect">
-            <a:avLst/>
-          </a:prstGeom>
-          <a:noFill/>
-        </p:spPr>
-        <p:txBody>
-          <a:bodyPr wrap="square" rtlCol="0">
-            <a:spAutoFit/>
-          </a:bodyPr>
-          <a:lstStyle/>
-          <a:p>
-            <a:r>
-              <a:rPr lang="et-EE" b="1" dirty="0" err="1"/>
-              <a:t>Change</a:t>
-            </a:r>
-            <a:r>
-              <a:rPr lang="et-EE" b="1" dirty="0"/>
-              <a:t> </a:t>
-            </a:r>
-            <a:r>
-              <a:rPr lang="et-EE" b="1" dirty="0" err="1"/>
-              <a:t>application.properties</a:t>
-            </a:r>
-            <a:r>
-              <a:rPr lang="et-EE" b="1" dirty="0"/>
-              <a:t>:</a:t>
-            </a:r>
-          </a:p>
-          <a:p>
-            <a:r>
-              <a:rPr kumimoji="0" lang="en-US" altLang="en-US" sz="1800" b="0" i="0" u="none" strike="noStrike" cap="none" normalizeH="0" baseline="0" dirty="0" err="1">
-                <a:ln>
-                  <a:noFill/>
-                </a:ln>
-                <a:solidFill>
-                  <a:srgbClr val="083080"/>
-                </a:solidFill>
-                <a:effectLst/>
-                <a:latin typeface="JetBrains Mono"/>
-              </a:rPr>
-              <a:t>server.port</a:t>
-            </a:r>
-            <a:r>
-              <a:rPr kumimoji="0" lang="en-US" altLang="en-US" sz="1800" b="0" i="0" u="none" strike="noStrike" cap="none" normalizeH="0" baseline="0" dirty="0">
-                <a:ln>
-                  <a:noFill/>
-                </a:ln>
-                <a:solidFill>
-                  <a:srgbClr val="080808"/>
-                </a:solidFill>
-                <a:effectLst/>
-                <a:latin typeface="JetBrains Mono"/>
-              </a:rPr>
-              <a:t>=</a:t>
-            </a:r>
-            <a:r>
-              <a:rPr kumimoji="0" lang="en-US" altLang="en-US" sz="1800" b="1" i="0" u="none" strike="noStrike" cap="none" normalizeH="0" baseline="0" dirty="0">
-                <a:ln>
-                  <a:noFill/>
-                </a:ln>
-                <a:solidFill>
-                  <a:srgbClr val="FF0000"/>
-                </a:solidFill>
-                <a:effectLst/>
-                <a:latin typeface="JetBrains Mono"/>
-              </a:rPr>
-              <a:t>80</a:t>
-            </a:r>
-            <a:r>
-              <a:rPr kumimoji="0" lang="et-EE" altLang="en-US" sz="1800" b="1" i="0" u="none" strike="noStrike" cap="none" normalizeH="0" baseline="0" dirty="0">
-                <a:ln>
-                  <a:noFill/>
-                </a:ln>
-                <a:solidFill>
-                  <a:srgbClr val="FF0000"/>
-                </a:solidFill>
-                <a:effectLst/>
-                <a:latin typeface="JetBrains Mono"/>
-              </a:rPr>
-              <a:t>80</a:t>
-            </a:r>
-          </a:p>
-          <a:p>
-            <a:endParaRPr lang="et-EE" dirty="0"/>
-          </a:p>
-          <a:p>
-            <a:r>
-              <a:rPr lang="et-EE" b="1" dirty="0" err="1"/>
-              <a:t>Run</a:t>
-            </a:r>
-            <a:r>
-              <a:rPr lang="et-EE" b="1" dirty="0"/>
-              <a:t> </a:t>
-            </a:r>
-            <a:r>
-              <a:rPr lang="et-EE" b="1" dirty="0" err="1"/>
-              <a:t>commands</a:t>
-            </a:r>
-            <a:r>
-              <a:rPr lang="et-EE" b="1" dirty="0"/>
-              <a:t>:</a:t>
-            </a:r>
-            <a:endParaRPr lang="et-EE" dirty="0"/>
-          </a:p>
-          <a:p>
-            <a:pPr marL="342900" indent="-342900">
-              <a:buAutoNum type="arabicParenR"/>
-            </a:pPr>
-            <a:r>
-              <a:rPr lang="et-EE" dirty="0" err="1"/>
-              <a:t>sudo</a:t>
-            </a:r>
-            <a:r>
-              <a:rPr lang="et-EE" dirty="0"/>
-              <a:t> /etc/</a:t>
-            </a:r>
-            <a:r>
-              <a:rPr lang="et-EE" dirty="0" err="1"/>
-              <a:t>init.d</a:t>
-            </a:r>
-            <a:r>
-              <a:rPr lang="et-EE" dirty="0"/>
-              <a:t>/</a:t>
-            </a:r>
-            <a:r>
-              <a:rPr lang="et-EE" b="1" dirty="0" err="1">
-                <a:solidFill>
-                  <a:srgbClr val="FF0000"/>
-                </a:solidFill>
-              </a:rPr>
-              <a:t>my_app</a:t>
-            </a:r>
-            <a:r>
-              <a:rPr lang="et-EE" dirty="0"/>
-              <a:t> </a:t>
-            </a:r>
-            <a:r>
-              <a:rPr lang="et-EE" dirty="0" err="1"/>
-              <a:t>stop</a:t>
-            </a:r>
-            <a:endParaRPr lang="et-EE" dirty="0"/>
-          </a:p>
-          <a:p>
-            <a:pPr marL="342900" indent="-342900">
-              <a:buAutoNum type="arabicParenR"/>
-            </a:pPr>
-            <a:r>
-              <a:rPr lang="et-EE" dirty="0" err="1"/>
-              <a:t>sudo</a:t>
-            </a:r>
-            <a:r>
-              <a:rPr lang="et-EE" dirty="0"/>
-              <a:t> </a:t>
-            </a:r>
-            <a:r>
-              <a:rPr lang="et-EE" dirty="0" err="1"/>
-              <a:t>apt-get</a:t>
-            </a:r>
-            <a:r>
-              <a:rPr lang="et-EE" dirty="0"/>
-              <a:t> install apache2</a:t>
-            </a:r>
-          </a:p>
-          <a:p>
-            <a:pPr marL="342900" indent="-342900">
-              <a:buAutoNum type="arabicParenR"/>
-            </a:pPr>
-            <a:r>
-              <a:rPr lang="et-EE" dirty="0" err="1"/>
-              <a:t>sudo</a:t>
-            </a:r>
-            <a:r>
-              <a:rPr lang="et-EE" dirty="0"/>
-              <a:t> a2enmod </a:t>
-            </a:r>
-            <a:r>
-              <a:rPr lang="et-EE" dirty="0" err="1"/>
-              <a:t>proxy</a:t>
-            </a:r>
-            <a:endParaRPr lang="et-EE" dirty="0"/>
-          </a:p>
-          <a:p>
-            <a:pPr marL="342900" indent="-342900">
-              <a:buAutoNum type="arabicParenR"/>
-            </a:pPr>
-            <a:r>
-              <a:rPr lang="et-EE" dirty="0" err="1"/>
-              <a:t>sudo</a:t>
-            </a:r>
-            <a:r>
-              <a:rPr lang="et-EE" dirty="0"/>
-              <a:t> a2enmod </a:t>
-            </a:r>
-            <a:r>
-              <a:rPr lang="et-EE" dirty="0" err="1"/>
-              <a:t>headers</a:t>
-            </a:r>
-            <a:endParaRPr lang="et-EE" dirty="0"/>
-          </a:p>
-          <a:p>
-            <a:pPr marL="342900" indent="-342900">
-              <a:buAutoNum type="arabicParenR"/>
-            </a:pPr>
-            <a:r>
-              <a:rPr lang="et-EE" dirty="0" err="1"/>
-              <a:t>sudo</a:t>
-            </a:r>
-            <a:r>
-              <a:rPr lang="et-EE" dirty="0"/>
-              <a:t> a2enmod </a:t>
-            </a:r>
-            <a:r>
-              <a:rPr lang="et-EE" dirty="0" err="1"/>
-              <a:t>ssl</a:t>
-            </a:r>
-            <a:endParaRPr lang="et-EE" dirty="0"/>
-          </a:p>
-          <a:p>
-            <a:pPr marL="342900" indent="-342900">
-              <a:buAutoNum type="arabicParenR"/>
-            </a:pPr>
-            <a:r>
-              <a:rPr lang="et-EE" dirty="0" err="1"/>
-              <a:t>sudo</a:t>
-            </a:r>
-            <a:r>
-              <a:rPr lang="et-EE" dirty="0"/>
-              <a:t> a2enmod </a:t>
-            </a:r>
-            <a:r>
-              <a:rPr lang="et-EE" dirty="0" err="1"/>
-              <a:t>proxy_http</a:t>
-            </a:r>
-            <a:endParaRPr lang="et-EE" dirty="0"/>
-          </a:p>
-          <a:p>
-            <a:pPr marL="342900" indent="-342900">
-              <a:buAutoNum type="arabicParenR"/>
-            </a:pPr>
-            <a:r>
-              <a:rPr lang="et-EE" dirty="0" err="1"/>
-              <a:t>sudo</a:t>
-            </a:r>
-            <a:r>
-              <a:rPr lang="et-EE" dirty="0"/>
-              <a:t> </a:t>
-            </a:r>
-            <a:r>
-              <a:rPr lang="et-EE" dirty="0" err="1"/>
-              <a:t>systemctl</a:t>
-            </a:r>
-            <a:r>
-              <a:rPr lang="et-EE" dirty="0"/>
-              <a:t> restart apache2 </a:t>
-            </a:r>
-          </a:p>
-          <a:p>
-            <a:pPr marL="342900" indent="-342900">
-              <a:buAutoNum type="arabicParenR"/>
-            </a:pPr>
-            <a:r>
-              <a:rPr lang="et-EE" dirty="0" err="1"/>
-              <a:t>Make</a:t>
-            </a:r>
-            <a:r>
-              <a:rPr lang="et-EE" dirty="0"/>
-              <a:t> sure </a:t>
-            </a:r>
-            <a:r>
-              <a:rPr lang="et-EE" dirty="0" err="1"/>
-              <a:t>that</a:t>
-            </a:r>
-            <a:r>
-              <a:rPr lang="et-EE" dirty="0"/>
-              <a:t> </a:t>
-            </a:r>
-            <a:r>
-              <a:rPr lang="et-EE" dirty="0" err="1"/>
-              <a:t>your</a:t>
-            </a:r>
-            <a:r>
-              <a:rPr lang="et-EE" dirty="0"/>
-              <a:t> vm </a:t>
-            </a:r>
-            <a:r>
-              <a:rPr lang="et-EE" dirty="0" err="1"/>
-              <a:t>public</a:t>
-            </a:r>
-            <a:r>
-              <a:rPr lang="et-EE" dirty="0"/>
-              <a:t> </a:t>
-            </a:r>
-            <a:r>
-              <a:rPr lang="et-EE" dirty="0" err="1"/>
-              <a:t>ip</a:t>
-            </a:r>
-            <a:r>
-              <a:rPr lang="et-EE" dirty="0"/>
-              <a:t> </a:t>
-            </a:r>
-            <a:r>
-              <a:rPr lang="et-EE" dirty="0" err="1"/>
-              <a:t>responds</a:t>
-            </a:r>
-            <a:endParaRPr lang="et-EE" dirty="0"/>
-          </a:p>
-        </p:txBody>
-      </p:sp>
-    </p:spTree>
-    <p:extLst>
-      <p:ext uri="{BB962C8B-B14F-4D97-AF65-F5344CB8AC3E}">
-        <p14:creationId xmlns:p14="http://schemas.microsoft.com/office/powerpoint/2010/main" val="2371955159"/>
-      </p:ext>
-    </p:extLst>
-  </p:cSld>
-  <p:clrMapOvr>
-    <a:masterClrMapping/>
-  </p:clrMapOvr>
-</p:sld>
-</file>
-
-<file path=ppt/slides/slide2.xml><?xml version="1.0" encoding="utf-8"?>
-<p:sld xmlns:a="http://schemas.openxmlformats.org/drawingml/2006/main" xmlns:r="http://schemas.openxmlformats.org/officeDocument/2006/relationships" xmlns:p="http://schemas.openxmlformats.org/presentationml/2006/main">
-  <p:cSld>
-    <p:spTree>
-      <p:nvGrpSpPr>
-        <p:cNvPr id="1" name=""/>
-        <p:cNvGrpSpPr/>
-        <p:nvPr/>
-      </p:nvGrpSpPr>
-      <p:grpSpPr>
-        <a:xfrm>
-          <a:off x="0" y="0"/>
-          <a:ext cx="0" cy="0"/>
-          <a:chOff x="0" y="0"/>
-          <a:chExt cx="0" cy="0"/>
-        </a:xfrm>
-      </p:grpSpPr>
-      <p:sp>
-        <p:nvSpPr>
-          <p:cNvPr id="2" name="Title 1">
-            <a:extLst>
-              <a:ext uri="{FF2B5EF4-FFF2-40B4-BE49-F238E27FC236}">
-                <a16:creationId xmlns:a16="http://schemas.microsoft.com/office/drawing/2014/main" id="{4F4BB594-4B93-49AF-99F5-7AA8D8E404EF}"/>
-              </a:ext>
-            </a:extLst>
-          </p:cNvPr>
-          <p:cNvSpPr>
-            <a:spLocks noGrp="1"/>
-          </p:cNvSpPr>
-          <p:nvPr>
-            <p:ph type="title"/>
-          </p:nvPr>
-        </p:nvSpPr>
-        <p:spPr/>
-        <p:txBody>
-          <a:bodyPr/>
-          <a:lstStyle/>
-          <a:p>
-            <a:r>
-              <a:rPr lang="et-EE" dirty="0"/>
-              <a:t>Google </a:t>
-            </a:r>
-            <a:r>
-              <a:rPr lang="et-EE" dirty="0" err="1"/>
-              <a:t>Cloud</a:t>
-            </a:r>
-            <a:endParaRPr lang="en-US" dirty="0"/>
-          </a:p>
-        </p:txBody>
-      </p:sp>
-      <p:sp>
-        <p:nvSpPr>
-          <p:cNvPr id="7" name="Content Placeholder 6">
-            <a:extLst>
-              <a:ext uri="{FF2B5EF4-FFF2-40B4-BE49-F238E27FC236}">
-                <a16:creationId xmlns:a16="http://schemas.microsoft.com/office/drawing/2014/main" id="{5D1C716B-9C57-40D6-A6CC-493EC947E584}"/>
-              </a:ext>
-            </a:extLst>
-          </p:cNvPr>
-          <p:cNvSpPr>
-            <a:spLocks noGrp="1"/>
-          </p:cNvSpPr>
-          <p:nvPr>
-            <p:ph idx="1"/>
-          </p:nvPr>
-        </p:nvSpPr>
-        <p:spPr/>
-        <p:txBody>
-          <a:bodyPr/>
-          <a:lstStyle/>
-          <a:p>
-            <a:r>
-              <a:rPr lang="et-EE" dirty="0" err="1"/>
-              <a:t>Create</a:t>
-            </a:r>
-            <a:r>
-              <a:rPr lang="et-EE" dirty="0"/>
-              <a:t> </a:t>
-            </a:r>
-            <a:r>
-              <a:rPr lang="et-EE" dirty="0" err="1"/>
-              <a:t>account</a:t>
-            </a:r>
-            <a:r>
-              <a:rPr lang="et-EE" dirty="0"/>
-              <a:t> (cloud.google.com)</a:t>
-            </a:r>
-          </a:p>
-          <a:p>
-            <a:r>
-              <a:rPr lang="et-EE" dirty="0" err="1"/>
-              <a:t>Create</a:t>
-            </a:r>
-            <a:r>
-              <a:rPr lang="et-EE" dirty="0"/>
-              <a:t> </a:t>
-            </a:r>
-            <a:r>
-              <a:rPr lang="et-EE" dirty="0" err="1"/>
-              <a:t>new</a:t>
-            </a:r>
-            <a:r>
-              <a:rPr lang="et-EE" dirty="0"/>
-              <a:t> </a:t>
-            </a:r>
-            <a:r>
-              <a:rPr lang="et-EE" dirty="0" err="1"/>
-              <a:t>compute</a:t>
-            </a:r>
-            <a:r>
-              <a:rPr lang="et-EE" dirty="0"/>
-              <a:t> </a:t>
-            </a:r>
-            <a:r>
-              <a:rPr lang="et-EE" dirty="0" err="1"/>
-              <a:t>engine</a:t>
-            </a:r>
-            <a:r>
-              <a:rPr lang="et-EE" dirty="0"/>
-              <a:t> </a:t>
-            </a:r>
-            <a:r>
-              <a:rPr lang="et-EE" dirty="0" err="1"/>
-              <a:t>instance</a:t>
-            </a:r>
-            <a:endParaRPr lang="et-EE" dirty="0"/>
-          </a:p>
-          <a:p>
-            <a:r>
-              <a:rPr lang="et-EE" dirty="0" err="1"/>
-              <a:t>Add</a:t>
-            </a:r>
-            <a:r>
-              <a:rPr lang="et-EE" dirty="0"/>
-              <a:t> </a:t>
-            </a:r>
-            <a:r>
-              <a:rPr lang="et-EE" dirty="0" err="1"/>
-              <a:t>firewall</a:t>
-            </a:r>
-            <a:r>
-              <a:rPr lang="et-EE" dirty="0"/>
-              <a:t> </a:t>
-            </a:r>
-            <a:r>
-              <a:rPr lang="et-EE" dirty="0" err="1"/>
-              <a:t>rules</a:t>
-            </a:r>
-            <a:r>
-              <a:rPr lang="et-EE" dirty="0"/>
-              <a:t> </a:t>
-            </a:r>
-            <a:r>
-              <a:rPr lang="et-EE" dirty="0" err="1"/>
-              <a:t>for</a:t>
-            </a:r>
-            <a:r>
-              <a:rPr lang="et-EE" dirty="0"/>
-              <a:t> http </a:t>
-            </a:r>
-            <a:r>
-              <a:rPr lang="et-EE" dirty="0" err="1"/>
-              <a:t>an</a:t>
-            </a:r>
-            <a:r>
-              <a:rPr lang="et-EE" dirty="0"/>
-              <a:t> https (</a:t>
-            </a:r>
-            <a:r>
-              <a:rPr lang="et-EE" dirty="0" err="1"/>
-              <a:t>while</a:t>
-            </a:r>
-            <a:r>
-              <a:rPr lang="et-EE" dirty="0"/>
-              <a:t> </a:t>
-            </a:r>
-            <a:r>
-              <a:rPr lang="et-EE" dirty="0" err="1"/>
-              <a:t>creating</a:t>
-            </a:r>
-            <a:r>
-              <a:rPr lang="et-EE" dirty="0"/>
-              <a:t>)</a:t>
-            </a:r>
-          </a:p>
-          <a:p>
-            <a:endParaRPr lang="et-EE" dirty="0"/>
-          </a:p>
-          <a:p>
-            <a:endParaRPr lang="en-US" dirty="0"/>
-          </a:p>
-        </p:txBody>
-      </p:sp>
-      <p:pic>
-        <p:nvPicPr>
-          <p:cNvPr id="4" name="Picture 3">
-            <a:extLst>
-              <a:ext uri="{FF2B5EF4-FFF2-40B4-BE49-F238E27FC236}">
-                <a16:creationId xmlns:a16="http://schemas.microsoft.com/office/drawing/2014/main" id="{8C16899F-6681-46FC-BFA9-3539079F8E08}"/>
-              </a:ext>
-            </a:extLst>
-          </p:cNvPr>
-          <p:cNvPicPr>
-            <a:picLocks noChangeAspect="1"/>
-          </p:cNvPicPr>
-          <p:nvPr/>
-        </p:nvPicPr>
-        <p:blipFill>
-          <a:blip r:embed="rId2"/>
-          <a:stretch>
-            <a:fillRect/>
-          </a:stretch>
-        </p:blipFill>
-        <p:spPr>
-          <a:xfrm>
-            <a:off x="827584" y="4149080"/>
-            <a:ext cx="7258403" cy="1296144"/>
-          </a:xfrm>
-          <a:prstGeom prst="rect">
-            <a:avLst/>
-          </a:prstGeom>
-        </p:spPr>
-      </p:pic>
-    </p:spTree>
-    <p:extLst>
-      <p:ext uri="{BB962C8B-B14F-4D97-AF65-F5344CB8AC3E}">
-        <p14:creationId xmlns:p14="http://schemas.microsoft.com/office/powerpoint/2010/main" val="3536800658"/>
-      </p:ext>
-    </p:extLst>
-  </p:cSld>
-  <p:clrMapOvr>
-    <a:masterClrMapping/>
-  </p:clrMapOvr>
-</p:sld>
-</file>
-
-<file path=ppt/slides/slide3.xml><?xml version="1.0" encoding="utf-8"?>
-<p:sld xmlns:a="http://schemas.openxmlformats.org/drawingml/2006/main" xmlns:r="http://schemas.openxmlformats.org/officeDocument/2006/relationships" xmlns:p="http://schemas.openxmlformats.org/presentationml/2006/main">
-  <p:cSld>
-    <p:spTree>
-      <p:nvGrpSpPr>
-        <p:cNvPr id="1" name=""/>
-        <p:cNvGrpSpPr/>
-        <p:nvPr/>
-      </p:nvGrpSpPr>
-      <p:grpSpPr>
-        <a:xfrm>
-          <a:off x="0" y="0"/>
-          <a:ext cx="0" cy="0"/>
-          <a:chOff x="0" y="0"/>
-          <a:chExt cx="0" cy="0"/>
-        </a:xfrm>
-      </p:grpSpPr>
-      <p:sp>
-        <p:nvSpPr>
-          <p:cNvPr id="2" name="Title 1">
-            <a:extLst>
-              <a:ext uri="{FF2B5EF4-FFF2-40B4-BE49-F238E27FC236}">
-                <a16:creationId xmlns:a16="http://schemas.microsoft.com/office/drawing/2014/main" id="{4F4BB594-4B93-49AF-99F5-7AA8D8E404EF}"/>
-              </a:ext>
-            </a:extLst>
-          </p:cNvPr>
-          <p:cNvSpPr>
-            <a:spLocks noGrp="1"/>
-          </p:cNvSpPr>
-          <p:nvPr>
-            <p:ph type="title"/>
-          </p:nvPr>
-        </p:nvSpPr>
-        <p:spPr/>
-        <p:txBody>
-          <a:bodyPr/>
-          <a:lstStyle/>
-          <a:p>
-            <a:r>
               <a:rPr lang="et-EE" dirty="0" err="1"/>
               <a:t>Create</a:t>
             </a:r>
@@ -4941,7 +4381,7 @@
 </p:sld>
 </file>
 
-<file path=ppt/slides/slide4.xml><?xml version="1.0" encoding="utf-8"?>
+<file path=ppt/slides/slide11.xml><?xml version="1.0" encoding="utf-8"?>
 <p:sld xmlns:a="http://schemas.openxmlformats.org/drawingml/2006/main" xmlns:r="http://schemas.openxmlformats.org/officeDocument/2006/relationships" xmlns:p="http://schemas.openxmlformats.org/presentationml/2006/main">
   <p:cSld>
     <p:spTree>
@@ -5045,7 +4485,7 @@
 </p:sld>
 </file>
 
-<file path=ppt/slides/slide5.xml><?xml version="1.0" encoding="utf-8"?>
+<file path=ppt/slides/slide12.xml><?xml version="1.0" encoding="utf-8"?>
 <p:sld xmlns:a="http://schemas.openxmlformats.org/drawingml/2006/main" xmlns:r="http://schemas.openxmlformats.org/officeDocument/2006/relationships" xmlns:p="http://schemas.openxmlformats.org/presentationml/2006/main">
   <p:cSld>
     <p:spTree>
@@ -5275,19 +4715,19 @@
               <a:t>In </a:t>
             </a:r>
             <a:r>
-              <a:rPr lang="et-EE" dirty="0" err="1"/>
+              <a:rPr lang="et-EE" b="1" dirty="0" err="1"/>
               <a:t>opened</a:t>
             </a:r>
             <a:r>
-              <a:rPr lang="et-EE" dirty="0"/>
-              <a:t> </a:t>
-            </a:r>
-            <a:r>
-              <a:rPr lang="et-EE" dirty="0" err="1"/>
+              <a:rPr lang="et-EE" b="1" dirty="0"/>
+              <a:t> </a:t>
+            </a:r>
+            <a:r>
+              <a:rPr lang="et-EE" b="1" dirty="0" err="1"/>
               <a:t>console</a:t>
             </a:r>
             <a:r>
-              <a:rPr lang="et-EE" dirty="0"/>
+              <a:rPr lang="et-EE" b="1" dirty="0"/>
               <a:t> </a:t>
             </a:r>
             <a:r>
@@ -5408,7 +4848,7 @@
 </p:sld>
 </file>
 
-<file path=ppt/slides/slide6.xml><?xml version="1.0" encoding="utf-8"?>
+<file path=ppt/slides/slide13.xml><?xml version="1.0" encoding="utf-8"?>
 <p:sld xmlns:a="http://schemas.openxmlformats.org/drawingml/2006/main" xmlns:r="http://schemas.openxmlformats.org/officeDocument/2006/relationships" xmlns:p="http://schemas.openxmlformats.org/presentationml/2006/main">
   <p:cSld>
     <p:spTree>
@@ -5443,7 +4883,9 @@
         </p:nvSpPr>
         <p:spPr/>
         <p:txBody>
-          <a:bodyPr/>
+          <a:bodyPr>
+            <a:normAutofit fontScale="90000"/>
+          </a:bodyPr>
           <a:lstStyle/>
           <a:p>
             <a:r>
@@ -5466,7 +4908,18 @@
               <a:rPr lang="et-EE" dirty="0" err="1"/>
               <a:t>file</a:t>
             </a:r>
-            <a:endParaRPr lang="en-US" dirty="0"/>
+            <a:r>
+              <a:rPr lang="en-US" dirty="0"/>
+              <a:t> </a:t>
+            </a:r>
+            <a:r>
+              <a:rPr lang="ru-RU" dirty="0"/>
+              <a:t>из консоли, которую открыл браузер при нажатии кнопки </a:t>
+            </a:r>
+            <a:r>
+              <a:rPr lang="en-US" dirty="0"/>
+              <a:t>SSH</a:t>
+            </a:r>
           </a:p>
         </p:txBody>
       </p:sp>
@@ -5513,6 +4966,3574 @@
 </p:sld>
 </file>
 
+<file path=ppt/slides/slide14.xml><?xml version="1.0" encoding="utf-8"?>
+<p:sld xmlns:a="http://schemas.openxmlformats.org/drawingml/2006/main" xmlns:r="http://schemas.openxmlformats.org/officeDocument/2006/relationships" xmlns:p="http://schemas.openxmlformats.org/presentationml/2006/main">
+  <p:cSld>
+    <p:spTree>
+      <p:nvGrpSpPr>
+        <p:cNvPr id="1" name=""/>
+        <p:cNvGrpSpPr/>
+        <p:nvPr/>
+      </p:nvGrpSpPr>
+      <p:grpSpPr>
+        <a:xfrm>
+          <a:off x="0" y="0"/>
+          <a:ext cx="0" cy="0"/>
+          <a:chOff x="0" y="0"/>
+          <a:chExt cx="0" cy="0"/>
+        </a:xfrm>
+      </p:grpSpPr>
+      <p:sp>
+        <p:nvSpPr>
+          <p:cNvPr id="2" name="Title 1">
+            <a:extLst>
+              <a:ext uri="{FF2B5EF4-FFF2-40B4-BE49-F238E27FC236}">
+                <a16:creationId xmlns:a16="http://schemas.microsoft.com/office/drawing/2014/main" id="{4F4BB594-4B93-49AF-99F5-7AA8D8E404EF}"/>
+              </a:ext>
+            </a:extLst>
+          </p:cNvPr>
+          <p:cNvSpPr>
+            <a:spLocks noGrp="1"/>
+          </p:cNvSpPr>
+          <p:nvPr>
+            <p:ph type="title"/>
+          </p:nvPr>
+        </p:nvSpPr>
+        <p:spPr/>
+        <p:txBody>
+          <a:bodyPr>
+            <a:normAutofit fontScale="90000"/>
+          </a:bodyPr>
+          <a:lstStyle/>
+          <a:p>
+            <a:r>
+              <a:rPr lang="et-EE" dirty="0" err="1"/>
+              <a:t>Add</a:t>
+            </a:r>
+            <a:r>
+              <a:rPr lang="et-EE" dirty="0"/>
+              <a:t> </a:t>
+            </a:r>
+            <a:r>
+              <a:rPr lang="et-EE" dirty="0" err="1"/>
+              <a:t>application.properties</a:t>
+            </a:r>
+            <a:r>
+              <a:rPr lang="et-EE" dirty="0"/>
+              <a:t> </a:t>
+            </a:r>
+            <a:r>
+              <a:rPr lang="et-EE" dirty="0" err="1"/>
+              <a:t>file</a:t>
+            </a:r>
+            <a:br>
+              <a:rPr lang="ru-RU" dirty="0"/>
+            </a:br>
+            <a:r>
+              <a:rPr lang="ru-RU" dirty="0"/>
+              <a:t>залить через консоль</a:t>
+            </a:r>
+            <a:r>
+              <a:rPr lang="en-US" dirty="0"/>
+              <a:t> </a:t>
+            </a:r>
+            <a:r>
+              <a:rPr lang="ru-RU" dirty="0"/>
+              <a:t>потом из консоли редактировать этот файл</a:t>
+            </a:r>
+            <a:endParaRPr lang="en-US" dirty="0"/>
+          </a:p>
+        </p:txBody>
+      </p:sp>
+      <p:sp>
+        <p:nvSpPr>
+          <p:cNvPr id="3" name="TextBox 2">
+            <a:extLst>
+              <a:ext uri="{FF2B5EF4-FFF2-40B4-BE49-F238E27FC236}">
+                <a16:creationId xmlns:a16="http://schemas.microsoft.com/office/drawing/2014/main" id="{EC84FC94-AA30-4575-8C1A-04FDF049F7BD}"/>
+              </a:ext>
+            </a:extLst>
+          </p:cNvPr>
+          <p:cNvSpPr txBox="1"/>
+          <p:nvPr/>
+        </p:nvSpPr>
+        <p:spPr>
+          <a:xfrm>
+            <a:off x="442838" y="2276872"/>
+            <a:ext cx="7369522" cy="3970318"/>
+          </a:xfrm>
+          <a:prstGeom prst="rect">
+            <a:avLst/>
+          </a:prstGeom>
+          <a:noFill/>
+        </p:spPr>
+        <p:txBody>
+          <a:bodyPr wrap="square" rtlCol="0">
+            <a:spAutoFit/>
+          </a:bodyPr>
+          <a:lstStyle/>
+          <a:p>
+            <a:r>
+              <a:rPr lang="et-EE" i="1" dirty="0" err="1"/>
+              <a:t>Insert</a:t>
+            </a:r>
+            <a:r>
+              <a:rPr lang="et-EE" i="1" dirty="0"/>
+              <a:t> </a:t>
+            </a:r>
+            <a:r>
+              <a:rPr lang="et-EE" i="1" dirty="0" err="1"/>
+              <a:t>command</a:t>
+            </a:r>
+            <a:r>
+              <a:rPr lang="ru-RU" i="1" dirty="0"/>
+              <a:t> (в консоли)</a:t>
+            </a:r>
+            <a:r>
+              <a:rPr lang="et-EE" i="1" dirty="0"/>
+              <a:t>:</a:t>
+            </a:r>
+            <a:r>
+              <a:rPr lang="en-US" b="1" i="1" dirty="0" err="1"/>
+              <a:t>sudo</a:t>
+            </a:r>
+            <a:r>
+              <a:rPr lang="en-US" b="1" i="1" dirty="0"/>
+              <a:t> </a:t>
+            </a:r>
+            <a:r>
+              <a:rPr lang="et-EE" b="1" i="1" dirty="0" err="1"/>
+              <a:t>vim</a:t>
+            </a:r>
+            <a:r>
+              <a:rPr lang="et-EE" b="1" i="1" dirty="0"/>
+              <a:t> </a:t>
+            </a:r>
+            <a:r>
+              <a:rPr lang="et-EE" b="1" i="1" dirty="0" err="1"/>
+              <a:t>application.properties</a:t>
+            </a:r>
+            <a:endParaRPr lang="et-EE" b="1" i="1" dirty="0"/>
+          </a:p>
+          <a:p>
+            <a:r>
+              <a:rPr lang="et-EE" i="1" dirty="0"/>
+              <a:t>Press: </a:t>
+            </a:r>
+            <a:r>
+              <a:rPr lang="et-EE" b="1" i="1" dirty="0"/>
+              <a:t>i</a:t>
+            </a:r>
+          </a:p>
+          <a:p>
+            <a:r>
+              <a:rPr lang="et-EE" i="1" dirty="0" err="1"/>
+              <a:t>Paste</a:t>
+            </a:r>
+            <a:r>
+              <a:rPr lang="et-EE" i="1" dirty="0"/>
+              <a:t> </a:t>
+            </a:r>
+            <a:r>
+              <a:rPr lang="et-EE" i="1" dirty="0" err="1"/>
+              <a:t>application.properties</a:t>
+            </a:r>
+            <a:r>
+              <a:rPr lang="et-EE" i="1" dirty="0"/>
+              <a:t> </a:t>
+            </a:r>
+            <a:r>
+              <a:rPr lang="et-EE" i="1" dirty="0" err="1"/>
+              <a:t>content</a:t>
+            </a:r>
+            <a:r>
+              <a:rPr lang="et-EE" i="1" dirty="0"/>
+              <a:t>:</a:t>
+            </a:r>
+            <a:endParaRPr lang="ru-RU" i="1" dirty="0"/>
+          </a:p>
+          <a:p>
+            <a:endParaRPr lang="et-EE" i="1" dirty="0"/>
+          </a:p>
+          <a:p>
+            <a:r>
+              <a:rPr kumimoji="0" lang="en-US" altLang="en-US" sz="1800" b="0" i="0" u="none" strike="noStrike" cap="none" normalizeH="0" baseline="0" dirty="0" err="1">
+                <a:ln>
+                  <a:noFill/>
+                </a:ln>
+                <a:solidFill>
+                  <a:srgbClr val="083080"/>
+                </a:solidFill>
+                <a:effectLst/>
+                <a:latin typeface="JetBrains Mono"/>
+              </a:rPr>
+              <a:t>server.port</a:t>
+            </a:r>
+            <a:r>
+              <a:rPr kumimoji="0" lang="en-US" altLang="en-US" sz="1800" b="0" i="0" u="none" strike="noStrike" cap="none" normalizeH="0" baseline="0" dirty="0">
+                <a:ln>
+                  <a:noFill/>
+                </a:ln>
+                <a:solidFill>
+                  <a:srgbClr val="080808"/>
+                </a:solidFill>
+                <a:effectLst/>
+                <a:latin typeface="JetBrains Mono"/>
+              </a:rPr>
+              <a:t>=</a:t>
+            </a:r>
+            <a:r>
+              <a:rPr kumimoji="0" lang="en-US" altLang="en-US" sz="1800" b="1" i="0" u="none" strike="noStrike" cap="none" normalizeH="0" baseline="0" dirty="0">
+                <a:ln>
+                  <a:noFill/>
+                </a:ln>
+                <a:solidFill>
+                  <a:srgbClr val="FF0000"/>
+                </a:solidFill>
+                <a:effectLst/>
+                <a:latin typeface="JetBrains Mono"/>
+              </a:rPr>
+              <a:t>80</a:t>
+            </a:r>
+            <a:br>
+              <a:rPr kumimoji="0" lang="en-US" altLang="en-US" sz="1800" b="0" i="0" u="none" strike="noStrike" cap="none" normalizeH="0" baseline="0" dirty="0">
+                <a:ln>
+                  <a:noFill/>
+                </a:ln>
+                <a:solidFill>
+                  <a:srgbClr val="1750EB"/>
+                </a:solidFill>
+                <a:effectLst/>
+                <a:latin typeface="JetBrains Mono"/>
+              </a:rPr>
+            </a:br>
+            <a:r>
+              <a:rPr kumimoji="0" lang="en-US" altLang="en-US" sz="1800" b="0" i="0" u="none" strike="noStrike" cap="none" normalizeH="0" baseline="0" dirty="0">
+                <a:ln>
+                  <a:noFill/>
+                </a:ln>
+                <a:solidFill>
+                  <a:srgbClr val="083080"/>
+                </a:solidFill>
+                <a:effectLst/>
+                <a:latin typeface="JetBrains Mono"/>
+              </a:rPr>
+              <a:t>spring.datasource.url</a:t>
+            </a:r>
+            <a:r>
+              <a:rPr kumimoji="0" lang="en-US" altLang="en-US" sz="1800" b="0" i="0" u="none" strike="noStrike" cap="none" normalizeH="0" baseline="0" dirty="0">
+                <a:ln>
+                  <a:noFill/>
+                </a:ln>
+                <a:solidFill>
+                  <a:srgbClr val="080808"/>
+                </a:solidFill>
+                <a:effectLst/>
+                <a:latin typeface="JetBrains Mono"/>
+              </a:rPr>
+              <a:t>=</a:t>
+            </a:r>
+            <a:r>
+              <a:rPr kumimoji="0" lang="en-US" altLang="en-US" sz="1800" b="0" i="0" u="none" strike="noStrike" cap="none" normalizeH="0" baseline="0" dirty="0" err="1">
+                <a:ln>
+                  <a:noFill/>
+                </a:ln>
+                <a:solidFill>
+                  <a:srgbClr val="067D17"/>
+                </a:solidFill>
+                <a:effectLst/>
+                <a:latin typeface="JetBrains Mono"/>
+              </a:rPr>
+              <a:t>jdbc:postgresql</a:t>
+            </a:r>
+            <a:r>
+              <a:rPr kumimoji="0" lang="en-US" altLang="en-US" sz="1800" b="0" i="0" u="none" strike="noStrike" cap="none" normalizeH="0" baseline="0" dirty="0">
+                <a:ln>
+                  <a:noFill/>
+                </a:ln>
+                <a:solidFill>
+                  <a:srgbClr val="067D17"/>
+                </a:solidFill>
+                <a:effectLst/>
+                <a:latin typeface="JetBrains Mono"/>
+              </a:rPr>
+              <a:t>://</a:t>
+            </a:r>
+            <a:r>
+              <a:rPr kumimoji="0" lang="et-EE" altLang="en-US" sz="1800" b="0" i="0" u="none" strike="noStrike" cap="none" normalizeH="0" baseline="0" dirty="0">
+                <a:ln>
+                  <a:noFill/>
+                </a:ln>
+                <a:solidFill>
+                  <a:srgbClr val="FF0000"/>
+                </a:solidFill>
+                <a:effectLst/>
+                <a:latin typeface="JetBrains Mono"/>
+              </a:rPr>
+              <a:t>YOUR_SQL_IP_HERE</a:t>
+            </a:r>
+            <a:r>
+              <a:rPr kumimoji="0" lang="en-US" altLang="en-US" sz="1800" b="0" i="0" u="none" strike="noStrike" cap="none" normalizeH="0" baseline="0" dirty="0">
+                <a:ln>
+                  <a:noFill/>
+                </a:ln>
+                <a:solidFill>
+                  <a:srgbClr val="067D17"/>
+                </a:solidFill>
+                <a:effectLst/>
+                <a:latin typeface="JetBrains Mono"/>
+              </a:rPr>
+              <a:t>/</a:t>
+            </a:r>
+            <a:r>
+              <a:rPr kumimoji="0" lang="en-US" altLang="en-US" sz="1800" b="0" i="0" u="none" strike="noStrike" cap="none" normalizeH="0" baseline="0" dirty="0" err="1">
+                <a:ln>
+                  <a:noFill/>
+                </a:ln>
+                <a:solidFill>
+                  <a:srgbClr val="067D17"/>
+                </a:solidFill>
+                <a:effectLst/>
+                <a:latin typeface="JetBrains Mono"/>
+              </a:rPr>
+              <a:t>postgres</a:t>
+            </a:r>
+            <a:br>
+              <a:rPr kumimoji="0" lang="en-US" altLang="en-US" sz="1800" b="0" i="0" u="none" strike="noStrike" cap="none" normalizeH="0" baseline="0" dirty="0">
+                <a:ln>
+                  <a:noFill/>
+                </a:ln>
+                <a:solidFill>
+                  <a:srgbClr val="067D17"/>
+                </a:solidFill>
+                <a:effectLst/>
+                <a:latin typeface="JetBrains Mono"/>
+              </a:rPr>
+            </a:br>
+            <a:r>
+              <a:rPr kumimoji="0" lang="en-US" altLang="en-US" sz="1800" b="0" i="0" u="none" strike="noStrike" cap="none" normalizeH="0" baseline="0" dirty="0" err="1">
+                <a:ln>
+                  <a:noFill/>
+                </a:ln>
+                <a:solidFill>
+                  <a:srgbClr val="083080"/>
+                </a:solidFill>
+                <a:effectLst/>
+                <a:latin typeface="JetBrains Mono"/>
+              </a:rPr>
+              <a:t>spring.datasource.username</a:t>
+            </a:r>
+            <a:r>
+              <a:rPr kumimoji="0" lang="en-US" altLang="en-US" sz="1800" b="0" i="0" u="none" strike="noStrike" cap="none" normalizeH="0" baseline="0" dirty="0">
+                <a:ln>
+                  <a:noFill/>
+                </a:ln>
+                <a:solidFill>
+                  <a:srgbClr val="080808"/>
+                </a:solidFill>
+                <a:effectLst/>
+                <a:latin typeface="JetBrains Mono"/>
+              </a:rPr>
+              <a:t>=</a:t>
+            </a:r>
+            <a:r>
+              <a:rPr kumimoji="0" lang="en-US" altLang="en-US" sz="1800" b="0" i="0" u="none" strike="noStrike" cap="none" normalizeH="0" baseline="0" dirty="0" err="1">
+                <a:ln>
+                  <a:noFill/>
+                </a:ln>
+                <a:solidFill>
+                  <a:srgbClr val="067D17"/>
+                </a:solidFill>
+                <a:effectLst/>
+                <a:latin typeface="JetBrains Mono"/>
+              </a:rPr>
+              <a:t>postgres</a:t>
+            </a:r>
+            <a:br>
+              <a:rPr kumimoji="0" lang="en-US" altLang="en-US" sz="1800" b="0" i="0" u="none" strike="noStrike" cap="none" normalizeH="0" baseline="0" dirty="0">
+                <a:ln>
+                  <a:noFill/>
+                </a:ln>
+                <a:solidFill>
+                  <a:srgbClr val="067D17"/>
+                </a:solidFill>
+                <a:effectLst/>
+                <a:latin typeface="JetBrains Mono"/>
+              </a:rPr>
+            </a:br>
+            <a:r>
+              <a:rPr kumimoji="0" lang="en-US" altLang="en-US" sz="1800" b="0" i="0" u="none" strike="noStrike" cap="none" normalizeH="0" baseline="0" dirty="0" err="1">
+                <a:ln>
+                  <a:noFill/>
+                </a:ln>
+                <a:solidFill>
+                  <a:srgbClr val="083080"/>
+                </a:solidFill>
+                <a:effectLst/>
+                <a:latin typeface="JetBrains Mono"/>
+              </a:rPr>
+              <a:t>spring.datasource.password</a:t>
+            </a:r>
+            <a:r>
+              <a:rPr kumimoji="0" lang="en-US" altLang="en-US" sz="1800" b="0" i="0" u="none" strike="noStrike" cap="none" normalizeH="0" baseline="0" dirty="0">
+                <a:ln>
+                  <a:noFill/>
+                </a:ln>
+                <a:solidFill>
+                  <a:srgbClr val="080808"/>
+                </a:solidFill>
+                <a:effectLst/>
+                <a:latin typeface="JetBrains Mono"/>
+              </a:rPr>
+              <a:t>=</a:t>
+            </a:r>
+            <a:r>
+              <a:rPr kumimoji="0" lang="et-EE" altLang="en-US" sz="1800" b="0" i="0" u="none" strike="noStrike" cap="none" normalizeH="0" baseline="0" dirty="0">
+                <a:ln>
+                  <a:noFill/>
+                </a:ln>
+                <a:solidFill>
+                  <a:srgbClr val="FF0000"/>
+                </a:solidFill>
+                <a:effectLst/>
+                <a:latin typeface="JetBrains Mono"/>
+              </a:rPr>
+              <a:t>SQL_PASSWORD</a:t>
+            </a:r>
+            <a:br>
+              <a:rPr kumimoji="0" lang="en-US" altLang="en-US" sz="1800" b="0" i="0" u="none" strike="noStrike" cap="none" normalizeH="0" baseline="0" dirty="0">
+                <a:ln>
+                  <a:noFill/>
+                </a:ln>
+                <a:solidFill>
+                  <a:srgbClr val="067D17"/>
+                </a:solidFill>
+                <a:effectLst/>
+                <a:latin typeface="JetBrains Mono"/>
+              </a:rPr>
+            </a:br>
+            <a:r>
+              <a:rPr kumimoji="0" lang="en-US" altLang="en-US" sz="1800" b="0" i="0" u="none" strike="noStrike" cap="none" normalizeH="0" baseline="0" dirty="0" err="1">
+                <a:ln>
+                  <a:noFill/>
+                </a:ln>
+                <a:solidFill>
+                  <a:srgbClr val="083080"/>
+                </a:solidFill>
+                <a:effectLst/>
+                <a:latin typeface="JetBrains Mono"/>
+              </a:rPr>
+              <a:t>spring.datasource.driver</a:t>
+            </a:r>
+            <a:r>
+              <a:rPr kumimoji="0" lang="en-US" altLang="en-US" sz="1800" b="0" i="0" u="none" strike="noStrike" cap="none" normalizeH="0" baseline="0" dirty="0">
+                <a:ln>
+                  <a:noFill/>
+                </a:ln>
+                <a:solidFill>
+                  <a:srgbClr val="083080"/>
+                </a:solidFill>
+                <a:effectLst/>
+                <a:latin typeface="JetBrains Mono"/>
+              </a:rPr>
+              <a:t>-class-name</a:t>
+            </a:r>
+            <a:r>
+              <a:rPr kumimoji="0" lang="en-US" altLang="en-US" sz="1800" b="0" i="0" u="none" strike="noStrike" cap="none" normalizeH="0" baseline="0" dirty="0">
+                <a:ln>
+                  <a:noFill/>
+                </a:ln>
+                <a:solidFill>
+                  <a:srgbClr val="080808"/>
+                </a:solidFill>
+                <a:effectLst/>
+                <a:latin typeface="JetBrains Mono"/>
+              </a:rPr>
+              <a:t>=</a:t>
+            </a:r>
+            <a:r>
+              <a:rPr kumimoji="0" lang="en-US" altLang="en-US" sz="1800" b="0" i="0" u="none" strike="noStrike" cap="none" normalizeH="0" baseline="0" dirty="0" err="1">
+                <a:ln>
+                  <a:noFill/>
+                </a:ln>
+                <a:solidFill>
+                  <a:srgbClr val="000000"/>
+                </a:solidFill>
+                <a:effectLst/>
+                <a:latin typeface="JetBrains Mono"/>
+              </a:rPr>
+              <a:t>org</a:t>
+            </a:r>
+            <a:r>
+              <a:rPr kumimoji="0" lang="en-US" altLang="en-US" sz="1800" b="0" i="0" u="none" strike="noStrike" cap="none" normalizeH="0" baseline="0" dirty="0" err="1">
+                <a:ln>
+                  <a:noFill/>
+                </a:ln>
+                <a:solidFill>
+                  <a:srgbClr val="067D17"/>
+                </a:solidFill>
+                <a:effectLst/>
+                <a:latin typeface="JetBrains Mono"/>
+              </a:rPr>
+              <a:t>.</a:t>
+            </a:r>
+            <a:r>
+              <a:rPr kumimoji="0" lang="en-US" altLang="en-US" sz="1800" b="0" i="0" u="none" strike="noStrike" cap="none" normalizeH="0" baseline="0" dirty="0" err="1">
+                <a:ln>
+                  <a:noFill/>
+                </a:ln>
+                <a:solidFill>
+                  <a:srgbClr val="000000"/>
+                </a:solidFill>
+                <a:effectLst/>
+                <a:latin typeface="JetBrains Mono"/>
+              </a:rPr>
+              <a:t>postgresql</a:t>
+            </a:r>
+            <a:r>
+              <a:rPr kumimoji="0" lang="en-US" altLang="en-US" sz="1800" b="0" i="0" u="none" strike="noStrike" cap="none" normalizeH="0" baseline="0" dirty="0" err="1">
+                <a:ln>
+                  <a:noFill/>
+                </a:ln>
+                <a:solidFill>
+                  <a:srgbClr val="067D17"/>
+                </a:solidFill>
+                <a:effectLst/>
+                <a:latin typeface="JetBrains Mono"/>
+              </a:rPr>
+              <a:t>.</a:t>
+            </a:r>
+            <a:r>
+              <a:rPr kumimoji="0" lang="en-US" altLang="en-US" sz="1800" b="0" i="0" u="none" strike="noStrike" cap="none" normalizeH="0" baseline="0" dirty="0" err="1">
+                <a:ln>
+                  <a:noFill/>
+                </a:ln>
+                <a:solidFill>
+                  <a:srgbClr val="000000"/>
+                </a:solidFill>
+                <a:effectLst/>
+                <a:latin typeface="JetBrains Mono"/>
+              </a:rPr>
+              <a:t>Driver</a:t>
+            </a:r>
+            <a:endParaRPr kumimoji="0" lang="en-US" altLang="en-US" sz="4400" b="0" i="0" u="none" strike="noStrike" cap="none" normalizeH="0" baseline="0" dirty="0">
+              <a:ln>
+                <a:noFill/>
+              </a:ln>
+              <a:solidFill>
+                <a:schemeClr val="tx1"/>
+              </a:solidFill>
+              <a:effectLst/>
+              <a:latin typeface="Arial" panose="020B0604020202020204" pitchFamily="34" charset="0"/>
+            </a:endParaRPr>
+          </a:p>
+          <a:p>
+            <a:endParaRPr lang="et-EE" i="1" dirty="0"/>
+          </a:p>
+          <a:p>
+            <a:r>
+              <a:rPr lang="et-EE" i="1" dirty="0"/>
+              <a:t>Press: </a:t>
+            </a:r>
+            <a:r>
+              <a:rPr lang="et-EE" b="1" i="1" dirty="0" err="1"/>
+              <a:t>esc</a:t>
+            </a:r>
+            <a:endParaRPr lang="et-EE" b="1" i="1" dirty="0"/>
+          </a:p>
+          <a:p>
+            <a:r>
+              <a:rPr lang="et-EE" i="1" dirty="0"/>
+              <a:t>Press: </a:t>
+            </a:r>
+            <a:r>
+              <a:rPr lang="et-EE" b="1" i="1" dirty="0"/>
+              <a:t>:</a:t>
+            </a:r>
+            <a:r>
+              <a:rPr lang="et-EE" b="1" i="1" dirty="0" err="1"/>
+              <a:t>wq</a:t>
+            </a:r>
+            <a:endParaRPr lang="et-EE" b="1" i="1" dirty="0"/>
+          </a:p>
+          <a:p>
+            <a:r>
+              <a:rPr lang="et-EE" i="1" dirty="0"/>
+              <a:t>Press: </a:t>
+            </a:r>
+            <a:r>
+              <a:rPr lang="et-EE" b="1" i="1" dirty="0"/>
+              <a:t>Enter</a:t>
+            </a:r>
+          </a:p>
+          <a:p>
+            <a:endParaRPr lang="et-EE" i="1" dirty="0"/>
+          </a:p>
+        </p:txBody>
+      </p:sp>
+    </p:spTree>
+    <p:extLst>
+      <p:ext uri="{BB962C8B-B14F-4D97-AF65-F5344CB8AC3E}">
+        <p14:creationId xmlns:p14="http://schemas.microsoft.com/office/powerpoint/2010/main" val="4251540718"/>
+      </p:ext>
+    </p:extLst>
+  </p:cSld>
+  <p:clrMapOvr>
+    <a:masterClrMapping/>
+  </p:clrMapOvr>
+</p:sld>
+</file>
+
+<file path=ppt/slides/slide15.xml><?xml version="1.0" encoding="utf-8"?>
+<p:sld xmlns:a="http://schemas.openxmlformats.org/drawingml/2006/main" xmlns:r="http://schemas.openxmlformats.org/officeDocument/2006/relationships" xmlns:p="http://schemas.openxmlformats.org/presentationml/2006/main">
+  <p:cSld>
+    <p:spTree>
+      <p:nvGrpSpPr>
+        <p:cNvPr id="1" name=""/>
+        <p:cNvGrpSpPr/>
+        <p:nvPr/>
+      </p:nvGrpSpPr>
+      <p:grpSpPr>
+        <a:xfrm>
+          <a:off x="0" y="0"/>
+          <a:ext cx="0" cy="0"/>
+          <a:chOff x="0" y="0"/>
+          <a:chExt cx="0" cy="0"/>
+        </a:xfrm>
+      </p:grpSpPr>
+      <p:sp>
+        <p:nvSpPr>
+          <p:cNvPr id="2" name="Title 1">
+            <a:extLst>
+              <a:ext uri="{FF2B5EF4-FFF2-40B4-BE49-F238E27FC236}">
+                <a16:creationId xmlns:a16="http://schemas.microsoft.com/office/drawing/2014/main" id="{4F4BB594-4B93-49AF-99F5-7AA8D8E404EF}"/>
+              </a:ext>
+            </a:extLst>
+          </p:cNvPr>
+          <p:cNvSpPr>
+            <a:spLocks noGrp="1"/>
+          </p:cNvSpPr>
+          <p:nvPr>
+            <p:ph type="title"/>
+          </p:nvPr>
+        </p:nvSpPr>
+        <p:spPr/>
+        <p:txBody>
+          <a:bodyPr/>
+          <a:lstStyle/>
+          <a:p>
+            <a:r>
+              <a:rPr lang="et-EE" dirty="0" err="1"/>
+              <a:t>Run</a:t>
+            </a:r>
+            <a:r>
+              <a:rPr lang="et-EE" dirty="0"/>
+              <a:t> .</a:t>
+            </a:r>
+            <a:r>
+              <a:rPr lang="et-EE" dirty="0" err="1"/>
+              <a:t>jar</a:t>
+            </a:r>
+            <a:r>
+              <a:rPr lang="et-EE" dirty="0"/>
+              <a:t> </a:t>
+            </a:r>
+            <a:r>
+              <a:rPr lang="et-EE" dirty="0" err="1"/>
+              <a:t>file</a:t>
+            </a:r>
+            <a:endParaRPr lang="en-US" dirty="0"/>
+          </a:p>
+        </p:txBody>
+      </p:sp>
+      <p:sp>
+        <p:nvSpPr>
+          <p:cNvPr id="3" name="TextBox 2">
+            <a:extLst>
+              <a:ext uri="{FF2B5EF4-FFF2-40B4-BE49-F238E27FC236}">
+                <a16:creationId xmlns:a16="http://schemas.microsoft.com/office/drawing/2014/main" id="{EC84FC94-AA30-4575-8C1A-04FDF049F7BD}"/>
+              </a:ext>
+            </a:extLst>
+          </p:cNvPr>
+          <p:cNvSpPr txBox="1"/>
+          <p:nvPr/>
+        </p:nvSpPr>
+        <p:spPr>
+          <a:xfrm>
+            <a:off x="442838" y="2276872"/>
+            <a:ext cx="7369522" cy="3970318"/>
+          </a:xfrm>
+          <a:prstGeom prst="rect">
+            <a:avLst/>
+          </a:prstGeom>
+          <a:noFill/>
+        </p:spPr>
+        <p:txBody>
+          <a:bodyPr wrap="square" rtlCol="0">
+            <a:spAutoFit/>
+          </a:bodyPr>
+          <a:lstStyle/>
+          <a:p>
+            <a:r>
+              <a:rPr lang="et-EE" dirty="0" err="1"/>
+              <a:t>Run</a:t>
+            </a:r>
+            <a:r>
+              <a:rPr lang="et-EE" dirty="0"/>
+              <a:t> </a:t>
+            </a:r>
+            <a:r>
+              <a:rPr lang="et-EE" dirty="0" err="1"/>
+              <a:t>commands</a:t>
+            </a:r>
+            <a:r>
+              <a:rPr lang="et-EE" dirty="0"/>
+              <a:t>:</a:t>
+            </a:r>
+            <a:r>
+              <a:rPr lang="ru-RU" dirty="0"/>
+              <a:t> (</a:t>
+            </a:r>
+            <a:r>
+              <a:rPr lang="en-US" dirty="0"/>
+              <a:t>ls – </a:t>
+            </a:r>
+            <a:r>
+              <a:rPr lang="ru-RU" dirty="0"/>
+              <a:t>покажет все файлы)</a:t>
+            </a:r>
+            <a:endParaRPr lang="et-EE" dirty="0"/>
+          </a:p>
+          <a:p>
+            <a:pPr marL="342900" indent="-342900">
+              <a:buAutoNum type="arabicParenR"/>
+            </a:pPr>
+            <a:r>
+              <a:rPr lang="et-EE" dirty="0" err="1"/>
+              <a:t>sudo</a:t>
+            </a:r>
+            <a:r>
+              <a:rPr lang="et-EE" dirty="0"/>
+              <a:t> </a:t>
+            </a:r>
+            <a:r>
+              <a:rPr lang="et-EE" dirty="0" err="1"/>
+              <a:t>chmod</a:t>
+            </a:r>
+            <a:r>
+              <a:rPr lang="et-EE" dirty="0"/>
+              <a:t> +x my_jar_file.jar</a:t>
+            </a:r>
+            <a:r>
+              <a:rPr lang="ru-RU" dirty="0"/>
+              <a:t> (разрешает </a:t>
+            </a:r>
+            <a:r>
+              <a:rPr lang="en-US" dirty="0"/>
+              <a:t>execute, </a:t>
+            </a:r>
+            <a:r>
+              <a:rPr lang="ru-RU" dirty="0"/>
+              <a:t>файл </a:t>
+            </a:r>
+            <a:r>
+              <a:rPr lang="en-US" dirty="0"/>
+              <a:t>jar </a:t>
+            </a:r>
+            <a:r>
+              <a:rPr lang="ru-RU" dirty="0"/>
+              <a:t>станет зелёным)</a:t>
+            </a:r>
+            <a:endParaRPr lang="et-EE" dirty="0"/>
+          </a:p>
+          <a:p>
+            <a:pPr marL="342900" indent="-342900">
+              <a:buAutoNum type="arabicParenR"/>
+            </a:pPr>
+            <a:r>
+              <a:rPr lang="et-EE" dirty="0"/>
+              <a:t>Test </a:t>
+            </a:r>
+            <a:r>
+              <a:rPr lang="et-EE" dirty="0" err="1"/>
+              <a:t>that</a:t>
+            </a:r>
+            <a:r>
+              <a:rPr lang="et-EE" dirty="0"/>
+              <a:t> </a:t>
+            </a:r>
+            <a:r>
+              <a:rPr lang="et-EE" dirty="0" err="1"/>
+              <a:t>everything</a:t>
+            </a:r>
+            <a:r>
+              <a:rPr lang="et-EE" dirty="0"/>
+              <a:t> </a:t>
+            </a:r>
+            <a:r>
+              <a:rPr lang="et-EE" dirty="0" err="1"/>
+              <a:t>works</a:t>
+            </a:r>
+            <a:r>
+              <a:rPr lang="et-EE" dirty="0"/>
+              <a:t> </a:t>
+            </a:r>
+            <a:r>
+              <a:rPr lang="et-EE" dirty="0" err="1"/>
+              <a:t>with</a:t>
+            </a:r>
+            <a:r>
+              <a:rPr lang="et-EE" dirty="0"/>
+              <a:t> </a:t>
+            </a:r>
+            <a:r>
+              <a:rPr lang="et-EE" dirty="0" err="1"/>
+              <a:t>command</a:t>
+            </a:r>
+            <a:r>
+              <a:rPr lang="et-EE" dirty="0"/>
+              <a:t>: </a:t>
+            </a:r>
+            <a:r>
+              <a:rPr lang="et-EE" dirty="0" err="1"/>
+              <a:t>sudo</a:t>
+            </a:r>
+            <a:r>
+              <a:rPr lang="et-EE" dirty="0"/>
+              <a:t> </a:t>
+            </a:r>
+            <a:r>
+              <a:rPr lang="et-EE" dirty="0" err="1"/>
+              <a:t>java</a:t>
+            </a:r>
+            <a:r>
+              <a:rPr lang="et-EE" dirty="0"/>
+              <a:t> –</a:t>
+            </a:r>
+            <a:r>
+              <a:rPr lang="et-EE" dirty="0" err="1"/>
+              <a:t>jar</a:t>
+            </a:r>
+            <a:r>
+              <a:rPr lang="et-EE" dirty="0"/>
+              <a:t> my_jar_file.jar</a:t>
+            </a:r>
+          </a:p>
+          <a:p>
+            <a:r>
+              <a:rPr lang="et-EE" dirty="0"/>
+              <a:t>2.1) </a:t>
+            </a:r>
+            <a:r>
+              <a:rPr lang="et-EE" dirty="0" err="1"/>
+              <a:t>Open</a:t>
+            </a:r>
+            <a:r>
+              <a:rPr lang="et-EE" dirty="0"/>
+              <a:t> (in </a:t>
+            </a:r>
+            <a:r>
+              <a:rPr lang="et-EE" dirty="0" err="1"/>
+              <a:t>browser</a:t>
+            </a:r>
+            <a:r>
+              <a:rPr lang="et-EE" dirty="0"/>
+              <a:t>) </a:t>
+            </a:r>
+            <a:r>
+              <a:rPr lang="et-EE" b="1" dirty="0"/>
+              <a:t>http://</a:t>
+            </a:r>
+            <a:r>
+              <a:rPr lang="et-EE" b="1" dirty="0">
+                <a:solidFill>
+                  <a:srgbClr val="FF0000"/>
+                </a:solidFill>
+              </a:rPr>
+              <a:t>your_vm_ip</a:t>
+            </a:r>
+          </a:p>
+          <a:p>
+            <a:r>
+              <a:rPr lang="et-EE" dirty="0"/>
+              <a:t>2.2) </a:t>
+            </a:r>
+            <a:r>
+              <a:rPr lang="et-EE" dirty="0" err="1"/>
+              <a:t>Use</a:t>
+            </a:r>
+            <a:r>
+              <a:rPr lang="et-EE" dirty="0"/>
+              <a:t> </a:t>
+            </a:r>
+            <a:r>
+              <a:rPr lang="et-EE" b="1" dirty="0" err="1"/>
+              <a:t>ctrl+c</a:t>
+            </a:r>
+            <a:r>
+              <a:rPr lang="et-EE" dirty="0"/>
+              <a:t> </a:t>
+            </a:r>
+            <a:r>
+              <a:rPr lang="et-EE" dirty="0" err="1"/>
+              <a:t>to</a:t>
+            </a:r>
+            <a:r>
+              <a:rPr lang="et-EE" dirty="0"/>
+              <a:t> </a:t>
+            </a:r>
+            <a:r>
+              <a:rPr lang="et-EE" dirty="0" err="1"/>
+              <a:t>quit</a:t>
+            </a:r>
+            <a:r>
+              <a:rPr lang="et-EE" dirty="0"/>
+              <a:t> </a:t>
+            </a:r>
+            <a:r>
+              <a:rPr lang="et-EE" dirty="0" err="1"/>
+              <a:t>running</a:t>
+            </a:r>
+            <a:r>
+              <a:rPr lang="et-EE" dirty="0"/>
+              <a:t> </a:t>
+            </a:r>
+            <a:r>
+              <a:rPr lang="et-EE" dirty="0" err="1"/>
+              <a:t>program</a:t>
+            </a:r>
+            <a:endParaRPr lang="et-EE" dirty="0"/>
+          </a:p>
+          <a:p>
+            <a:r>
+              <a:rPr lang="et-EE" dirty="0"/>
+              <a:t>3) Test </a:t>
+            </a:r>
+            <a:r>
+              <a:rPr lang="et-EE" dirty="0" err="1"/>
+              <a:t>that</a:t>
+            </a:r>
+            <a:r>
+              <a:rPr lang="et-EE" dirty="0"/>
+              <a:t> </a:t>
+            </a:r>
+            <a:r>
+              <a:rPr lang="et-EE" dirty="0" err="1"/>
+              <a:t>everything</a:t>
+            </a:r>
+            <a:r>
+              <a:rPr lang="et-EE" dirty="0"/>
+              <a:t> </a:t>
+            </a:r>
+            <a:r>
+              <a:rPr lang="et-EE" dirty="0" err="1"/>
+              <a:t>works</a:t>
+            </a:r>
+            <a:r>
+              <a:rPr lang="et-EE" dirty="0"/>
+              <a:t> </a:t>
+            </a:r>
+            <a:r>
+              <a:rPr lang="et-EE" dirty="0" err="1"/>
+              <a:t>with</a:t>
+            </a:r>
+            <a:r>
+              <a:rPr lang="et-EE" dirty="0"/>
+              <a:t> </a:t>
+            </a:r>
+            <a:r>
+              <a:rPr lang="et-EE" dirty="0" err="1"/>
+              <a:t>command</a:t>
+            </a:r>
+            <a:r>
+              <a:rPr lang="et-EE" dirty="0"/>
+              <a:t>: </a:t>
+            </a:r>
+            <a:r>
+              <a:rPr lang="et-EE" dirty="0" err="1"/>
+              <a:t>sudo</a:t>
+            </a:r>
+            <a:r>
+              <a:rPr lang="et-EE" dirty="0"/>
+              <a:t> ./my_jar_file.jar</a:t>
+            </a:r>
+          </a:p>
+          <a:p>
+            <a:r>
+              <a:rPr lang="et-EE" dirty="0"/>
+              <a:t>3.1) </a:t>
+            </a:r>
+            <a:r>
+              <a:rPr lang="et-EE" dirty="0" err="1"/>
+              <a:t>Open</a:t>
+            </a:r>
+            <a:r>
+              <a:rPr lang="et-EE" dirty="0"/>
+              <a:t> (in </a:t>
+            </a:r>
+            <a:r>
+              <a:rPr lang="et-EE" dirty="0" err="1"/>
+              <a:t>browser</a:t>
+            </a:r>
+            <a:r>
+              <a:rPr lang="et-EE" dirty="0"/>
+              <a:t>) </a:t>
+            </a:r>
+            <a:r>
+              <a:rPr lang="et-EE" b="1" dirty="0"/>
+              <a:t>http://</a:t>
+            </a:r>
+            <a:r>
+              <a:rPr lang="et-EE" b="1" dirty="0">
+                <a:solidFill>
+                  <a:srgbClr val="FF0000"/>
+                </a:solidFill>
+              </a:rPr>
+              <a:t>your_vm_ip</a:t>
+            </a:r>
+          </a:p>
+          <a:p>
+            <a:r>
+              <a:rPr lang="et-EE" dirty="0"/>
+              <a:t>3.2) </a:t>
+            </a:r>
+            <a:r>
+              <a:rPr lang="et-EE" dirty="0" err="1"/>
+              <a:t>Use</a:t>
+            </a:r>
+            <a:r>
+              <a:rPr lang="et-EE" dirty="0"/>
+              <a:t> </a:t>
+            </a:r>
+            <a:r>
+              <a:rPr lang="et-EE" dirty="0" err="1"/>
+              <a:t>ctrl+c</a:t>
+            </a:r>
+            <a:r>
+              <a:rPr lang="et-EE" dirty="0"/>
+              <a:t> </a:t>
+            </a:r>
+            <a:r>
+              <a:rPr lang="et-EE" dirty="0" err="1"/>
+              <a:t>to</a:t>
+            </a:r>
+            <a:r>
+              <a:rPr lang="et-EE" dirty="0"/>
+              <a:t> </a:t>
+            </a:r>
+            <a:r>
+              <a:rPr lang="et-EE" dirty="0" err="1"/>
+              <a:t>quit</a:t>
+            </a:r>
+            <a:r>
+              <a:rPr lang="et-EE" dirty="0"/>
+              <a:t> </a:t>
+            </a:r>
+            <a:r>
+              <a:rPr lang="et-EE" dirty="0" err="1"/>
+              <a:t>running</a:t>
+            </a:r>
+            <a:r>
+              <a:rPr lang="et-EE" dirty="0"/>
+              <a:t> programm</a:t>
+            </a:r>
+            <a:endParaRPr lang="ru-RU" dirty="0"/>
+          </a:p>
+          <a:p>
+            <a:endParaRPr lang="ru-RU" dirty="0"/>
+          </a:p>
+          <a:p>
+            <a:endParaRPr lang="ru-RU" dirty="0"/>
+          </a:p>
+          <a:p>
+            <a:r>
+              <a:rPr lang="en-US" dirty="0"/>
+              <a:t>rm loginregform-0.0.1-SNAPSHOT.jar </a:t>
+            </a:r>
+            <a:r>
+              <a:rPr lang="ru-RU" dirty="0"/>
+              <a:t>стереть файл</a:t>
+            </a:r>
+          </a:p>
+          <a:p>
+            <a:r>
+              <a:rPr lang="en-US" dirty="0"/>
+              <a:t>mv loginregform-0.0.1-SNAPSHOT_\(1\).jar loginregform.jar</a:t>
+            </a:r>
+            <a:r>
+              <a:rPr lang="ru-RU" dirty="0"/>
+              <a:t> переименовать файл</a:t>
+            </a:r>
+            <a:endParaRPr lang="et-EE" dirty="0"/>
+          </a:p>
+        </p:txBody>
+      </p:sp>
+    </p:spTree>
+    <p:extLst>
+      <p:ext uri="{BB962C8B-B14F-4D97-AF65-F5344CB8AC3E}">
+        <p14:creationId xmlns:p14="http://schemas.microsoft.com/office/powerpoint/2010/main" val="2182826747"/>
+      </p:ext>
+    </p:extLst>
+  </p:cSld>
+  <p:clrMapOvr>
+    <a:masterClrMapping/>
+  </p:clrMapOvr>
+</p:sld>
+</file>
+
+<file path=ppt/slides/slide16.xml><?xml version="1.0" encoding="utf-8"?>
+<p:sld xmlns:a="http://schemas.openxmlformats.org/drawingml/2006/main" xmlns:r="http://schemas.openxmlformats.org/officeDocument/2006/relationships" xmlns:p="http://schemas.openxmlformats.org/presentationml/2006/main">
+  <p:cSld>
+    <p:spTree>
+      <p:nvGrpSpPr>
+        <p:cNvPr id="1" name=""/>
+        <p:cNvGrpSpPr/>
+        <p:nvPr/>
+      </p:nvGrpSpPr>
+      <p:grpSpPr>
+        <a:xfrm>
+          <a:off x="0" y="0"/>
+          <a:ext cx="0" cy="0"/>
+          <a:chOff x="0" y="0"/>
+          <a:chExt cx="0" cy="0"/>
+        </a:xfrm>
+      </p:grpSpPr>
+      <p:sp>
+        <p:nvSpPr>
+          <p:cNvPr id="2" name="Title 1">
+            <a:extLst>
+              <a:ext uri="{FF2B5EF4-FFF2-40B4-BE49-F238E27FC236}">
+                <a16:creationId xmlns:a16="http://schemas.microsoft.com/office/drawing/2014/main" id="{4F4BB594-4B93-49AF-99F5-7AA8D8E404EF}"/>
+              </a:ext>
+            </a:extLst>
+          </p:cNvPr>
+          <p:cNvSpPr>
+            <a:spLocks noGrp="1"/>
+          </p:cNvSpPr>
+          <p:nvPr>
+            <p:ph type="title"/>
+          </p:nvPr>
+        </p:nvSpPr>
+        <p:spPr/>
+        <p:txBody>
+          <a:bodyPr/>
+          <a:lstStyle/>
+          <a:p>
+            <a:r>
+              <a:rPr lang="et-EE" dirty="0" err="1"/>
+              <a:t>Make</a:t>
+            </a:r>
+            <a:r>
+              <a:rPr lang="et-EE" dirty="0"/>
+              <a:t> </a:t>
+            </a:r>
+            <a:r>
+              <a:rPr lang="et-EE" dirty="0" err="1"/>
+              <a:t>daemon</a:t>
+            </a:r>
+            <a:r>
+              <a:rPr lang="et-EE" dirty="0"/>
+              <a:t> </a:t>
+            </a:r>
+            <a:r>
+              <a:rPr lang="et-EE" dirty="0" err="1"/>
+              <a:t>process</a:t>
+            </a:r>
+            <a:endParaRPr lang="en-US" dirty="0"/>
+          </a:p>
+        </p:txBody>
+      </p:sp>
+      <p:sp>
+        <p:nvSpPr>
+          <p:cNvPr id="3" name="TextBox 2">
+            <a:extLst>
+              <a:ext uri="{FF2B5EF4-FFF2-40B4-BE49-F238E27FC236}">
+                <a16:creationId xmlns:a16="http://schemas.microsoft.com/office/drawing/2014/main" id="{EC84FC94-AA30-4575-8C1A-04FDF049F7BD}"/>
+              </a:ext>
+            </a:extLst>
+          </p:cNvPr>
+          <p:cNvSpPr txBox="1"/>
+          <p:nvPr/>
+        </p:nvSpPr>
+        <p:spPr>
+          <a:xfrm>
+            <a:off x="442838" y="2276872"/>
+            <a:ext cx="7369522" cy="4247317"/>
+          </a:xfrm>
+          <a:prstGeom prst="rect">
+            <a:avLst/>
+          </a:prstGeom>
+          <a:noFill/>
+        </p:spPr>
+        <p:txBody>
+          <a:bodyPr wrap="square" rtlCol="0">
+            <a:spAutoFit/>
+          </a:bodyPr>
+          <a:lstStyle/>
+          <a:p>
+            <a:r>
+              <a:rPr lang="et-EE" dirty="0" err="1"/>
+              <a:t>Run</a:t>
+            </a:r>
+            <a:r>
+              <a:rPr lang="et-EE" dirty="0"/>
+              <a:t> </a:t>
+            </a:r>
+            <a:r>
+              <a:rPr lang="et-EE" dirty="0" err="1"/>
+              <a:t>commands</a:t>
+            </a:r>
+            <a:r>
+              <a:rPr lang="et-EE" dirty="0"/>
+              <a:t>:</a:t>
+            </a:r>
+          </a:p>
+          <a:p>
+            <a:pPr marL="342900" indent="-342900">
+              <a:buAutoNum type="arabicParenR"/>
+            </a:pPr>
+            <a:r>
+              <a:rPr lang="et-EE" dirty="0" err="1"/>
+              <a:t>sudo</a:t>
+            </a:r>
+            <a:r>
+              <a:rPr lang="et-EE" dirty="0"/>
+              <a:t> </a:t>
+            </a:r>
+            <a:r>
+              <a:rPr lang="et-EE" dirty="0" err="1"/>
+              <a:t>ln</a:t>
+            </a:r>
+            <a:r>
+              <a:rPr lang="et-EE" dirty="0"/>
+              <a:t> –s </a:t>
+            </a:r>
+            <a:r>
+              <a:rPr lang="et-EE" dirty="0" err="1"/>
+              <a:t>home</a:t>
+            </a:r>
+            <a:r>
+              <a:rPr lang="et-EE" dirty="0"/>
+              <a:t>/</a:t>
+            </a:r>
+            <a:r>
+              <a:rPr lang="et-EE" b="1" dirty="0">
+                <a:solidFill>
+                  <a:srgbClr val="FF0000"/>
+                </a:solidFill>
+              </a:rPr>
+              <a:t>USER_NAME</a:t>
+            </a:r>
+            <a:r>
+              <a:rPr lang="et-EE" dirty="0"/>
+              <a:t>/</a:t>
+            </a:r>
+            <a:r>
+              <a:rPr lang="et-EE" dirty="0">
+                <a:solidFill>
+                  <a:srgbClr val="FF0000"/>
+                </a:solidFill>
+              </a:rPr>
+              <a:t>JAR</a:t>
+            </a:r>
+            <a:r>
+              <a:rPr lang="et-EE" b="1" dirty="0">
+                <a:solidFill>
+                  <a:srgbClr val="FF0000"/>
+                </a:solidFill>
+              </a:rPr>
+              <a:t>_NAME.jar</a:t>
+            </a:r>
+            <a:r>
+              <a:rPr lang="et-EE" dirty="0"/>
+              <a:t> /etc/</a:t>
+            </a:r>
+            <a:r>
+              <a:rPr lang="et-EE" dirty="0" err="1"/>
+              <a:t>init.d</a:t>
+            </a:r>
+            <a:r>
+              <a:rPr lang="et-EE" dirty="0"/>
+              <a:t>/</a:t>
+            </a:r>
+            <a:r>
+              <a:rPr lang="et-EE" b="1" dirty="0" err="1">
+                <a:solidFill>
+                  <a:srgbClr val="FF0000"/>
+                </a:solidFill>
+              </a:rPr>
+              <a:t>app_name</a:t>
+            </a:r>
+            <a:endParaRPr lang="et-EE" b="1" dirty="0">
+              <a:solidFill>
+                <a:srgbClr val="FF0000"/>
+              </a:solidFill>
+            </a:endParaRPr>
+          </a:p>
+          <a:p>
+            <a:pPr marL="342900" indent="-342900">
+              <a:buAutoNum type="arabicParenR"/>
+            </a:pPr>
+            <a:r>
+              <a:rPr lang="et-EE" dirty="0" err="1"/>
+              <a:t>sudo</a:t>
+            </a:r>
+            <a:r>
+              <a:rPr lang="et-EE" dirty="0"/>
+              <a:t> </a:t>
+            </a:r>
+            <a:r>
+              <a:rPr lang="et-EE" dirty="0" err="1"/>
+              <a:t>chown</a:t>
+            </a:r>
+            <a:r>
+              <a:rPr lang="et-EE" dirty="0"/>
+              <a:t> </a:t>
+            </a:r>
+            <a:r>
+              <a:rPr lang="et-EE" dirty="0" err="1"/>
+              <a:t>root:root</a:t>
+            </a:r>
+            <a:r>
+              <a:rPr lang="et-EE" dirty="0"/>
+              <a:t> </a:t>
+            </a:r>
+            <a:r>
+              <a:rPr lang="et-EE" b="1" dirty="0">
+                <a:solidFill>
+                  <a:srgbClr val="FF0000"/>
+                </a:solidFill>
+              </a:rPr>
+              <a:t>JAR_NAME.jar</a:t>
+            </a:r>
+          </a:p>
+          <a:p>
+            <a:pPr marL="342900" indent="-342900">
+              <a:buAutoNum type="arabicParenR"/>
+            </a:pPr>
+            <a:endParaRPr lang="et-EE" dirty="0">
+              <a:solidFill>
+                <a:srgbClr val="FF0000"/>
+              </a:solidFill>
+            </a:endParaRPr>
+          </a:p>
+          <a:p>
+            <a:r>
+              <a:rPr lang="et-EE" dirty="0" err="1"/>
+              <a:t>Run</a:t>
+            </a:r>
+            <a:r>
+              <a:rPr lang="et-EE" dirty="0"/>
+              <a:t> </a:t>
+            </a:r>
+            <a:r>
+              <a:rPr lang="et-EE" dirty="0" err="1"/>
+              <a:t>your</a:t>
+            </a:r>
+            <a:r>
+              <a:rPr lang="et-EE" dirty="0"/>
+              <a:t> </a:t>
+            </a:r>
+            <a:r>
+              <a:rPr lang="et-EE" dirty="0" err="1"/>
+              <a:t>service</a:t>
+            </a:r>
+            <a:r>
+              <a:rPr lang="et-EE" dirty="0"/>
+              <a:t> </a:t>
+            </a:r>
+            <a:r>
+              <a:rPr lang="et-EE" dirty="0" err="1"/>
+              <a:t>with</a:t>
+            </a:r>
+            <a:r>
+              <a:rPr lang="et-EE" dirty="0"/>
+              <a:t>: </a:t>
+            </a:r>
+            <a:r>
+              <a:rPr lang="et-EE" b="1" dirty="0" err="1"/>
+              <a:t>sudo</a:t>
+            </a:r>
+            <a:r>
+              <a:rPr lang="et-EE" dirty="0"/>
+              <a:t> </a:t>
+            </a:r>
+            <a:r>
+              <a:rPr lang="et-EE" b="1" dirty="0"/>
+              <a:t>/etc/</a:t>
+            </a:r>
+            <a:r>
+              <a:rPr lang="et-EE" b="1" dirty="0" err="1"/>
+              <a:t>init.d</a:t>
+            </a:r>
+            <a:r>
+              <a:rPr lang="et-EE" b="1" dirty="0"/>
+              <a:t>/</a:t>
+            </a:r>
+            <a:r>
+              <a:rPr lang="et-EE" b="1" dirty="0" err="1">
+                <a:solidFill>
+                  <a:srgbClr val="FF0000"/>
+                </a:solidFill>
+              </a:rPr>
+              <a:t>app_name</a:t>
+            </a:r>
+            <a:r>
+              <a:rPr lang="et-EE" b="1" dirty="0">
+                <a:solidFill>
+                  <a:srgbClr val="FF0000"/>
+                </a:solidFill>
+              </a:rPr>
+              <a:t> </a:t>
+            </a:r>
+            <a:r>
+              <a:rPr lang="et-EE" b="1" dirty="0"/>
+              <a:t>start</a:t>
+            </a:r>
+          </a:p>
+          <a:p>
+            <a:r>
+              <a:rPr lang="et-EE" dirty="0" err="1"/>
+              <a:t>Stop</a:t>
+            </a:r>
+            <a:r>
+              <a:rPr lang="et-EE" dirty="0"/>
+              <a:t> </a:t>
+            </a:r>
+            <a:r>
+              <a:rPr lang="et-EE" dirty="0" err="1"/>
+              <a:t>your</a:t>
+            </a:r>
+            <a:r>
+              <a:rPr lang="et-EE" dirty="0"/>
+              <a:t> </a:t>
+            </a:r>
+            <a:r>
+              <a:rPr lang="et-EE" dirty="0" err="1"/>
+              <a:t>service</a:t>
+            </a:r>
+            <a:r>
+              <a:rPr lang="et-EE" dirty="0"/>
+              <a:t> </a:t>
+            </a:r>
+            <a:r>
+              <a:rPr lang="et-EE" dirty="0" err="1"/>
+              <a:t>with</a:t>
+            </a:r>
+            <a:r>
+              <a:rPr lang="et-EE" dirty="0"/>
+              <a:t>: </a:t>
+            </a:r>
+            <a:r>
+              <a:rPr lang="et-EE" b="1" dirty="0" err="1"/>
+              <a:t>sudo</a:t>
+            </a:r>
+            <a:r>
+              <a:rPr lang="et-EE" dirty="0"/>
+              <a:t> </a:t>
+            </a:r>
+            <a:r>
+              <a:rPr lang="et-EE" b="1" dirty="0"/>
+              <a:t>/etc/</a:t>
+            </a:r>
+            <a:r>
+              <a:rPr lang="et-EE" b="1" dirty="0" err="1"/>
+              <a:t>init.d</a:t>
+            </a:r>
+            <a:r>
+              <a:rPr lang="et-EE" b="1" dirty="0"/>
+              <a:t>/</a:t>
+            </a:r>
+            <a:r>
+              <a:rPr lang="et-EE" b="1" dirty="0" err="1">
+                <a:solidFill>
+                  <a:srgbClr val="FF0000"/>
+                </a:solidFill>
+              </a:rPr>
+              <a:t>app_name</a:t>
+            </a:r>
+            <a:r>
+              <a:rPr lang="et-EE" b="1" dirty="0">
+                <a:solidFill>
+                  <a:srgbClr val="FF0000"/>
+                </a:solidFill>
+              </a:rPr>
+              <a:t> </a:t>
+            </a:r>
+            <a:r>
+              <a:rPr lang="et-EE" b="1" dirty="0" err="1"/>
+              <a:t>stop</a:t>
+            </a:r>
+            <a:endParaRPr lang="et-EE" b="1" dirty="0"/>
+          </a:p>
+          <a:p>
+            <a:endParaRPr lang="et-EE" b="1" dirty="0"/>
+          </a:p>
+          <a:p>
+            <a:r>
+              <a:rPr lang="et-EE" dirty="0" err="1"/>
+              <a:t>If</a:t>
+            </a:r>
+            <a:r>
+              <a:rPr lang="et-EE" dirty="0"/>
+              <a:t> </a:t>
+            </a:r>
+            <a:r>
+              <a:rPr lang="et-EE" dirty="0" err="1"/>
+              <a:t>you</a:t>
+            </a:r>
+            <a:r>
+              <a:rPr lang="et-EE" dirty="0"/>
+              <a:t> </a:t>
+            </a:r>
+            <a:r>
+              <a:rPr lang="et-EE" dirty="0" err="1"/>
+              <a:t>want</a:t>
+            </a:r>
+            <a:r>
+              <a:rPr lang="et-EE" dirty="0"/>
+              <a:t> </a:t>
+            </a:r>
+            <a:r>
+              <a:rPr lang="et-EE" dirty="0" err="1"/>
+              <a:t>to</a:t>
+            </a:r>
+            <a:r>
+              <a:rPr lang="et-EE" dirty="0"/>
+              <a:t> </a:t>
+            </a:r>
+            <a:r>
+              <a:rPr lang="et-EE" dirty="0" err="1"/>
+              <a:t>check</a:t>
+            </a:r>
+            <a:r>
+              <a:rPr lang="et-EE" dirty="0"/>
+              <a:t> </a:t>
+            </a:r>
+            <a:r>
+              <a:rPr lang="et-EE" dirty="0" err="1"/>
+              <a:t>logs</a:t>
+            </a:r>
+            <a:r>
+              <a:rPr lang="et-EE" dirty="0"/>
+              <a:t> </a:t>
+            </a:r>
+            <a:r>
+              <a:rPr lang="et-EE" dirty="0" err="1"/>
+              <a:t>run</a:t>
+            </a:r>
+            <a:r>
+              <a:rPr lang="et-EE" dirty="0"/>
+              <a:t> </a:t>
+            </a:r>
+            <a:r>
+              <a:rPr lang="et-EE" dirty="0" err="1"/>
+              <a:t>command</a:t>
+            </a:r>
+            <a:r>
+              <a:rPr lang="et-EE" dirty="0"/>
+              <a:t>: tail –f /</a:t>
+            </a:r>
+            <a:r>
+              <a:rPr lang="et-EE" dirty="0" err="1"/>
+              <a:t>var</a:t>
+            </a:r>
+            <a:r>
+              <a:rPr lang="et-EE" dirty="0"/>
+              <a:t>/</a:t>
+            </a:r>
+            <a:r>
+              <a:rPr lang="et-EE" dirty="0" err="1"/>
+              <a:t>log</a:t>
+            </a:r>
+            <a:r>
+              <a:rPr lang="et-EE" dirty="0"/>
+              <a:t>/</a:t>
+            </a:r>
+            <a:r>
+              <a:rPr lang="et-EE" b="1" dirty="0">
+                <a:solidFill>
+                  <a:srgbClr val="FF0000"/>
+                </a:solidFill>
+              </a:rPr>
+              <a:t>app_name</a:t>
+            </a:r>
+            <a:r>
+              <a:rPr lang="et-EE" dirty="0"/>
+              <a:t>.log </a:t>
+            </a:r>
+          </a:p>
+          <a:p>
+            <a:r>
+              <a:rPr lang="et-EE" dirty="0" err="1"/>
+              <a:t>To</a:t>
+            </a:r>
+            <a:r>
+              <a:rPr lang="et-EE" dirty="0"/>
+              <a:t> </a:t>
+            </a:r>
+            <a:r>
+              <a:rPr lang="et-EE" dirty="0" err="1"/>
+              <a:t>quit</a:t>
+            </a:r>
+            <a:r>
+              <a:rPr lang="et-EE" dirty="0"/>
+              <a:t> </a:t>
+            </a:r>
+            <a:r>
+              <a:rPr lang="et-EE" dirty="0" err="1"/>
+              <a:t>viewing</a:t>
+            </a:r>
+            <a:r>
+              <a:rPr lang="et-EE" dirty="0"/>
+              <a:t> </a:t>
+            </a:r>
+            <a:r>
+              <a:rPr lang="et-EE" dirty="0" err="1"/>
+              <a:t>logs</a:t>
+            </a:r>
+            <a:r>
+              <a:rPr lang="et-EE" dirty="0"/>
+              <a:t> press </a:t>
+            </a:r>
+            <a:r>
+              <a:rPr lang="et-EE" b="1" dirty="0" err="1"/>
+              <a:t>ctrl</a:t>
+            </a:r>
+            <a:r>
+              <a:rPr lang="et-EE" b="1" dirty="0"/>
+              <a:t> +c</a:t>
+            </a:r>
+            <a:endParaRPr lang="ru-RU" b="1" dirty="0"/>
+          </a:p>
+          <a:p>
+            <a:endParaRPr lang="ru-RU" b="1" dirty="0"/>
+          </a:p>
+          <a:p>
+            <a:r>
+              <a:rPr lang="ru-RU" b="1" dirty="0"/>
+              <a:t>Это чтобы приложение работало даже когда я выключил его у себя</a:t>
+            </a:r>
+            <a:endParaRPr lang="en-US" b="1" dirty="0"/>
+          </a:p>
+          <a:p>
+            <a:endParaRPr lang="en-US" b="1" dirty="0"/>
+          </a:p>
+          <a:p>
+            <a:r>
+              <a:rPr lang="ru-RU" b="1" dirty="0"/>
+              <a:t>Если приложение работает на сервере, тогда не получится залить новую версию, сначала надо будет остановить </a:t>
+            </a:r>
+            <a:r>
+              <a:rPr lang="ru-RU" b="1" dirty="0" err="1"/>
+              <a:t>аппликаху</a:t>
+            </a:r>
+            <a:r>
+              <a:rPr lang="ru-RU" b="1" dirty="0"/>
+              <a:t> не сервере</a:t>
+            </a:r>
+          </a:p>
+          <a:p>
+            <a:r>
+              <a:rPr lang="et-EE" b="1" dirty="0" err="1"/>
+              <a:t>sudo</a:t>
+            </a:r>
+            <a:r>
+              <a:rPr lang="et-EE" dirty="0"/>
+              <a:t> </a:t>
+            </a:r>
+            <a:r>
+              <a:rPr lang="et-EE" b="1" dirty="0"/>
+              <a:t>/etc/</a:t>
+            </a:r>
+            <a:r>
+              <a:rPr lang="et-EE" b="1" dirty="0" err="1"/>
+              <a:t>init.d</a:t>
+            </a:r>
+            <a:r>
+              <a:rPr lang="et-EE" b="1" dirty="0"/>
+              <a:t>/</a:t>
+            </a:r>
+            <a:r>
+              <a:rPr lang="et-EE" b="1" dirty="0" err="1">
+                <a:solidFill>
+                  <a:srgbClr val="FF0000"/>
+                </a:solidFill>
+              </a:rPr>
+              <a:t>app_name</a:t>
+            </a:r>
+            <a:r>
+              <a:rPr lang="et-EE" b="1" dirty="0">
+                <a:solidFill>
+                  <a:srgbClr val="FF0000"/>
+                </a:solidFill>
+              </a:rPr>
+              <a:t> </a:t>
+            </a:r>
+            <a:r>
+              <a:rPr lang="et-EE" b="1" dirty="0" err="1"/>
+              <a:t>stop</a:t>
+            </a:r>
+            <a:endParaRPr lang="et-EE" b="1" dirty="0"/>
+          </a:p>
+        </p:txBody>
+      </p:sp>
+    </p:spTree>
+    <p:extLst>
+      <p:ext uri="{BB962C8B-B14F-4D97-AF65-F5344CB8AC3E}">
+        <p14:creationId xmlns:p14="http://schemas.microsoft.com/office/powerpoint/2010/main" val="315911091"/>
+      </p:ext>
+    </p:extLst>
+  </p:cSld>
+  <p:clrMapOvr>
+    <a:masterClrMapping/>
+  </p:clrMapOvr>
+</p:sld>
+</file>
+
+<file path=ppt/slides/slide17.xml><?xml version="1.0" encoding="utf-8"?>
+<p:sld xmlns:a="http://schemas.openxmlformats.org/drawingml/2006/main" xmlns:r="http://schemas.openxmlformats.org/officeDocument/2006/relationships" xmlns:p="http://schemas.openxmlformats.org/presentationml/2006/main">
+  <p:cSld>
+    <p:spTree>
+      <p:nvGrpSpPr>
+        <p:cNvPr id="1" name=""/>
+        <p:cNvGrpSpPr/>
+        <p:nvPr/>
+      </p:nvGrpSpPr>
+      <p:grpSpPr>
+        <a:xfrm>
+          <a:off x="0" y="0"/>
+          <a:ext cx="0" cy="0"/>
+          <a:chOff x="0" y="0"/>
+          <a:chExt cx="0" cy="0"/>
+        </a:xfrm>
+      </p:grpSpPr>
+      <p:sp>
+        <p:nvSpPr>
+          <p:cNvPr id="2" name="Title 1">
+            <a:extLst>
+              <a:ext uri="{FF2B5EF4-FFF2-40B4-BE49-F238E27FC236}">
+                <a16:creationId xmlns:a16="http://schemas.microsoft.com/office/drawing/2014/main" id="{4F4BB594-4B93-49AF-99F5-7AA8D8E404EF}"/>
+              </a:ext>
+            </a:extLst>
+          </p:cNvPr>
+          <p:cNvSpPr>
+            <a:spLocks noGrp="1"/>
+          </p:cNvSpPr>
+          <p:nvPr>
+            <p:ph type="title"/>
+          </p:nvPr>
+        </p:nvSpPr>
+        <p:spPr/>
+        <p:txBody>
+          <a:bodyPr/>
+          <a:lstStyle/>
+          <a:p>
+            <a:r>
+              <a:rPr lang="et-EE" dirty="0"/>
+              <a:t>Install </a:t>
+            </a:r>
+            <a:r>
+              <a:rPr lang="et-EE" dirty="0" err="1"/>
+              <a:t>apache</a:t>
+            </a:r>
+            <a:endParaRPr lang="en-US" dirty="0"/>
+          </a:p>
+        </p:txBody>
+      </p:sp>
+      <p:sp>
+        <p:nvSpPr>
+          <p:cNvPr id="3" name="TextBox 2">
+            <a:extLst>
+              <a:ext uri="{FF2B5EF4-FFF2-40B4-BE49-F238E27FC236}">
+                <a16:creationId xmlns:a16="http://schemas.microsoft.com/office/drawing/2014/main" id="{EC84FC94-AA30-4575-8C1A-04FDF049F7BD}"/>
+              </a:ext>
+            </a:extLst>
+          </p:cNvPr>
+          <p:cNvSpPr txBox="1"/>
+          <p:nvPr/>
+        </p:nvSpPr>
+        <p:spPr>
+          <a:xfrm>
+            <a:off x="442838" y="2276872"/>
+            <a:ext cx="7369522" cy="3416320"/>
+          </a:xfrm>
+          <a:prstGeom prst="rect">
+            <a:avLst/>
+          </a:prstGeom>
+          <a:noFill/>
+        </p:spPr>
+        <p:txBody>
+          <a:bodyPr wrap="square" rtlCol="0">
+            <a:spAutoFit/>
+          </a:bodyPr>
+          <a:lstStyle/>
+          <a:p>
+            <a:r>
+              <a:rPr lang="et-EE" b="1" dirty="0" err="1"/>
+              <a:t>Change</a:t>
+            </a:r>
+            <a:r>
+              <a:rPr lang="et-EE" b="1" dirty="0"/>
+              <a:t> </a:t>
+            </a:r>
+            <a:r>
+              <a:rPr lang="et-EE" b="1" dirty="0" err="1"/>
+              <a:t>application.properties</a:t>
+            </a:r>
+            <a:r>
+              <a:rPr lang="et-EE" b="1" dirty="0"/>
+              <a:t>:</a:t>
+            </a:r>
+          </a:p>
+          <a:p>
+            <a:r>
+              <a:rPr kumimoji="0" lang="en-US" altLang="en-US" sz="1800" b="0" i="0" u="none" strike="noStrike" cap="none" normalizeH="0" baseline="0" dirty="0" err="1">
+                <a:ln>
+                  <a:noFill/>
+                </a:ln>
+                <a:solidFill>
+                  <a:srgbClr val="083080"/>
+                </a:solidFill>
+                <a:effectLst/>
+                <a:latin typeface="JetBrains Mono"/>
+              </a:rPr>
+              <a:t>server.port</a:t>
+            </a:r>
+            <a:r>
+              <a:rPr kumimoji="0" lang="en-US" altLang="en-US" sz="1800" b="0" i="0" u="none" strike="noStrike" cap="none" normalizeH="0" baseline="0" dirty="0">
+                <a:ln>
+                  <a:noFill/>
+                </a:ln>
+                <a:solidFill>
+                  <a:srgbClr val="080808"/>
+                </a:solidFill>
+                <a:effectLst/>
+                <a:latin typeface="JetBrains Mono"/>
+              </a:rPr>
+              <a:t>=</a:t>
+            </a:r>
+            <a:r>
+              <a:rPr kumimoji="0" lang="en-US" altLang="en-US" sz="1800" b="1" i="0" u="none" strike="noStrike" cap="none" normalizeH="0" baseline="0" dirty="0">
+                <a:ln>
+                  <a:noFill/>
+                </a:ln>
+                <a:solidFill>
+                  <a:srgbClr val="FF0000"/>
+                </a:solidFill>
+                <a:effectLst/>
+                <a:latin typeface="JetBrains Mono"/>
+              </a:rPr>
+              <a:t>80</a:t>
+            </a:r>
+            <a:r>
+              <a:rPr kumimoji="0" lang="et-EE" altLang="en-US" sz="1800" b="1" i="0" u="none" strike="noStrike" cap="none" normalizeH="0" baseline="0" dirty="0">
+                <a:ln>
+                  <a:noFill/>
+                </a:ln>
+                <a:solidFill>
+                  <a:srgbClr val="FF0000"/>
+                </a:solidFill>
+                <a:effectLst/>
+                <a:latin typeface="JetBrains Mono"/>
+              </a:rPr>
+              <a:t>80</a:t>
+            </a:r>
+          </a:p>
+          <a:p>
+            <a:endParaRPr lang="et-EE" dirty="0"/>
+          </a:p>
+          <a:p>
+            <a:r>
+              <a:rPr lang="et-EE" b="1" dirty="0" err="1"/>
+              <a:t>Run</a:t>
+            </a:r>
+            <a:r>
+              <a:rPr lang="et-EE" b="1" dirty="0"/>
+              <a:t> </a:t>
+            </a:r>
+            <a:r>
+              <a:rPr lang="et-EE" b="1" dirty="0" err="1"/>
+              <a:t>commands</a:t>
+            </a:r>
+            <a:r>
+              <a:rPr lang="et-EE" b="1" dirty="0"/>
+              <a:t>:</a:t>
+            </a:r>
+            <a:endParaRPr lang="et-EE" dirty="0"/>
+          </a:p>
+          <a:p>
+            <a:pPr marL="342900" indent="-342900">
+              <a:buAutoNum type="arabicParenR"/>
+            </a:pPr>
+            <a:r>
+              <a:rPr lang="et-EE" dirty="0" err="1"/>
+              <a:t>sudo</a:t>
+            </a:r>
+            <a:r>
+              <a:rPr lang="et-EE" dirty="0"/>
+              <a:t> /etc/</a:t>
+            </a:r>
+            <a:r>
+              <a:rPr lang="et-EE" dirty="0" err="1"/>
+              <a:t>init.d</a:t>
+            </a:r>
+            <a:r>
+              <a:rPr lang="et-EE" dirty="0"/>
+              <a:t>/</a:t>
+            </a:r>
+            <a:r>
+              <a:rPr lang="et-EE" b="1" dirty="0" err="1">
+                <a:solidFill>
+                  <a:srgbClr val="FF0000"/>
+                </a:solidFill>
+              </a:rPr>
+              <a:t>my_app</a:t>
+            </a:r>
+            <a:r>
+              <a:rPr lang="et-EE" dirty="0"/>
+              <a:t> </a:t>
+            </a:r>
+            <a:r>
+              <a:rPr lang="et-EE" dirty="0" err="1"/>
+              <a:t>stop</a:t>
+            </a:r>
+            <a:endParaRPr lang="et-EE" dirty="0"/>
+          </a:p>
+          <a:p>
+            <a:pPr marL="342900" indent="-342900">
+              <a:buAutoNum type="arabicParenR"/>
+            </a:pPr>
+            <a:r>
+              <a:rPr lang="et-EE" dirty="0" err="1"/>
+              <a:t>sudo</a:t>
+            </a:r>
+            <a:r>
+              <a:rPr lang="et-EE" dirty="0"/>
+              <a:t> </a:t>
+            </a:r>
+            <a:r>
+              <a:rPr lang="et-EE" dirty="0" err="1"/>
+              <a:t>apt-get</a:t>
+            </a:r>
+            <a:r>
+              <a:rPr lang="et-EE" dirty="0"/>
+              <a:t> install apache2</a:t>
+            </a:r>
+          </a:p>
+          <a:p>
+            <a:pPr marL="342900" indent="-342900">
+              <a:buAutoNum type="arabicParenR"/>
+            </a:pPr>
+            <a:r>
+              <a:rPr lang="et-EE" dirty="0" err="1"/>
+              <a:t>sudo</a:t>
+            </a:r>
+            <a:r>
+              <a:rPr lang="et-EE" dirty="0"/>
+              <a:t> a2enmod </a:t>
+            </a:r>
+            <a:r>
+              <a:rPr lang="et-EE" dirty="0" err="1"/>
+              <a:t>proxy</a:t>
+            </a:r>
+            <a:endParaRPr lang="et-EE" dirty="0"/>
+          </a:p>
+          <a:p>
+            <a:pPr marL="342900" indent="-342900">
+              <a:buAutoNum type="arabicParenR"/>
+            </a:pPr>
+            <a:r>
+              <a:rPr lang="et-EE" dirty="0" err="1"/>
+              <a:t>sudo</a:t>
+            </a:r>
+            <a:r>
+              <a:rPr lang="et-EE" dirty="0"/>
+              <a:t> a2enmod </a:t>
+            </a:r>
+            <a:r>
+              <a:rPr lang="et-EE" dirty="0" err="1"/>
+              <a:t>headers</a:t>
+            </a:r>
+            <a:endParaRPr lang="et-EE" dirty="0"/>
+          </a:p>
+          <a:p>
+            <a:pPr marL="342900" indent="-342900">
+              <a:buAutoNum type="arabicParenR"/>
+            </a:pPr>
+            <a:r>
+              <a:rPr lang="et-EE" dirty="0" err="1"/>
+              <a:t>sudo</a:t>
+            </a:r>
+            <a:r>
+              <a:rPr lang="et-EE" dirty="0"/>
+              <a:t> a2enmod </a:t>
+            </a:r>
+            <a:r>
+              <a:rPr lang="et-EE" dirty="0" err="1"/>
+              <a:t>ssl</a:t>
+            </a:r>
+            <a:endParaRPr lang="et-EE" dirty="0"/>
+          </a:p>
+          <a:p>
+            <a:pPr marL="342900" indent="-342900">
+              <a:buAutoNum type="arabicParenR"/>
+            </a:pPr>
+            <a:r>
+              <a:rPr lang="et-EE" dirty="0" err="1"/>
+              <a:t>sudo</a:t>
+            </a:r>
+            <a:r>
+              <a:rPr lang="et-EE" dirty="0"/>
+              <a:t> a2enmod </a:t>
+            </a:r>
+            <a:r>
+              <a:rPr lang="et-EE" dirty="0" err="1"/>
+              <a:t>proxy_http</a:t>
+            </a:r>
+            <a:endParaRPr lang="et-EE" dirty="0"/>
+          </a:p>
+          <a:p>
+            <a:pPr marL="342900" indent="-342900">
+              <a:buAutoNum type="arabicParenR"/>
+            </a:pPr>
+            <a:r>
+              <a:rPr lang="et-EE" dirty="0" err="1"/>
+              <a:t>sudo</a:t>
+            </a:r>
+            <a:r>
+              <a:rPr lang="et-EE" dirty="0"/>
+              <a:t> </a:t>
+            </a:r>
+            <a:r>
+              <a:rPr lang="et-EE" dirty="0" err="1"/>
+              <a:t>systemctl</a:t>
+            </a:r>
+            <a:r>
+              <a:rPr lang="et-EE" dirty="0"/>
+              <a:t> restart apache2 </a:t>
+            </a:r>
+          </a:p>
+          <a:p>
+            <a:pPr marL="342900" indent="-342900">
+              <a:buAutoNum type="arabicParenR"/>
+            </a:pPr>
+            <a:r>
+              <a:rPr lang="et-EE" dirty="0" err="1"/>
+              <a:t>Make</a:t>
+            </a:r>
+            <a:r>
+              <a:rPr lang="et-EE" dirty="0"/>
+              <a:t> sure </a:t>
+            </a:r>
+            <a:r>
+              <a:rPr lang="et-EE" dirty="0" err="1"/>
+              <a:t>that</a:t>
+            </a:r>
+            <a:r>
+              <a:rPr lang="et-EE" dirty="0"/>
+              <a:t> </a:t>
+            </a:r>
+            <a:r>
+              <a:rPr lang="et-EE" dirty="0" err="1"/>
+              <a:t>your</a:t>
+            </a:r>
+            <a:r>
+              <a:rPr lang="et-EE" dirty="0"/>
+              <a:t> vm </a:t>
+            </a:r>
+            <a:r>
+              <a:rPr lang="et-EE" dirty="0" err="1"/>
+              <a:t>public</a:t>
+            </a:r>
+            <a:r>
+              <a:rPr lang="et-EE" dirty="0"/>
+              <a:t> </a:t>
+            </a:r>
+            <a:r>
+              <a:rPr lang="et-EE" dirty="0" err="1"/>
+              <a:t>ip</a:t>
+            </a:r>
+            <a:r>
+              <a:rPr lang="et-EE" dirty="0"/>
+              <a:t> </a:t>
+            </a:r>
+            <a:r>
+              <a:rPr lang="et-EE" dirty="0" err="1"/>
+              <a:t>responds</a:t>
+            </a:r>
+            <a:endParaRPr lang="et-EE" dirty="0"/>
+          </a:p>
+        </p:txBody>
+      </p:sp>
+    </p:spTree>
+    <p:extLst>
+      <p:ext uri="{BB962C8B-B14F-4D97-AF65-F5344CB8AC3E}">
+        <p14:creationId xmlns:p14="http://schemas.microsoft.com/office/powerpoint/2010/main" val="2371955159"/>
+      </p:ext>
+    </p:extLst>
+  </p:cSld>
+  <p:clrMapOvr>
+    <a:masterClrMapping/>
+  </p:clrMapOvr>
+</p:sld>
+</file>
+
+<file path=ppt/slides/slide2.xml><?xml version="1.0" encoding="utf-8"?>
+<p:sld xmlns:a="http://schemas.openxmlformats.org/drawingml/2006/main" xmlns:r="http://schemas.openxmlformats.org/officeDocument/2006/relationships" xmlns:p="http://schemas.openxmlformats.org/presentationml/2006/main">
+  <p:cSld>
+    <p:spTree>
+      <p:nvGrpSpPr>
+        <p:cNvPr id="1" name=""/>
+        <p:cNvGrpSpPr/>
+        <p:nvPr/>
+      </p:nvGrpSpPr>
+      <p:grpSpPr>
+        <a:xfrm>
+          <a:off x="0" y="0"/>
+          <a:ext cx="0" cy="0"/>
+          <a:chOff x="0" y="0"/>
+          <a:chExt cx="0" cy="0"/>
+        </a:xfrm>
+      </p:grpSpPr>
+      <p:sp>
+        <p:nvSpPr>
+          <p:cNvPr id="2" name="Title 1">
+            <a:extLst>
+              <a:ext uri="{FF2B5EF4-FFF2-40B4-BE49-F238E27FC236}">
+                <a16:creationId xmlns:a16="http://schemas.microsoft.com/office/drawing/2014/main" id="{4F4BB594-4B93-49AF-99F5-7AA8D8E404EF}"/>
+              </a:ext>
+            </a:extLst>
+          </p:cNvPr>
+          <p:cNvSpPr>
+            <a:spLocks noGrp="1"/>
+          </p:cNvSpPr>
+          <p:nvPr>
+            <p:ph type="title"/>
+          </p:nvPr>
+        </p:nvSpPr>
+        <p:spPr/>
+        <p:txBody>
+          <a:bodyPr/>
+          <a:lstStyle/>
+          <a:p>
+            <a:r>
+              <a:rPr lang="et-EE" sz="3200" dirty="0" err="1"/>
+              <a:t>Change</a:t>
+            </a:r>
+            <a:r>
+              <a:rPr lang="et-EE" sz="3200" dirty="0"/>
+              <a:t> pom.xml </a:t>
+            </a:r>
+            <a:r>
+              <a:rPr lang="et-EE" sz="3200" dirty="0" err="1"/>
+              <a:t>Self</a:t>
+            </a:r>
+            <a:r>
+              <a:rPr lang="et-EE" sz="3200" dirty="0"/>
+              <a:t> </a:t>
+            </a:r>
+            <a:r>
+              <a:rPr lang="et-EE" sz="3200" dirty="0" err="1"/>
+              <a:t>excutable</a:t>
+            </a:r>
+            <a:r>
+              <a:rPr lang="et-EE" sz="3200" dirty="0"/>
+              <a:t> </a:t>
+            </a:r>
+            <a:r>
+              <a:rPr lang="et-EE" sz="3200" dirty="0" err="1"/>
+              <a:t>jar</a:t>
+            </a:r>
+            <a:endParaRPr lang="en-US" sz="3200" dirty="0"/>
+          </a:p>
+        </p:txBody>
+      </p:sp>
+      <p:pic>
+        <p:nvPicPr>
+          <p:cNvPr id="5" name="Picture 4">
+            <a:extLst>
+              <a:ext uri="{FF2B5EF4-FFF2-40B4-BE49-F238E27FC236}">
+                <a16:creationId xmlns:a16="http://schemas.microsoft.com/office/drawing/2014/main" id="{FB850831-6847-439B-A7BB-9419A11799E8}"/>
+              </a:ext>
+            </a:extLst>
+          </p:cNvPr>
+          <p:cNvPicPr>
+            <a:picLocks noChangeAspect="1"/>
+          </p:cNvPicPr>
+          <p:nvPr/>
+        </p:nvPicPr>
+        <p:blipFill>
+          <a:blip r:embed="rId2"/>
+          <a:stretch>
+            <a:fillRect/>
+          </a:stretch>
+        </p:blipFill>
+        <p:spPr>
+          <a:xfrm>
+            <a:off x="0" y="2564904"/>
+            <a:ext cx="8171170" cy="2808312"/>
+          </a:xfrm>
+          <a:prstGeom prst="rect">
+            <a:avLst/>
+          </a:prstGeom>
+        </p:spPr>
+      </p:pic>
+      <p:sp>
+        <p:nvSpPr>
+          <p:cNvPr id="6" name="Rectangle 5">
+            <a:extLst>
+              <a:ext uri="{FF2B5EF4-FFF2-40B4-BE49-F238E27FC236}">
+                <a16:creationId xmlns:a16="http://schemas.microsoft.com/office/drawing/2014/main" id="{55FF8A02-5305-478B-B4AA-5614D9C372C4}"/>
+              </a:ext>
+            </a:extLst>
+          </p:cNvPr>
+          <p:cNvSpPr/>
+          <p:nvPr/>
+        </p:nvSpPr>
+        <p:spPr>
+          <a:xfrm>
+            <a:off x="1115616" y="4005064"/>
+            <a:ext cx="4824536" cy="1080120"/>
+          </a:xfrm>
+          <a:prstGeom prst="rect">
+            <a:avLst/>
+          </a:prstGeom>
+          <a:noFill/>
+        </p:spPr>
+        <p:style>
+          <a:lnRef idx="2">
+            <a:schemeClr val="accent2"/>
+          </a:lnRef>
+          <a:fillRef idx="1">
+            <a:schemeClr val="lt1"/>
+          </a:fillRef>
+          <a:effectRef idx="0">
+            <a:schemeClr val="accent2"/>
+          </a:effectRef>
+          <a:fontRef idx="minor">
+            <a:schemeClr val="dk1"/>
+          </a:fontRef>
+        </p:style>
+        <p:txBody>
+          <a:bodyPr rtlCol="0" anchor="ctr"/>
+          <a:lstStyle/>
+          <a:p>
+            <a:pPr algn="ctr"/>
+            <a:endParaRPr lang="en-US"/>
+          </a:p>
+        </p:txBody>
+      </p:sp>
+    </p:spTree>
+    <p:extLst>
+      <p:ext uri="{BB962C8B-B14F-4D97-AF65-F5344CB8AC3E}">
+        <p14:creationId xmlns:p14="http://schemas.microsoft.com/office/powerpoint/2010/main" val="2697561553"/>
+      </p:ext>
+    </p:extLst>
+  </p:cSld>
+  <p:clrMapOvr>
+    <a:masterClrMapping/>
+  </p:clrMapOvr>
+</p:sld>
+</file>
+
+<file path=ppt/slides/slide3.xml><?xml version="1.0" encoding="utf-8"?>
+<p:sld xmlns:a="http://schemas.openxmlformats.org/drawingml/2006/main" xmlns:r="http://schemas.openxmlformats.org/officeDocument/2006/relationships" xmlns:p="http://schemas.openxmlformats.org/presentationml/2006/main">
+  <p:cSld>
+    <p:spTree>
+      <p:nvGrpSpPr>
+        <p:cNvPr id="1" name=""/>
+        <p:cNvGrpSpPr/>
+        <p:nvPr/>
+      </p:nvGrpSpPr>
+      <p:grpSpPr>
+        <a:xfrm>
+          <a:off x="0" y="0"/>
+          <a:ext cx="0" cy="0"/>
+          <a:chOff x="0" y="0"/>
+          <a:chExt cx="0" cy="0"/>
+        </a:xfrm>
+      </p:grpSpPr>
+      <p:sp>
+        <p:nvSpPr>
+          <p:cNvPr id="2" name="Title 1">
+            <a:extLst>
+              <a:ext uri="{FF2B5EF4-FFF2-40B4-BE49-F238E27FC236}">
+                <a16:creationId xmlns:a16="http://schemas.microsoft.com/office/drawing/2014/main" id="{4F4BB594-4B93-49AF-99F5-7AA8D8E404EF}"/>
+              </a:ext>
+            </a:extLst>
+          </p:cNvPr>
+          <p:cNvSpPr>
+            <a:spLocks noGrp="1"/>
+          </p:cNvSpPr>
+          <p:nvPr>
+            <p:ph type="title"/>
+          </p:nvPr>
+        </p:nvSpPr>
+        <p:spPr/>
+        <p:txBody>
+          <a:bodyPr/>
+          <a:lstStyle/>
+          <a:p>
+            <a:r>
+              <a:rPr lang="et-EE" sz="3200" dirty="0" err="1"/>
+              <a:t>Change</a:t>
+            </a:r>
+            <a:r>
+              <a:rPr lang="et-EE" sz="3200" dirty="0"/>
+              <a:t> pom.xml (</a:t>
+            </a:r>
+            <a:r>
+              <a:rPr lang="et-EE" sz="3200" dirty="0" err="1"/>
+              <a:t>change</a:t>
+            </a:r>
+            <a:r>
+              <a:rPr lang="et-EE" sz="3200" dirty="0"/>
+              <a:t> </a:t>
+            </a:r>
+            <a:r>
+              <a:rPr lang="et-EE" sz="3200" dirty="0" err="1"/>
+              <a:t>java</a:t>
+            </a:r>
+            <a:r>
+              <a:rPr lang="et-EE" sz="3200" dirty="0"/>
+              <a:t> </a:t>
+            </a:r>
+            <a:r>
+              <a:rPr lang="et-EE" sz="3200" dirty="0" err="1"/>
+              <a:t>version</a:t>
+            </a:r>
+            <a:r>
+              <a:rPr lang="et-EE" sz="3200" dirty="0"/>
+              <a:t> </a:t>
+            </a:r>
+            <a:r>
+              <a:rPr lang="et-EE" sz="3200" dirty="0" err="1"/>
+              <a:t>to</a:t>
+            </a:r>
+            <a:r>
+              <a:rPr lang="et-EE" sz="3200" dirty="0"/>
+              <a:t> 11)</a:t>
+            </a:r>
+            <a:endParaRPr lang="en-US" sz="3200" dirty="0"/>
+          </a:p>
+        </p:txBody>
+      </p:sp>
+      <p:sp>
+        <p:nvSpPr>
+          <p:cNvPr id="3" name="Rectangle 1">
+            <a:extLst>
+              <a:ext uri="{FF2B5EF4-FFF2-40B4-BE49-F238E27FC236}">
+                <a16:creationId xmlns:a16="http://schemas.microsoft.com/office/drawing/2014/main" id="{31791218-BC38-4C47-B84C-6035213D6D4E}"/>
+              </a:ext>
+            </a:extLst>
+          </p:cNvPr>
+          <p:cNvSpPr>
+            <a:spLocks noChangeArrowheads="1"/>
+          </p:cNvSpPr>
+          <p:nvPr/>
+        </p:nvSpPr>
+        <p:spPr bwMode="auto">
+          <a:xfrm>
+            <a:off x="683568" y="2708920"/>
+            <a:ext cx="7560840" cy="2246769"/>
+          </a:xfrm>
+          <a:prstGeom prst="rect">
+            <a:avLst/>
+          </a:prstGeom>
+          <a:solidFill>
+            <a:srgbClr val="FFFFFF"/>
+          </a:solidFill>
+          <a:ln>
+            <a:noFill/>
+          </a:ln>
+          <a:effectLst/>
+          <a:extLst>
+            <a:ext uri="{91240B29-F687-4F45-9708-019B960494DF}">
+              <a14:hiddenLine xmlns:a14="http://schemas.microsoft.com/office/drawing/2010/main" w="9525">
+                <a:solidFill>
+                  <a:schemeClr val="tx1"/>
+                </a:solidFill>
+                <a:miter lim="800000"/>
+                <a:headEnd/>
+                <a:tailEnd/>
+              </a14:hiddenLine>
+            </a:ext>
+            <a:ext uri="{AF507438-7753-43E0-B8FC-AC1667EBCBE1}">
+              <a14:hiddenEffects xmlns:a14="http://schemas.microsoft.com/office/drawing/2010/main">
+                <a:effectLst>
+                  <a:outerShdw dist="35921" dir="2700000" algn="ctr" rotWithShape="0">
+                    <a:schemeClr val="bg2"/>
+                  </a:outerShdw>
+                </a:effectLst>
+              </a14:hiddenEffects>
+            </a:ext>
+          </a:extLst>
+        </p:spPr>
+        <p:txBody>
+          <a:bodyPr vert="horz" wrap="square" lIns="91440" tIns="45720" rIns="91440" bIns="45720" numCol="1" anchor="ctr" anchorCtr="0" compatLnSpc="1">
+            <a:prstTxWarp prst="textNoShape">
+              <a:avLst/>
+            </a:prstTxWarp>
+            <a:spAutoFit/>
+          </a:bodyPr>
+          <a:lstStyle/>
+          <a:p>
+            <a:pPr marL="0" marR="0" lvl="0" indent="0" algn="l" defTabSz="914400" rtl="0" eaLnBrk="0" fontAlgn="base" latinLnBrk="0" hangingPunct="0">
+              <a:lnSpc>
+                <a:spcPct val="100000"/>
+              </a:lnSpc>
+              <a:spcBef>
+                <a:spcPct val="0"/>
+              </a:spcBef>
+              <a:spcAft>
+                <a:spcPct val="0"/>
+              </a:spcAft>
+              <a:buClrTx/>
+              <a:buSzTx/>
+              <a:buFontTx/>
+              <a:buNone/>
+              <a:tabLst/>
+            </a:pPr>
+            <a:r>
+              <a:rPr kumimoji="0" lang="en-US" altLang="en-US" sz="2000" b="0" i="0" u="none" strike="noStrike" cap="none" normalizeH="0" baseline="0" dirty="0">
+                <a:ln>
+                  <a:noFill/>
+                </a:ln>
+                <a:solidFill>
+                  <a:srgbClr val="080808"/>
+                </a:solidFill>
+                <a:effectLst/>
+                <a:latin typeface="JetBrains Mono"/>
+              </a:rPr>
+              <a:t>&lt;</a:t>
+            </a:r>
+            <a:r>
+              <a:rPr kumimoji="0" lang="en-US" altLang="en-US" sz="2000" b="0" i="0" u="none" strike="noStrike" cap="none" normalizeH="0" baseline="0" dirty="0">
+                <a:ln>
+                  <a:noFill/>
+                </a:ln>
+                <a:solidFill>
+                  <a:srgbClr val="0033B3"/>
+                </a:solidFill>
+                <a:effectLst/>
+                <a:latin typeface="JetBrains Mono"/>
+              </a:rPr>
+              <a:t>properties</a:t>
+            </a:r>
+            <a:r>
+              <a:rPr kumimoji="0" lang="en-US" altLang="en-US" sz="2000" b="0" i="0" u="none" strike="noStrike" cap="none" normalizeH="0" baseline="0" dirty="0">
+                <a:ln>
+                  <a:noFill/>
+                </a:ln>
+                <a:solidFill>
+                  <a:srgbClr val="080808"/>
+                </a:solidFill>
+                <a:effectLst/>
+                <a:latin typeface="JetBrains Mono"/>
+              </a:rPr>
+              <a:t>&gt;</a:t>
+            </a:r>
+            <a:br>
+              <a:rPr kumimoji="0" lang="en-US" altLang="en-US" sz="2000" b="0" i="0" u="none" strike="noStrike" cap="none" normalizeH="0" baseline="0" dirty="0">
+                <a:ln>
+                  <a:noFill/>
+                </a:ln>
+                <a:solidFill>
+                  <a:srgbClr val="080808"/>
+                </a:solidFill>
+                <a:effectLst/>
+                <a:latin typeface="JetBrains Mono"/>
+              </a:rPr>
+            </a:br>
+            <a:r>
+              <a:rPr kumimoji="0" lang="et-EE" altLang="en-US" sz="2000" b="0" i="0" u="none" strike="noStrike" cap="none" normalizeH="0" baseline="0" dirty="0">
+                <a:ln>
+                  <a:noFill/>
+                </a:ln>
+                <a:solidFill>
+                  <a:srgbClr val="080808"/>
+                </a:solidFill>
+                <a:effectLst/>
+                <a:latin typeface="JetBrains Mono"/>
+              </a:rPr>
+              <a:t>	</a:t>
+            </a:r>
+            <a:r>
+              <a:rPr kumimoji="0" lang="en-US" altLang="en-US" sz="2000" b="0" i="0" u="none" strike="noStrike" cap="none" normalizeH="0" baseline="0" dirty="0">
+                <a:ln>
+                  <a:noFill/>
+                </a:ln>
+                <a:solidFill>
+                  <a:srgbClr val="080808"/>
+                </a:solidFill>
+                <a:effectLst/>
+                <a:latin typeface="JetBrains Mono"/>
+              </a:rPr>
+              <a:t>&lt;</a:t>
+            </a:r>
+            <a:r>
+              <a:rPr kumimoji="0" lang="en-US" altLang="en-US" sz="2000" b="0" i="0" u="none" strike="noStrike" cap="none" normalizeH="0" baseline="0" dirty="0" err="1">
+                <a:ln>
+                  <a:noFill/>
+                </a:ln>
+                <a:solidFill>
+                  <a:srgbClr val="0033B3"/>
+                </a:solidFill>
+                <a:effectLst/>
+                <a:latin typeface="JetBrains Mono"/>
+              </a:rPr>
+              <a:t>java.version</a:t>
+            </a:r>
+            <a:r>
+              <a:rPr kumimoji="0" lang="en-US" altLang="en-US" sz="2000" b="0" i="0" u="none" strike="noStrike" cap="none" normalizeH="0" baseline="0" dirty="0">
+                <a:ln>
+                  <a:noFill/>
+                </a:ln>
+                <a:solidFill>
+                  <a:srgbClr val="080808"/>
+                </a:solidFill>
+                <a:effectLst/>
+                <a:latin typeface="JetBrains Mono"/>
+              </a:rPr>
+              <a:t>&gt;11&lt;/</a:t>
+            </a:r>
+            <a:r>
+              <a:rPr kumimoji="0" lang="en-US" altLang="en-US" sz="2000" b="0" i="0" u="none" strike="noStrike" cap="none" normalizeH="0" baseline="0" dirty="0" err="1">
+                <a:ln>
+                  <a:noFill/>
+                </a:ln>
+                <a:solidFill>
+                  <a:srgbClr val="0033B3"/>
+                </a:solidFill>
+                <a:effectLst/>
+                <a:latin typeface="JetBrains Mono"/>
+              </a:rPr>
+              <a:t>java.version</a:t>
+            </a:r>
+            <a:r>
+              <a:rPr kumimoji="0" lang="en-US" altLang="en-US" sz="2000" b="0" i="0" u="none" strike="noStrike" cap="none" normalizeH="0" baseline="0" dirty="0">
+                <a:ln>
+                  <a:noFill/>
+                </a:ln>
+                <a:solidFill>
+                  <a:srgbClr val="080808"/>
+                </a:solidFill>
+                <a:effectLst/>
+                <a:latin typeface="JetBrains Mono"/>
+              </a:rPr>
+              <a:t>&gt;</a:t>
+            </a:r>
+            <a:br>
+              <a:rPr kumimoji="0" lang="en-US" altLang="en-US" sz="2000" b="0" i="0" u="none" strike="noStrike" cap="none" normalizeH="0" baseline="0" dirty="0">
+                <a:ln>
+                  <a:noFill/>
+                </a:ln>
+                <a:solidFill>
+                  <a:srgbClr val="080808"/>
+                </a:solidFill>
+                <a:effectLst/>
+                <a:latin typeface="JetBrains Mono"/>
+              </a:rPr>
+            </a:br>
+            <a:r>
+              <a:rPr kumimoji="0" lang="en-US" altLang="en-US" sz="2000" b="0" i="0" u="none" strike="noStrike" cap="none" normalizeH="0" baseline="0" dirty="0">
+                <a:ln>
+                  <a:noFill/>
+                </a:ln>
+                <a:solidFill>
+                  <a:srgbClr val="080808"/>
+                </a:solidFill>
+                <a:effectLst/>
+                <a:latin typeface="JetBrains Mono"/>
+              </a:rPr>
+              <a:t>   </a:t>
+            </a:r>
+            <a:r>
+              <a:rPr kumimoji="0" lang="et-EE" altLang="en-US" sz="2000" b="0" i="0" u="none" strike="noStrike" cap="none" normalizeH="0" baseline="0" dirty="0">
+                <a:ln>
+                  <a:noFill/>
+                </a:ln>
+                <a:solidFill>
+                  <a:srgbClr val="080808"/>
+                </a:solidFill>
+                <a:effectLst/>
+                <a:latin typeface="JetBrains Mono"/>
+              </a:rPr>
+              <a:t>	</a:t>
+            </a:r>
+            <a:r>
+              <a:rPr kumimoji="0" lang="en-US" altLang="en-US" sz="2000" b="0" i="0" u="none" strike="noStrike" cap="none" normalizeH="0" baseline="0" dirty="0">
+                <a:ln>
+                  <a:noFill/>
+                </a:ln>
+                <a:solidFill>
+                  <a:srgbClr val="080808"/>
+                </a:solidFill>
+                <a:effectLst/>
+                <a:latin typeface="JetBrains Mono"/>
+              </a:rPr>
+              <a:t>&lt;</a:t>
+            </a:r>
+            <a:r>
+              <a:rPr kumimoji="0" lang="en-US" altLang="en-US" sz="2000" b="0" i="0" u="none" strike="noStrike" cap="none" normalizeH="0" baseline="0" dirty="0" err="1">
+                <a:ln>
+                  <a:noFill/>
+                </a:ln>
+                <a:solidFill>
+                  <a:srgbClr val="0033B3"/>
+                </a:solidFill>
+                <a:effectLst/>
+                <a:latin typeface="JetBrains Mono"/>
+              </a:rPr>
+              <a:t>maven.compiler.source</a:t>
+            </a:r>
+            <a:r>
+              <a:rPr kumimoji="0" lang="en-US" altLang="en-US" sz="2000" b="0" i="0" u="none" strike="noStrike" cap="none" normalizeH="0" baseline="0" dirty="0">
+                <a:ln>
+                  <a:noFill/>
+                </a:ln>
+                <a:solidFill>
+                  <a:srgbClr val="080808"/>
+                </a:solidFill>
+                <a:effectLst/>
+                <a:latin typeface="JetBrains Mono"/>
+              </a:rPr>
+              <a:t>&gt;11&lt;/</a:t>
+            </a:r>
+            <a:r>
+              <a:rPr kumimoji="0" lang="en-US" altLang="en-US" sz="2000" b="0" i="0" u="none" strike="noStrike" cap="none" normalizeH="0" baseline="0" dirty="0" err="1">
+                <a:ln>
+                  <a:noFill/>
+                </a:ln>
+                <a:solidFill>
+                  <a:srgbClr val="0033B3"/>
+                </a:solidFill>
+                <a:effectLst/>
+                <a:latin typeface="JetBrains Mono"/>
+              </a:rPr>
+              <a:t>maven.compiler.source</a:t>
+            </a:r>
+            <a:r>
+              <a:rPr kumimoji="0" lang="en-US" altLang="en-US" sz="2000" b="0" i="0" u="none" strike="noStrike" cap="none" normalizeH="0" baseline="0" dirty="0">
+                <a:ln>
+                  <a:noFill/>
+                </a:ln>
+                <a:solidFill>
+                  <a:srgbClr val="080808"/>
+                </a:solidFill>
+                <a:effectLst/>
+                <a:latin typeface="JetBrains Mono"/>
+              </a:rPr>
+              <a:t>&gt;</a:t>
+            </a:r>
+            <a:br>
+              <a:rPr kumimoji="0" lang="en-US" altLang="en-US" sz="2000" b="0" i="0" u="none" strike="noStrike" cap="none" normalizeH="0" baseline="0" dirty="0">
+                <a:ln>
+                  <a:noFill/>
+                </a:ln>
+                <a:solidFill>
+                  <a:srgbClr val="080808"/>
+                </a:solidFill>
+                <a:effectLst/>
+                <a:latin typeface="JetBrains Mono"/>
+              </a:rPr>
+            </a:br>
+            <a:r>
+              <a:rPr kumimoji="0" lang="en-US" altLang="en-US" sz="2000" b="0" i="0" u="none" strike="noStrike" cap="none" normalizeH="0" baseline="0" dirty="0">
+                <a:ln>
+                  <a:noFill/>
+                </a:ln>
+                <a:solidFill>
+                  <a:srgbClr val="080808"/>
+                </a:solidFill>
+                <a:effectLst/>
+                <a:latin typeface="JetBrains Mono"/>
+              </a:rPr>
+              <a:t>   </a:t>
+            </a:r>
+            <a:r>
+              <a:rPr kumimoji="0" lang="et-EE" altLang="en-US" sz="2000" b="0" i="0" u="none" strike="noStrike" cap="none" normalizeH="0" baseline="0" dirty="0">
+                <a:ln>
+                  <a:noFill/>
+                </a:ln>
+                <a:solidFill>
+                  <a:srgbClr val="080808"/>
+                </a:solidFill>
+                <a:effectLst/>
+                <a:latin typeface="JetBrains Mono"/>
+              </a:rPr>
+              <a:t>	</a:t>
+            </a:r>
+            <a:r>
+              <a:rPr kumimoji="0" lang="en-US" altLang="en-US" sz="2000" b="0" i="0" u="none" strike="noStrike" cap="none" normalizeH="0" baseline="0" dirty="0">
+                <a:ln>
+                  <a:noFill/>
+                </a:ln>
+                <a:solidFill>
+                  <a:srgbClr val="080808"/>
+                </a:solidFill>
+                <a:effectLst/>
+                <a:latin typeface="JetBrains Mono"/>
+              </a:rPr>
+              <a:t>&lt;</a:t>
+            </a:r>
+            <a:r>
+              <a:rPr kumimoji="0" lang="en-US" altLang="en-US" sz="2000" b="0" i="0" u="none" strike="noStrike" cap="none" normalizeH="0" baseline="0" dirty="0" err="1">
+                <a:ln>
+                  <a:noFill/>
+                </a:ln>
+                <a:solidFill>
+                  <a:srgbClr val="0033B3"/>
+                </a:solidFill>
+                <a:effectLst/>
+                <a:latin typeface="JetBrains Mono"/>
+              </a:rPr>
+              <a:t>maven.compiler.target</a:t>
+            </a:r>
+            <a:r>
+              <a:rPr kumimoji="0" lang="en-US" altLang="en-US" sz="2000" b="0" i="0" u="none" strike="noStrike" cap="none" normalizeH="0" baseline="0" dirty="0">
+                <a:ln>
+                  <a:noFill/>
+                </a:ln>
+                <a:solidFill>
+                  <a:srgbClr val="080808"/>
+                </a:solidFill>
+                <a:effectLst/>
+                <a:latin typeface="JetBrains Mono"/>
+              </a:rPr>
+              <a:t>&gt;11&lt;/</a:t>
+            </a:r>
+            <a:r>
+              <a:rPr kumimoji="0" lang="en-US" altLang="en-US" sz="2000" b="0" i="0" u="none" strike="noStrike" cap="none" normalizeH="0" baseline="0" dirty="0" err="1">
+                <a:ln>
+                  <a:noFill/>
+                </a:ln>
+                <a:solidFill>
+                  <a:srgbClr val="0033B3"/>
+                </a:solidFill>
+                <a:effectLst/>
+                <a:latin typeface="JetBrains Mono"/>
+              </a:rPr>
+              <a:t>maven.compiler.target</a:t>
+            </a:r>
+            <a:r>
+              <a:rPr kumimoji="0" lang="en-US" altLang="en-US" sz="2000" b="0" i="0" u="none" strike="noStrike" cap="none" normalizeH="0" baseline="0" dirty="0">
+                <a:ln>
+                  <a:noFill/>
+                </a:ln>
+                <a:solidFill>
+                  <a:srgbClr val="080808"/>
+                </a:solidFill>
+                <a:effectLst/>
+                <a:latin typeface="JetBrains Mono"/>
+              </a:rPr>
+              <a:t>&gt;</a:t>
+            </a:r>
+            <a:br>
+              <a:rPr kumimoji="0" lang="en-US" altLang="en-US" sz="2000" b="0" i="0" u="none" strike="noStrike" cap="none" normalizeH="0" baseline="0" dirty="0">
+                <a:ln>
+                  <a:noFill/>
+                </a:ln>
+                <a:solidFill>
+                  <a:srgbClr val="080808"/>
+                </a:solidFill>
+                <a:effectLst/>
+                <a:latin typeface="JetBrains Mono"/>
+              </a:rPr>
+            </a:br>
+            <a:r>
+              <a:rPr kumimoji="0" lang="en-US" altLang="en-US" sz="2000" b="0" i="0" u="none" strike="noStrike" cap="none" normalizeH="0" baseline="0" dirty="0">
+                <a:ln>
+                  <a:noFill/>
+                </a:ln>
+                <a:solidFill>
+                  <a:srgbClr val="080808"/>
+                </a:solidFill>
+                <a:effectLst/>
+                <a:latin typeface="JetBrains Mono"/>
+              </a:rPr>
+              <a:t>   </a:t>
+            </a:r>
+            <a:r>
+              <a:rPr kumimoji="0" lang="et-EE" altLang="en-US" sz="2000" b="0" i="0" u="none" strike="noStrike" cap="none" normalizeH="0" baseline="0" dirty="0">
+                <a:ln>
+                  <a:noFill/>
+                </a:ln>
+                <a:solidFill>
+                  <a:srgbClr val="080808"/>
+                </a:solidFill>
+                <a:effectLst/>
+                <a:latin typeface="JetBrains Mono"/>
+              </a:rPr>
+              <a:t>	</a:t>
+            </a:r>
+            <a:r>
+              <a:rPr kumimoji="0" lang="en-US" altLang="en-US" sz="2000" b="0" i="0" u="none" strike="noStrike" cap="none" normalizeH="0" baseline="0" dirty="0">
+                <a:ln>
+                  <a:noFill/>
+                </a:ln>
+                <a:solidFill>
+                  <a:srgbClr val="080808"/>
+                </a:solidFill>
+                <a:effectLst/>
+                <a:latin typeface="JetBrains Mono"/>
+              </a:rPr>
+              <a:t>&lt;</a:t>
+            </a:r>
+            <a:r>
+              <a:rPr kumimoji="0" lang="en-US" altLang="en-US" sz="2000" b="0" i="0" u="none" strike="noStrike" cap="none" normalizeH="0" baseline="0" dirty="0" err="1">
+                <a:ln>
+                  <a:noFill/>
+                </a:ln>
+                <a:solidFill>
+                  <a:srgbClr val="0033B3"/>
+                </a:solidFill>
+                <a:effectLst/>
+                <a:latin typeface="JetBrains Mono"/>
+              </a:rPr>
+              <a:t>maven.compiler.release</a:t>
+            </a:r>
+            <a:r>
+              <a:rPr kumimoji="0" lang="en-US" altLang="en-US" sz="2000" b="0" i="0" u="none" strike="noStrike" cap="none" normalizeH="0" baseline="0" dirty="0">
+                <a:ln>
+                  <a:noFill/>
+                </a:ln>
+                <a:solidFill>
+                  <a:srgbClr val="080808"/>
+                </a:solidFill>
+                <a:effectLst/>
+                <a:latin typeface="JetBrains Mono"/>
+              </a:rPr>
+              <a:t>&gt;11&lt;/</a:t>
+            </a:r>
+            <a:r>
+              <a:rPr kumimoji="0" lang="en-US" altLang="en-US" sz="2000" b="0" i="0" u="none" strike="noStrike" cap="none" normalizeH="0" baseline="0" dirty="0" err="1">
+                <a:ln>
+                  <a:noFill/>
+                </a:ln>
+                <a:solidFill>
+                  <a:srgbClr val="0033B3"/>
+                </a:solidFill>
+                <a:effectLst/>
+                <a:latin typeface="JetBrains Mono"/>
+              </a:rPr>
+              <a:t>maven.compiler.release</a:t>
+            </a:r>
+            <a:r>
+              <a:rPr kumimoji="0" lang="en-US" altLang="en-US" sz="2000" b="0" i="0" u="none" strike="noStrike" cap="none" normalizeH="0" baseline="0" dirty="0">
+                <a:ln>
+                  <a:noFill/>
+                </a:ln>
+                <a:solidFill>
+                  <a:srgbClr val="080808"/>
+                </a:solidFill>
+                <a:effectLst/>
+                <a:latin typeface="JetBrains Mono"/>
+              </a:rPr>
+              <a:t>&gt;</a:t>
+            </a:r>
+            <a:br>
+              <a:rPr kumimoji="0" lang="en-US" altLang="en-US" sz="2000" b="0" i="0" u="none" strike="noStrike" cap="none" normalizeH="0" baseline="0" dirty="0">
+                <a:ln>
+                  <a:noFill/>
+                </a:ln>
+                <a:solidFill>
+                  <a:srgbClr val="080808"/>
+                </a:solidFill>
+                <a:effectLst/>
+                <a:latin typeface="JetBrains Mono"/>
+              </a:rPr>
+            </a:br>
+            <a:r>
+              <a:rPr kumimoji="0" lang="en-US" altLang="en-US" sz="2000" b="0" i="0" u="none" strike="noStrike" cap="none" normalizeH="0" baseline="0" dirty="0">
+                <a:ln>
+                  <a:noFill/>
+                </a:ln>
+                <a:solidFill>
+                  <a:srgbClr val="080808"/>
+                </a:solidFill>
+                <a:effectLst/>
+                <a:latin typeface="JetBrains Mono"/>
+              </a:rPr>
+              <a:t>&lt;/</a:t>
+            </a:r>
+            <a:r>
+              <a:rPr kumimoji="0" lang="en-US" altLang="en-US" sz="2000" b="0" i="0" u="none" strike="noStrike" cap="none" normalizeH="0" baseline="0" dirty="0">
+                <a:ln>
+                  <a:noFill/>
+                </a:ln>
+                <a:solidFill>
+                  <a:srgbClr val="0033B3"/>
+                </a:solidFill>
+                <a:effectLst/>
+                <a:latin typeface="JetBrains Mono"/>
+              </a:rPr>
+              <a:t>properties</a:t>
+            </a:r>
+            <a:r>
+              <a:rPr kumimoji="0" lang="en-US" altLang="en-US" sz="2000" b="0" i="0" u="none" strike="noStrike" cap="none" normalizeH="0" baseline="0" dirty="0">
+                <a:ln>
+                  <a:noFill/>
+                </a:ln>
+                <a:solidFill>
+                  <a:srgbClr val="080808"/>
+                </a:solidFill>
+                <a:effectLst/>
+                <a:latin typeface="JetBrains Mono"/>
+              </a:rPr>
+              <a:t>&gt;</a:t>
+            </a:r>
+            <a:br>
+              <a:rPr kumimoji="0" lang="en-US" altLang="en-US" sz="2000" b="0" i="0" u="none" strike="noStrike" cap="none" normalizeH="0" baseline="0" dirty="0">
+                <a:ln>
+                  <a:noFill/>
+                </a:ln>
+                <a:solidFill>
+                  <a:srgbClr val="080808"/>
+                </a:solidFill>
+                <a:effectLst/>
+                <a:latin typeface="JetBrains Mono"/>
+              </a:rPr>
+            </a:br>
+            <a:endParaRPr kumimoji="0" lang="en-US" altLang="en-US" sz="2000" b="0" i="0" u="none" strike="noStrike" cap="none" normalizeH="0" baseline="0" dirty="0">
+              <a:ln>
+                <a:noFill/>
+              </a:ln>
+              <a:solidFill>
+                <a:schemeClr val="tx1"/>
+              </a:solidFill>
+              <a:effectLst/>
+              <a:latin typeface="Arial" panose="020B0604020202020204" pitchFamily="34" charset="0"/>
+            </a:endParaRPr>
+          </a:p>
+        </p:txBody>
+      </p:sp>
+    </p:spTree>
+    <p:extLst>
+      <p:ext uri="{BB962C8B-B14F-4D97-AF65-F5344CB8AC3E}">
+        <p14:creationId xmlns:p14="http://schemas.microsoft.com/office/powerpoint/2010/main" val="607120014"/>
+      </p:ext>
+    </p:extLst>
+  </p:cSld>
+  <p:clrMapOvr>
+    <a:masterClrMapping/>
+  </p:clrMapOvr>
+</p:sld>
+</file>
+
+<file path=ppt/slides/slide4.xml><?xml version="1.0" encoding="utf-8"?>
+<p:sld xmlns:a="http://schemas.openxmlformats.org/drawingml/2006/main" xmlns:r="http://schemas.openxmlformats.org/officeDocument/2006/relationships" xmlns:p="http://schemas.openxmlformats.org/presentationml/2006/main">
+  <p:cSld>
+    <p:spTree>
+      <p:nvGrpSpPr>
+        <p:cNvPr id="1" name=""/>
+        <p:cNvGrpSpPr/>
+        <p:nvPr/>
+      </p:nvGrpSpPr>
+      <p:grpSpPr>
+        <a:xfrm>
+          <a:off x="0" y="0"/>
+          <a:ext cx="0" cy="0"/>
+          <a:chOff x="0" y="0"/>
+          <a:chExt cx="0" cy="0"/>
+        </a:xfrm>
+      </p:grpSpPr>
+      <p:sp>
+        <p:nvSpPr>
+          <p:cNvPr id="2" name="Title 1"/>
+          <p:cNvSpPr>
+            <a:spLocks noGrp="1"/>
+          </p:cNvSpPr>
+          <p:nvPr>
+            <p:ph type="title"/>
+          </p:nvPr>
+        </p:nvSpPr>
+        <p:spPr>
+          <a:xfrm>
+            <a:off x="450376" y="1052736"/>
+            <a:ext cx="8229600" cy="757982"/>
+          </a:xfrm>
+        </p:spPr>
+        <p:txBody>
+          <a:bodyPr>
+            <a:normAutofit/>
+          </a:bodyPr>
+          <a:lstStyle/>
+          <a:p>
+            <a:r>
+              <a:rPr lang="et-EE" dirty="0"/>
+              <a:t>Java: </a:t>
+            </a:r>
+            <a:r>
+              <a:rPr lang="et-EE" dirty="0" err="1"/>
+              <a:t>Make</a:t>
+            </a:r>
+            <a:r>
+              <a:rPr lang="et-EE" dirty="0"/>
+              <a:t> </a:t>
+            </a:r>
+            <a:r>
+              <a:rPr lang="et-EE" dirty="0" err="1"/>
+              <a:t>new</a:t>
+            </a:r>
+            <a:r>
+              <a:rPr lang="et-EE" dirty="0"/>
+              <a:t> </a:t>
+            </a:r>
+            <a:r>
+              <a:rPr lang="et-EE" dirty="0" err="1"/>
+              <a:t>maven</a:t>
+            </a:r>
+            <a:r>
+              <a:rPr lang="et-EE" dirty="0"/>
+              <a:t> </a:t>
+            </a:r>
+            <a:r>
+              <a:rPr lang="et-EE" dirty="0" err="1"/>
+              <a:t>configuration</a:t>
+            </a:r>
+            <a:endParaRPr lang="en-US" dirty="0"/>
+          </a:p>
+        </p:txBody>
+      </p:sp>
+      <p:pic>
+        <p:nvPicPr>
+          <p:cNvPr id="5" name="Picture 4">
+            <a:extLst>
+              <a:ext uri="{FF2B5EF4-FFF2-40B4-BE49-F238E27FC236}">
+                <a16:creationId xmlns:a16="http://schemas.microsoft.com/office/drawing/2014/main" id="{1EB0C51A-D8CC-4644-965E-C077513C90AD}"/>
+              </a:ext>
+            </a:extLst>
+          </p:cNvPr>
+          <p:cNvPicPr>
+            <a:picLocks noChangeAspect="1"/>
+          </p:cNvPicPr>
+          <p:nvPr/>
+        </p:nvPicPr>
+        <p:blipFill>
+          <a:blip r:embed="rId2"/>
+          <a:stretch>
+            <a:fillRect/>
+          </a:stretch>
+        </p:blipFill>
+        <p:spPr>
+          <a:xfrm>
+            <a:off x="971600" y="2564904"/>
+            <a:ext cx="5955057" cy="1342329"/>
+          </a:xfrm>
+          <a:prstGeom prst="rect">
+            <a:avLst/>
+          </a:prstGeom>
+        </p:spPr>
+      </p:pic>
+      <p:pic>
+        <p:nvPicPr>
+          <p:cNvPr id="7" name="Picture 6">
+            <a:extLst>
+              <a:ext uri="{FF2B5EF4-FFF2-40B4-BE49-F238E27FC236}">
+                <a16:creationId xmlns:a16="http://schemas.microsoft.com/office/drawing/2014/main" id="{73D5F5D2-B69E-459C-A566-9583A4BBF3A9}"/>
+              </a:ext>
+            </a:extLst>
+          </p:cNvPr>
+          <p:cNvPicPr>
+            <a:picLocks noChangeAspect="1"/>
+          </p:cNvPicPr>
+          <p:nvPr/>
+        </p:nvPicPr>
+        <p:blipFill>
+          <a:blip r:embed="rId3"/>
+          <a:stretch>
+            <a:fillRect/>
+          </a:stretch>
+        </p:blipFill>
+        <p:spPr>
+          <a:xfrm>
+            <a:off x="1071441" y="4694687"/>
+            <a:ext cx="2712955" cy="1607959"/>
+          </a:xfrm>
+          <a:prstGeom prst="rect">
+            <a:avLst/>
+          </a:prstGeom>
+        </p:spPr>
+      </p:pic>
+      <p:sp>
+        <p:nvSpPr>
+          <p:cNvPr id="8" name="TextBox 7">
+            <a:extLst>
+              <a:ext uri="{FF2B5EF4-FFF2-40B4-BE49-F238E27FC236}">
+                <a16:creationId xmlns:a16="http://schemas.microsoft.com/office/drawing/2014/main" id="{EF65C274-3CAC-4DB4-A376-BDCF06390BB3}"/>
+              </a:ext>
+            </a:extLst>
+          </p:cNvPr>
+          <p:cNvSpPr txBox="1"/>
+          <p:nvPr/>
+        </p:nvSpPr>
+        <p:spPr>
+          <a:xfrm>
+            <a:off x="611560" y="1916832"/>
+            <a:ext cx="3600400" cy="523220"/>
+          </a:xfrm>
+          <a:prstGeom prst="rect">
+            <a:avLst/>
+          </a:prstGeom>
+          <a:noFill/>
+        </p:spPr>
+        <p:txBody>
+          <a:bodyPr wrap="square" rtlCol="0">
+            <a:spAutoFit/>
+          </a:bodyPr>
+          <a:lstStyle/>
+          <a:p>
+            <a:r>
+              <a:rPr lang="et-EE" sz="2800" dirty="0" err="1"/>
+              <a:t>Click</a:t>
+            </a:r>
+            <a:r>
+              <a:rPr lang="et-EE" sz="2800" dirty="0"/>
+              <a:t> </a:t>
+            </a:r>
+            <a:r>
+              <a:rPr lang="et-EE" sz="2800" dirty="0" err="1"/>
+              <a:t>edit</a:t>
+            </a:r>
+            <a:r>
+              <a:rPr lang="et-EE" sz="2800" dirty="0"/>
+              <a:t> </a:t>
+            </a:r>
+            <a:r>
+              <a:rPr lang="et-EE" sz="2800" dirty="0" err="1"/>
+              <a:t>configuration</a:t>
+            </a:r>
+            <a:endParaRPr lang="en-US" sz="2800" dirty="0"/>
+          </a:p>
+        </p:txBody>
+      </p:sp>
+      <p:sp>
+        <p:nvSpPr>
+          <p:cNvPr id="9" name="TextBox 8">
+            <a:extLst>
+              <a:ext uri="{FF2B5EF4-FFF2-40B4-BE49-F238E27FC236}">
+                <a16:creationId xmlns:a16="http://schemas.microsoft.com/office/drawing/2014/main" id="{645BE467-A2AA-4F64-9BEE-BA7CF7721993}"/>
+              </a:ext>
+            </a:extLst>
+          </p:cNvPr>
+          <p:cNvSpPr txBox="1"/>
+          <p:nvPr/>
+        </p:nvSpPr>
+        <p:spPr>
+          <a:xfrm>
+            <a:off x="627718" y="4031486"/>
+            <a:ext cx="4731887" cy="523220"/>
+          </a:xfrm>
+          <a:prstGeom prst="rect">
+            <a:avLst/>
+          </a:prstGeom>
+          <a:noFill/>
+        </p:spPr>
+        <p:txBody>
+          <a:bodyPr wrap="square" rtlCol="0">
+            <a:spAutoFit/>
+          </a:bodyPr>
+          <a:lstStyle/>
+          <a:p>
+            <a:r>
+              <a:rPr lang="et-EE" sz="2800" dirty="0" err="1"/>
+              <a:t>Add</a:t>
+            </a:r>
+            <a:r>
+              <a:rPr lang="et-EE" sz="2800" dirty="0"/>
+              <a:t> </a:t>
+            </a:r>
+            <a:r>
+              <a:rPr lang="et-EE" sz="2800" dirty="0" err="1"/>
+              <a:t>maven</a:t>
+            </a:r>
+            <a:r>
+              <a:rPr lang="et-EE" sz="2800" dirty="0"/>
+              <a:t> </a:t>
+            </a:r>
+            <a:r>
+              <a:rPr lang="et-EE" sz="2800" dirty="0" err="1"/>
+              <a:t>configuration</a:t>
+            </a:r>
+            <a:endParaRPr lang="en-US" sz="2800" dirty="0"/>
+          </a:p>
+        </p:txBody>
+      </p:sp>
+    </p:spTree>
+    <p:extLst>
+      <p:ext uri="{BB962C8B-B14F-4D97-AF65-F5344CB8AC3E}">
+        <p14:creationId xmlns:p14="http://schemas.microsoft.com/office/powerpoint/2010/main" val="271304936"/>
+      </p:ext>
+    </p:extLst>
+  </p:cSld>
+  <p:clrMapOvr>
+    <a:masterClrMapping/>
+  </p:clrMapOvr>
+</p:sld>
+</file>
+
+<file path=ppt/slides/slide5.xml><?xml version="1.0" encoding="utf-8"?>
+<p:sld xmlns:a="http://schemas.openxmlformats.org/drawingml/2006/main" xmlns:r="http://schemas.openxmlformats.org/officeDocument/2006/relationships" xmlns:p="http://schemas.openxmlformats.org/presentationml/2006/main">
+  <p:cSld>
+    <p:spTree>
+      <p:nvGrpSpPr>
+        <p:cNvPr id="1" name=""/>
+        <p:cNvGrpSpPr/>
+        <p:nvPr/>
+      </p:nvGrpSpPr>
+      <p:grpSpPr>
+        <a:xfrm>
+          <a:off x="0" y="0"/>
+          <a:ext cx="0" cy="0"/>
+          <a:chOff x="0" y="0"/>
+          <a:chExt cx="0" cy="0"/>
+        </a:xfrm>
+      </p:grpSpPr>
+      <p:sp>
+        <p:nvSpPr>
+          <p:cNvPr id="2" name="Title 1"/>
+          <p:cNvSpPr>
+            <a:spLocks noGrp="1"/>
+          </p:cNvSpPr>
+          <p:nvPr>
+            <p:ph type="title"/>
+          </p:nvPr>
+        </p:nvSpPr>
+        <p:spPr>
+          <a:xfrm>
+            <a:off x="450376" y="1052736"/>
+            <a:ext cx="8229600" cy="757982"/>
+          </a:xfrm>
+        </p:spPr>
+        <p:txBody>
+          <a:bodyPr>
+            <a:normAutofit/>
+          </a:bodyPr>
+          <a:lstStyle/>
+          <a:p>
+            <a:r>
+              <a:rPr lang="et-EE" dirty="0"/>
+              <a:t>Java: </a:t>
+            </a:r>
+            <a:r>
+              <a:rPr lang="et-EE" dirty="0" err="1"/>
+              <a:t>Make</a:t>
+            </a:r>
+            <a:r>
+              <a:rPr lang="et-EE" dirty="0"/>
+              <a:t> </a:t>
+            </a:r>
+            <a:r>
+              <a:rPr lang="et-EE" dirty="0" err="1"/>
+              <a:t>new</a:t>
+            </a:r>
+            <a:r>
+              <a:rPr lang="et-EE" dirty="0"/>
+              <a:t> </a:t>
+            </a:r>
+            <a:r>
+              <a:rPr lang="et-EE" dirty="0" err="1"/>
+              <a:t>maven</a:t>
+            </a:r>
+            <a:r>
+              <a:rPr lang="et-EE" dirty="0"/>
+              <a:t> </a:t>
+            </a:r>
+            <a:r>
+              <a:rPr lang="et-EE" dirty="0" err="1"/>
+              <a:t>configuration</a:t>
+            </a:r>
+            <a:endParaRPr lang="en-US" dirty="0"/>
+          </a:p>
+        </p:txBody>
+      </p:sp>
+      <p:sp>
+        <p:nvSpPr>
+          <p:cNvPr id="8" name="TextBox 7">
+            <a:extLst>
+              <a:ext uri="{FF2B5EF4-FFF2-40B4-BE49-F238E27FC236}">
+                <a16:creationId xmlns:a16="http://schemas.microsoft.com/office/drawing/2014/main" id="{EF65C274-3CAC-4DB4-A376-BDCF06390BB3}"/>
+              </a:ext>
+            </a:extLst>
+          </p:cNvPr>
+          <p:cNvSpPr txBox="1"/>
+          <p:nvPr/>
+        </p:nvSpPr>
+        <p:spPr>
+          <a:xfrm>
+            <a:off x="611560" y="1916832"/>
+            <a:ext cx="7272808" cy="523220"/>
+          </a:xfrm>
+          <a:prstGeom prst="rect">
+            <a:avLst/>
+          </a:prstGeom>
+          <a:noFill/>
+        </p:spPr>
+        <p:txBody>
+          <a:bodyPr wrap="square" rtlCol="0">
+            <a:spAutoFit/>
+          </a:bodyPr>
+          <a:lstStyle/>
+          <a:p>
+            <a:r>
+              <a:rPr lang="et-EE" sz="2800" dirty="0"/>
+              <a:t>In </a:t>
+            </a:r>
+            <a:r>
+              <a:rPr lang="et-EE" sz="2800" dirty="0" err="1"/>
+              <a:t>command</a:t>
+            </a:r>
+            <a:r>
+              <a:rPr lang="et-EE" sz="2800" dirty="0"/>
+              <a:t> </a:t>
+            </a:r>
+            <a:r>
+              <a:rPr lang="et-EE" sz="2800" dirty="0" err="1"/>
+              <a:t>line</a:t>
+            </a:r>
+            <a:r>
+              <a:rPr lang="et-EE" sz="2800" dirty="0"/>
+              <a:t> </a:t>
+            </a:r>
+            <a:r>
+              <a:rPr lang="et-EE" sz="2800" dirty="0" err="1"/>
+              <a:t>arguments</a:t>
+            </a:r>
+            <a:r>
+              <a:rPr lang="et-EE" sz="2800" dirty="0"/>
+              <a:t> </a:t>
+            </a:r>
+            <a:r>
+              <a:rPr lang="et-EE" sz="2800" dirty="0" err="1"/>
+              <a:t>add</a:t>
+            </a:r>
+            <a:r>
+              <a:rPr lang="et-EE" sz="2800" dirty="0"/>
+              <a:t> </a:t>
+            </a:r>
+            <a:r>
+              <a:rPr lang="et-EE" sz="2800" b="1" dirty="0" err="1"/>
+              <a:t>clean</a:t>
+            </a:r>
+            <a:r>
+              <a:rPr lang="et-EE" sz="2800" b="1" dirty="0"/>
+              <a:t> </a:t>
+            </a:r>
+            <a:r>
+              <a:rPr lang="et-EE" sz="2800" b="1" dirty="0" err="1"/>
+              <a:t>package</a:t>
+            </a:r>
+            <a:endParaRPr lang="en-US" sz="2800" b="1" dirty="0"/>
+          </a:p>
+        </p:txBody>
+      </p:sp>
+      <p:pic>
+        <p:nvPicPr>
+          <p:cNvPr id="4" name="Picture 3">
+            <a:extLst>
+              <a:ext uri="{FF2B5EF4-FFF2-40B4-BE49-F238E27FC236}">
+                <a16:creationId xmlns:a16="http://schemas.microsoft.com/office/drawing/2014/main" id="{6742D02C-3A57-4685-9ECF-41DFCBB8E905}"/>
+              </a:ext>
+            </a:extLst>
+          </p:cNvPr>
+          <p:cNvPicPr>
+            <a:picLocks noChangeAspect="1"/>
+          </p:cNvPicPr>
+          <p:nvPr/>
+        </p:nvPicPr>
+        <p:blipFill>
+          <a:blip r:embed="rId2"/>
+          <a:stretch>
+            <a:fillRect/>
+          </a:stretch>
+        </p:blipFill>
+        <p:spPr>
+          <a:xfrm>
+            <a:off x="583936" y="2780928"/>
+            <a:ext cx="7791054" cy="2448272"/>
+          </a:xfrm>
+          <a:prstGeom prst="rect">
+            <a:avLst/>
+          </a:prstGeom>
+        </p:spPr>
+      </p:pic>
+    </p:spTree>
+    <p:extLst>
+      <p:ext uri="{BB962C8B-B14F-4D97-AF65-F5344CB8AC3E}">
+        <p14:creationId xmlns:p14="http://schemas.microsoft.com/office/powerpoint/2010/main" val="2472229496"/>
+      </p:ext>
+    </p:extLst>
+  </p:cSld>
+  <p:clrMapOvr>
+    <a:masterClrMapping/>
+  </p:clrMapOvr>
+</p:sld>
+</file>
+
+<file path=ppt/slides/slide6.xml><?xml version="1.0" encoding="utf-8"?>
+<p:sld xmlns:a="http://schemas.openxmlformats.org/drawingml/2006/main" xmlns:r="http://schemas.openxmlformats.org/officeDocument/2006/relationships" xmlns:p="http://schemas.openxmlformats.org/presentationml/2006/main">
+  <p:cSld>
+    <p:spTree>
+      <p:nvGrpSpPr>
+        <p:cNvPr id="1" name=""/>
+        <p:cNvGrpSpPr/>
+        <p:nvPr/>
+      </p:nvGrpSpPr>
+      <p:grpSpPr>
+        <a:xfrm>
+          <a:off x="0" y="0"/>
+          <a:ext cx="0" cy="0"/>
+          <a:chOff x="0" y="0"/>
+          <a:chExt cx="0" cy="0"/>
+        </a:xfrm>
+      </p:grpSpPr>
+      <p:sp>
+        <p:nvSpPr>
+          <p:cNvPr id="2" name="Title 1"/>
+          <p:cNvSpPr>
+            <a:spLocks noGrp="1"/>
+          </p:cNvSpPr>
+          <p:nvPr>
+            <p:ph type="title"/>
+          </p:nvPr>
+        </p:nvSpPr>
+        <p:spPr>
+          <a:xfrm>
+            <a:off x="450376" y="1052736"/>
+            <a:ext cx="8229600" cy="757982"/>
+          </a:xfrm>
+        </p:spPr>
+        <p:txBody>
+          <a:bodyPr>
+            <a:normAutofit/>
+          </a:bodyPr>
+          <a:lstStyle/>
+          <a:p>
+            <a:r>
+              <a:rPr lang="et-EE" dirty="0" err="1"/>
+              <a:t>Run</a:t>
+            </a:r>
+            <a:r>
+              <a:rPr lang="et-EE" dirty="0"/>
+              <a:t> </a:t>
+            </a:r>
+            <a:r>
+              <a:rPr lang="et-EE" dirty="0" err="1"/>
+              <a:t>maven</a:t>
+            </a:r>
+            <a:r>
+              <a:rPr lang="et-EE" dirty="0"/>
+              <a:t> </a:t>
+            </a:r>
+            <a:r>
+              <a:rPr lang="et-EE" dirty="0" err="1"/>
+              <a:t>build</a:t>
+            </a:r>
+            <a:endParaRPr lang="en-US" dirty="0"/>
+          </a:p>
+        </p:txBody>
+      </p:sp>
+      <p:sp>
+        <p:nvSpPr>
+          <p:cNvPr id="8" name="TextBox 7">
+            <a:extLst>
+              <a:ext uri="{FF2B5EF4-FFF2-40B4-BE49-F238E27FC236}">
+                <a16:creationId xmlns:a16="http://schemas.microsoft.com/office/drawing/2014/main" id="{EF65C274-3CAC-4DB4-A376-BDCF06390BB3}"/>
+              </a:ext>
+            </a:extLst>
+          </p:cNvPr>
+          <p:cNvSpPr txBox="1"/>
+          <p:nvPr/>
+        </p:nvSpPr>
+        <p:spPr>
+          <a:xfrm>
+            <a:off x="611560" y="1916832"/>
+            <a:ext cx="7272808" cy="523220"/>
+          </a:xfrm>
+          <a:prstGeom prst="rect">
+            <a:avLst/>
+          </a:prstGeom>
+          <a:noFill/>
+        </p:spPr>
+        <p:txBody>
+          <a:bodyPr wrap="square" rtlCol="0">
+            <a:spAutoFit/>
+          </a:bodyPr>
+          <a:lstStyle/>
+          <a:p>
+            <a:r>
+              <a:rPr lang="et-EE" sz="2800" dirty="0"/>
+              <a:t>Press </a:t>
+            </a:r>
+            <a:r>
+              <a:rPr lang="et-EE" sz="2800" dirty="0" err="1"/>
+              <a:t>the</a:t>
+            </a:r>
+            <a:r>
+              <a:rPr lang="et-EE" sz="2800" dirty="0"/>
+              <a:t> </a:t>
+            </a:r>
+            <a:r>
+              <a:rPr lang="et-EE" sz="2800" dirty="0" err="1"/>
+              <a:t>green</a:t>
+            </a:r>
+            <a:r>
+              <a:rPr lang="et-EE" sz="2800" dirty="0"/>
+              <a:t> </a:t>
+            </a:r>
+            <a:r>
+              <a:rPr lang="et-EE" sz="2800" dirty="0" err="1"/>
+              <a:t>arrow</a:t>
+            </a:r>
+            <a:endParaRPr lang="en-US" sz="2800" dirty="0"/>
+          </a:p>
+        </p:txBody>
+      </p:sp>
+      <p:pic>
+        <p:nvPicPr>
+          <p:cNvPr id="5" name="Picture 4">
+            <a:extLst>
+              <a:ext uri="{FF2B5EF4-FFF2-40B4-BE49-F238E27FC236}">
+                <a16:creationId xmlns:a16="http://schemas.microsoft.com/office/drawing/2014/main" id="{637CBE78-31C8-41A1-A072-1D497646A18D}"/>
+              </a:ext>
+            </a:extLst>
+          </p:cNvPr>
+          <p:cNvPicPr>
+            <a:picLocks noChangeAspect="1"/>
+          </p:cNvPicPr>
+          <p:nvPr/>
+        </p:nvPicPr>
+        <p:blipFill>
+          <a:blip r:embed="rId2"/>
+          <a:stretch>
+            <a:fillRect/>
+          </a:stretch>
+        </p:blipFill>
+        <p:spPr>
+          <a:xfrm>
+            <a:off x="611560" y="2575686"/>
+            <a:ext cx="5634238" cy="1304772"/>
+          </a:xfrm>
+          <a:prstGeom prst="rect">
+            <a:avLst/>
+          </a:prstGeom>
+        </p:spPr>
+      </p:pic>
+    </p:spTree>
+    <p:extLst>
+      <p:ext uri="{BB962C8B-B14F-4D97-AF65-F5344CB8AC3E}">
+        <p14:creationId xmlns:p14="http://schemas.microsoft.com/office/powerpoint/2010/main" val="3308073382"/>
+      </p:ext>
+    </p:extLst>
+  </p:cSld>
+  <p:clrMapOvr>
+    <a:masterClrMapping/>
+  </p:clrMapOvr>
+</p:sld>
+</file>
+
 <file path=ppt/slides/slide7.xml><?xml version="1.0" encoding="utf-8"?>
 <p:sld xmlns:a="http://schemas.openxmlformats.org/drawingml/2006/main" xmlns:r="http://schemas.openxmlformats.org/officeDocument/2006/relationships" xmlns:p="http://schemas.openxmlformats.org/presentationml/2006/main">
   <p:cSld>
@@ -5532,13 +8553,7 @@
       </p:grpSpPr>
       <p:sp>
         <p:nvSpPr>
-          <p:cNvPr id="2" name="Title 1">
-            <a:extLst>
-              <a:ext uri="{FF2B5EF4-FFF2-40B4-BE49-F238E27FC236}">
-                <a16:creationId xmlns:a16="http://schemas.microsoft.com/office/drawing/2014/main" id="{4F4BB594-4B93-49AF-99F5-7AA8D8E404EF}"/>
-              </a:ext>
-            </a:extLst>
-          </p:cNvPr>
+          <p:cNvPr id="2" name="Title 1"/>
           <p:cNvSpPr>
             <a:spLocks noGrp="1"/>
           </p:cNvSpPr>
@@ -5546,57 +8561,139 @@
             <p:ph type="title"/>
           </p:nvPr>
         </p:nvSpPr>
-        <p:spPr/>
-        <p:txBody>
-          <a:bodyPr/>
+        <p:spPr>
+          <a:xfrm>
+            <a:off x="450376" y="1052736"/>
+            <a:ext cx="8229600" cy="757982"/>
+          </a:xfrm>
+        </p:spPr>
+        <p:txBody>
+          <a:bodyPr>
+            <a:normAutofit/>
+          </a:bodyPr>
           <a:lstStyle/>
           <a:p>
             <a:r>
               <a:rPr lang="et-EE" dirty="0" err="1"/>
-              <a:t>Add</a:t>
-            </a:r>
-            <a:r>
-              <a:rPr lang="et-EE" dirty="0"/>
-              <a:t> </a:t>
-            </a:r>
-            <a:r>
-              <a:rPr lang="et-EE" dirty="0" err="1"/>
-              <a:t>application.properties</a:t>
-            </a:r>
-            <a:r>
-              <a:rPr lang="et-EE" dirty="0"/>
-              <a:t> </a:t>
-            </a:r>
-            <a:r>
-              <a:rPr lang="et-EE" dirty="0" err="1"/>
-              <a:t>file</a:t>
+              <a:t>Run</a:t>
+            </a:r>
+            <a:r>
+              <a:rPr lang="et-EE" dirty="0"/>
+              <a:t> </a:t>
+            </a:r>
+            <a:r>
+              <a:rPr lang="et-EE" dirty="0" err="1"/>
+              <a:t>maven</a:t>
+            </a:r>
+            <a:r>
+              <a:rPr lang="et-EE" dirty="0"/>
+              <a:t> </a:t>
+            </a:r>
+            <a:r>
+              <a:rPr lang="et-EE" dirty="0" err="1"/>
+              <a:t>build</a:t>
             </a:r>
             <a:endParaRPr lang="en-US" dirty="0"/>
           </a:p>
         </p:txBody>
       </p:sp>
-      <p:sp>
-        <p:nvSpPr>
-          <p:cNvPr id="3" name="TextBox 2">
+      <p:pic>
+        <p:nvPicPr>
+          <p:cNvPr id="4" name="Picture 3">
             <a:extLst>
               <a:ext uri="{FF2B5EF4-FFF2-40B4-BE49-F238E27FC236}">
-                <a16:creationId xmlns:a16="http://schemas.microsoft.com/office/drawing/2014/main" id="{EC84FC94-AA30-4575-8C1A-04FDF049F7BD}"/>
+                <a16:creationId xmlns:a16="http://schemas.microsoft.com/office/drawing/2014/main" id="{702A09A6-1B8C-4A04-8506-C32921E05D40}"/>
               </a:ext>
             </a:extLst>
           </p:cNvPr>
-          <p:cNvSpPr txBox="1"/>
+          <p:cNvPicPr>
+            <a:picLocks noChangeAspect="1"/>
+          </p:cNvPicPr>
           <p:nvPr/>
-        </p:nvSpPr>
+        </p:nvPicPr>
+        <p:blipFill>
+          <a:blip r:embed="rId2"/>
+          <a:stretch>
+            <a:fillRect/>
+          </a:stretch>
+        </p:blipFill>
         <p:spPr>
           <a:xfrm>
-            <a:off x="442838" y="2276872"/>
-            <a:ext cx="7369522" cy="3693319"/>
+            <a:off x="539552" y="1837596"/>
+            <a:ext cx="8457660" cy="2815539"/>
+          </a:xfrm>
+          <a:prstGeom prst="rect">
+            <a:avLst/>
+          </a:prstGeom>
+        </p:spPr>
+      </p:pic>
+      <p:sp>
+        <p:nvSpPr>
+          <p:cNvPr id="6" name="Rectangle 5">
+            <a:extLst>
+              <a:ext uri="{FF2B5EF4-FFF2-40B4-BE49-F238E27FC236}">
+                <a16:creationId xmlns:a16="http://schemas.microsoft.com/office/drawing/2014/main" id="{C29A4690-8470-407D-B633-D1C78A254C70}"/>
+              </a:ext>
+            </a:extLst>
+          </p:cNvPr>
+          <p:cNvSpPr/>
+          <p:nvPr/>
+        </p:nvSpPr>
+        <p:spPr>
+          <a:xfrm>
+            <a:off x="2411760" y="2060848"/>
+            <a:ext cx="6336704" cy="288032"/>
           </a:xfrm>
           <a:prstGeom prst="rect">
             <a:avLst/>
           </a:prstGeom>
           <a:noFill/>
         </p:spPr>
+        <p:style>
+          <a:lnRef idx="2">
+            <a:schemeClr val="accent2"/>
+          </a:lnRef>
+          <a:fillRef idx="1">
+            <a:schemeClr val="lt1"/>
+          </a:fillRef>
+          <a:effectRef idx="0">
+            <a:schemeClr val="accent2"/>
+          </a:effectRef>
+          <a:fontRef idx="minor">
+            <a:schemeClr val="dk1"/>
+          </a:fontRef>
+        </p:style>
+        <p:txBody>
+          <a:bodyPr rtlCol="0" anchor="ctr"/>
+          <a:lstStyle/>
+          <a:p>
+            <a:pPr algn="ctr"/>
+            <a:endParaRPr lang="en-US"/>
+          </a:p>
+        </p:txBody>
+      </p:sp>
+      <p:sp>
+        <p:nvSpPr>
+          <p:cNvPr id="7" name="TextBox 6">
+            <a:extLst>
+              <a:ext uri="{FF2B5EF4-FFF2-40B4-BE49-F238E27FC236}">
+                <a16:creationId xmlns:a16="http://schemas.microsoft.com/office/drawing/2014/main" id="{F1F94778-1E1A-454D-9358-3BDB0BE86420}"/>
+              </a:ext>
+            </a:extLst>
+          </p:cNvPr>
+          <p:cNvSpPr txBox="1"/>
+          <p:nvPr/>
+        </p:nvSpPr>
+        <p:spPr>
+          <a:xfrm>
+            <a:off x="450376" y="5251264"/>
+            <a:ext cx="6785920" cy="369332"/>
+          </a:xfrm>
+          <a:prstGeom prst="rect">
+            <a:avLst/>
+          </a:prstGeom>
+          <a:noFill/>
+        </p:spPr>
         <p:txBody>
           <a:bodyPr wrap="square" rtlCol="0">
             <a:spAutoFit/>
@@ -5604,487 +8701,57 @@
           <a:lstStyle/>
           <a:p>
             <a:r>
-              <a:rPr lang="et-EE" i="1" dirty="0" err="1"/>
-              <a:t>Insert</a:t>
-            </a:r>
-            <a:r>
-              <a:rPr lang="et-EE" i="1" dirty="0"/>
-              <a:t> </a:t>
-            </a:r>
-            <a:r>
-              <a:rPr lang="et-EE" i="1" dirty="0" err="1"/>
-              <a:t>command</a:t>
-            </a:r>
-            <a:r>
-              <a:rPr lang="et-EE" i="1" dirty="0"/>
-              <a:t>: </a:t>
-            </a:r>
-            <a:r>
-              <a:rPr lang="et-EE" i="1" dirty="0" err="1"/>
-              <a:t>vim</a:t>
-            </a:r>
-            <a:r>
-              <a:rPr lang="et-EE" i="1" dirty="0"/>
-              <a:t> </a:t>
-            </a:r>
-            <a:r>
-              <a:rPr lang="et-EE" i="1" dirty="0" err="1"/>
-              <a:t>application.properties</a:t>
-            </a:r>
-            <a:endParaRPr lang="et-EE" i="1" dirty="0"/>
-          </a:p>
-          <a:p>
-            <a:r>
-              <a:rPr lang="et-EE" i="1" dirty="0"/>
-              <a:t>Press: i</a:t>
-            </a:r>
-          </a:p>
-          <a:p>
-            <a:r>
-              <a:rPr lang="et-EE" i="1" dirty="0" err="1"/>
-              <a:t>Paste</a:t>
-            </a:r>
-            <a:r>
-              <a:rPr lang="et-EE" i="1" dirty="0"/>
-              <a:t> </a:t>
-            </a:r>
-            <a:r>
-              <a:rPr lang="et-EE" i="1" dirty="0" err="1"/>
-              <a:t>application.properties</a:t>
-            </a:r>
-            <a:r>
-              <a:rPr lang="et-EE" i="1" dirty="0"/>
-              <a:t> </a:t>
-            </a:r>
-            <a:r>
-              <a:rPr lang="et-EE" i="1" dirty="0" err="1"/>
-              <a:t>content</a:t>
-            </a:r>
-            <a:r>
-              <a:rPr lang="et-EE" i="1" dirty="0"/>
-              <a:t>:</a:t>
-            </a:r>
-          </a:p>
-          <a:p>
-            <a:r>
-              <a:rPr kumimoji="0" lang="en-US" altLang="en-US" sz="1800" b="0" i="0" u="none" strike="noStrike" cap="none" normalizeH="0" baseline="0" dirty="0" err="1">
-                <a:ln>
-                  <a:noFill/>
-                </a:ln>
-                <a:solidFill>
-                  <a:srgbClr val="083080"/>
-                </a:solidFill>
-                <a:effectLst/>
-                <a:latin typeface="JetBrains Mono"/>
-              </a:rPr>
-              <a:t>server.port</a:t>
-            </a:r>
-            <a:r>
-              <a:rPr kumimoji="0" lang="en-US" altLang="en-US" sz="1800" b="0" i="0" u="none" strike="noStrike" cap="none" normalizeH="0" baseline="0" dirty="0">
-                <a:ln>
-                  <a:noFill/>
-                </a:ln>
-                <a:solidFill>
-                  <a:srgbClr val="080808"/>
-                </a:solidFill>
-                <a:effectLst/>
-                <a:latin typeface="JetBrains Mono"/>
-              </a:rPr>
-              <a:t>=</a:t>
-            </a:r>
-            <a:r>
-              <a:rPr kumimoji="0" lang="en-US" altLang="en-US" sz="1800" b="1" i="0" u="none" strike="noStrike" cap="none" normalizeH="0" baseline="0" dirty="0">
-                <a:ln>
-                  <a:noFill/>
-                </a:ln>
-                <a:solidFill>
-                  <a:srgbClr val="FF0000"/>
-                </a:solidFill>
-                <a:effectLst/>
-                <a:latin typeface="JetBrains Mono"/>
-              </a:rPr>
-              <a:t>80</a:t>
-            </a:r>
-            <a:br>
-              <a:rPr kumimoji="0" lang="en-US" altLang="en-US" sz="1800" b="0" i="0" u="none" strike="noStrike" cap="none" normalizeH="0" baseline="0" dirty="0">
-                <a:ln>
-                  <a:noFill/>
-                </a:ln>
-                <a:solidFill>
-                  <a:srgbClr val="1750EB"/>
-                </a:solidFill>
-                <a:effectLst/>
-                <a:latin typeface="JetBrains Mono"/>
-              </a:rPr>
-            </a:br>
-            <a:r>
-              <a:rPr kumimoji="0" lang="en-US" altLang="en-US" sz="1800" b="0" i="0" u="none" strike="noStrike" cap="none" normalizeH="0" baseline="0" dirty="0">
-                <a:ln>
-                  <a:noFill/>
-                </a:ln>
-                <a:solidFill>
-                  <a:srgbClr val="083080"/>
-                </a:solidFill>
-                <a:effectLst/>
-                <a:latin typeface="JetBrains Mono"/>
-              </a:rPr>
-              <a:t>spring.datasource.url</a:t>
-            </a:r>
-            <a:r>
-              <a:rPr kumimoji="0" lang="en-US" altLang="en-US" sz="1800" b="0" i="0" u="none" strike="noStrike" cap="none" normalizeH="0" baseline="0" dirty="0">
-                <a:ln>
-                  <a:noFill/>
-                </a:ln>
-                <a:solidFill>
-                  <a:srgbClr val="080808"/>
-                </a:solidFill>
-                <a:effectLst/>
-                <a:latin typeface="JetBrains Mono"/>
-              </a:rPr>
-              <a:t>=</a:t>
-            </a:r>
-            <a:r>
-              <a:rPr kumimoji="0" lang="en-US" altLang="en-US" sz="1800" b="0" i="0" u="none" strike="noStrike" cap="none" normalizeH="0" baseline="0" dirty="0" err="1">
-                <a:ln>
-                  <a:noFill/>
-                </a:ln>
-                <a:solidFill>
-                  <a:srgbClr val="067D17"/>
-                </a:solidFill>
-                <a:effectLst/>
-                <a:latin typeface="JetBrains Mono"/>
-              </a:rPr>
-              <a:t>jdbc:postgresql</a:t>
-            </a:r>
-            <a:r>
-              <a:rPr kumimoji="0" lang="en-US" altLang="en-US" sz="1800" b="0" i="0" u="none" strike="noStrike" cap="none" normalizeH="0" baseline="0" dirty="0">
-                <a:ln>
-                  <a:noFill/>
-                </a:ln>
-                <a:solidFill>
-                  <a:srgbClr val="067D17"/>
-                </a:solidFill>
-                <a:effectLst/>
-                <a:latin typeface="JetBrains Mono"/>
-              </a:rPr>
-              <a:t>://</a:t>
-            </a:r>
-            <a:r>
-              <a:rPr kumimoji="0" lang="et-EE" altLang="en-US" sz="1800" b="0" i="0" u="none" strike="noStrike" cap="none" normalizeH="0" baseline="0" dirty="0">
-                <a:ln>
-                  <a:noFill/>
-                </a:ln>
-                <a:solidFill>
-                  <a:srgbClr val="FF0000"/>
-                </a:solidFill>
-                <a:effectLst/>
-                <a:latin typeface="JetBrains Mono"/>
-              </a:rPr>
-              <a:t>YOUR_SQL_IP_HERE</a:t>
-            </a:r>
-            <a:r>
-              <a:rPr kumimoji="0" lang="en-US" altLang="en-US" sz="1800" b="0" i="0" u="none" strike="noStrike" cap="none" normalizeH="0" baseline="0" dirty="0">
-                <a:ln>
-                  <a:noFill/>
-                </a:ln>
-                <a:solidFill>
-                  <a:srgbClr val="067D17"/>
-                </a:solidFill>
-                <a:effectLst/>
-                <a:latin typeface="JetBrains Mono"/>
-              </a:rPr>
-              <a:t>/</a:t>
-            </a:r>
-            <a:r>
-              <a:rPr kumimoji="0" lang="en-US" altLang="en-US" sz="1800" b="0" i="0" u="none" strike="noStrike" cap="none" normalizeH="0" baseline="0" dirty="0" err="1">
-                <a:ln>
-                  <a:noFill/>
-                </a:ln>
-                <a:solidFill>
-                  <a:srgbClr val="067D17"/>
-                </a:solidFill>
-                <a:effectLst/>
-                <a:latin typeface="JetBrains Mono"/>
-              </a:rPr>
-              <a:t>postgres</a:t>
-            </a:r>
-            <a:br>
-              <a:rPr kumimoji="0" lang="en-US" altLang="en-US" sz="1800" b="0" i="0" u="none" strike="noStrike" cap="none" normalizeH="0" baseline="0" dirty="0">
-                <a:ln>
-                  <a:noFill/>
-                </a:ln>
-                <a:solidFill>
-                  <a:srgbClr val="067D17"/>
-                </a:solidFill>
-                <a:effectLst/>
-                <a:latin typeface="JetBrains Mono"/>
-              </a:rPr>
-            </a:br>
-            <a:r>
-              <a:rPr kumimoji="0" lang="en-US" altLang="en-US" sz="1800" b="0" i="0" u="none" strike="noStrike" cap="none" normalizeH="0" baseline="0" dirty="0" err="1">
-                <a:ln>
-                  <a:noFill/>
-                </a:ln>
-                <a:solidFill>
-                  <a:srgbClr val="083080"/>
-                </a:solidFill>
-                <a:effectLst/>
-                <a:latin typeface="JetBrains Mono"/>
-              </a:rPr>
-              <a:t>spring.datasource.username</a:t>
-            </a:r>
-            <a:r>
-              <a:rPr kumimoji="0" lang="en-US" altLang="en-US" sz="1800" b="0" i="0" u="none" strike="noStrike" cap="none" normalizeH="0" baseline="0" dirty="0">
-                <a:ln>
-                  <a:noFill/>
-                </a:ln>
-                <a:solidFill>
-                  <a:srgbClr val="080808"/>
-                </a:solidFill>
-                <a:effectLst/>
-                <a:latin typeface="JetBrains Mono"/>
-              </a:rPr>
-              <a:t>=</a:t>
-            </a:r>
-            <a:r>
-              <a:rPr kumimoji="0" lang="en-US" altLang="en-US" sz="1800" b="0" i="0" u="none" strike="noStrike" cap="none" normalizeH="0" baseline="0" dirty="0" err="1">
-                <a:ln>
-                  <a:noFill/>
-                </a:ln>
-                <a:solidFill>
-                  <a:srgbClr val="067D17"/>
-                </a:solidFill>
-                <a:effectLst/>
-                <a:latin typeface="JetBrains Mono"/>
-              </a:rPr>
-              <a:t>postgres</a:t>
-            </a:r>
-            <a:br>
-              <a:rPr kumimoji="0" lang="en-US" altLang="en-US" sz="1800" b="0" i="0" u="none" strike="noStrike" cap="none" normalizeH="0" baseline="0" dirty="0">
-                <a:ln>
-                  <a:noFill/>
-                </a:ln>
-                <a:solidFill>
-                  <a:srgbClr val="067D17"/>
-                </a:solidFill>
-                <a:effectLst/>
-                <a:latin typeface="JetBrains Mono"/>
-              </a:rPr>
-            </a:br>
-            <a:r>
-              <a:rPr kumimoji="0" lang="en-US" altLang="en-US" sz="1800" b="0" i="0" u="none" strike="noStrike" cap="none" normalizeH="0" baseline="0" dirty="0" err="1">
-                <a:ln>
-                  <a:noFill/>
-                </a:ln>
-                <a:solidFill>
-                  <a:srgbClr val="083080"/>
-                </a:solidFill>
-                <a:effectLst/>
-                <a:latin typeface="JetBrains Mono"/>
-              </a:rPr>
-              <a:t>spring.datasource.password</a:t>
-            </a:r>
-            <a:r>
-              <a:rPr kumimoji="0" lang="en-US" altLang="en-US" sz="1800" b="0" i="0" u="none" strike="noStrike" cap="none" normalizeH="0" baseline="0" dirty="0">
-                <a:ln>
-                  <a:noFill/>
-                </a:ln>
-                <a:solidFill>
-                  <a:srgbClr val="080808"/>
-                </a:solidFill>
-                <a:effectLst/>
-                <a:latin typeface="JetBrains Mono"/>
-              </a:rPr>
-              <a:t>=</a:t>
-            </a:r>
-            <a:r>
-              <a:rPr kumimoji="0" lang="et-EE" altLang="en-US" sz="1800" b="0" i="0" u="none" strike="noStrike" cap="none" normalizeH="0" baseline="0" dirty="0">
-                <a:ln>
-                  <a:noFill/>
-                </a:ln>
-                <a:solidFill>
-                  <a:srgbClr val="FF0000"/>
-                </a:solidFill>
-                <a:effectLst/>
-                <a:latin typeface="JetBrains Mono"/>
-              </a:rPr>
-              <a:t>SQL_PASSWORD</a:t>
-            </a:r>
-            <a:br>
-              <a:rPr kumimoji="0" lang="en-US" altLang="en-US" sz="1800" b="0" i="0" u="none" strike="noStrike" cap="none" normalizeH="0" baseline="0" dirty="0">
-                <a:ln>
-                  <a:noFill/>
-                </a:ln>
-                <a:solidFill>
-                  <a:srgbClr val="067D17"/>
-                </a:solidFill>
-                <a:effectLst/>
-                <a:latin typeface="JetBrains Mono"/>
-              </a:rPr>
-            </a:br>
-            <a:r>
-              <a:rPr kumimoji="0" lang="en-US" altLang="en-US" sz="1800" b="0" i="0" u="none" strike="noStrike" cap="none" normalizeH="0" baseline="0" dirty="0" err="1">
-                <a:ln>
-                  <a:noFill/>
-                </a:ln>
-                <a:solidFill>
-                  <a:srgbClr val="083080"/>
-                </a:solidFill>
-                <a:effectLst/>
-                <a:latin typeface="JetBrains Mono"/>
-              </a:rPr>
-              <a:t>spring.datasource.driver</a:t>
-            </a:r>
-            <a:r>
-              <a:rPr kumimoji="0" lang="en-US" altLang="en-US" sz="1800" b="0" i="0" u="none" strike="noStrike" cap="none" normalizeH="0" baseline="0" dirty="0">
-                <a:ln>
-                  <a:noFill/>
-                </a:ln>
-                <a:solidFill>
-                  <a:srgbClr val="083080"/>
-                </a:solidFill>
-                <a:effectLst/>
-                <a:latin typeface="JetBrains Mono"/>
-              </a:rPr>
-              <a:t>-class-name</a:t>
-            </a:r>
-            <a:r>
-              <a:rPr kumimoji="0" lang="en-US" altLang="en-US" sz="1800" b="0" i="0" u="none" strike="noStrike" cap="none" normalizeH="0" baseline="0" dirty="0">
-                <a:ln>
-                  <a:noFill/>
-                </a:ln>
-                <a:solidFill>
-                  <a:srgbClr val="080808"/>
-                </a:solidFill>
-                <a:effectLst/>
-                <a:latin typeface="JetBrains Mono"/>
-              </a:rPr>
-              <a:t>=</a:t>
-            </a:r>
-            <a:r>
-              <a:rPr kumimoji="0" lang="en-US" altLang="en-US" sz="1800" b="0" i="0" u="none" strike="noStrike" cap="none" normalizeH="0" baseline="0" dirty="0" err="1">
-                <a:ln>
-                  <a:noFill/>
-                </a:ln>
-                <a:solidFill>
-                  <a:srgbClr val="000000"/>
-                </a:solidFill>
-                <a:effectLst/>
-                <a:latin typeface="JetBrains Mono"/>
-              </a:rPr>
-              <a:t>org</a:t>
-            </a:r>
-            <a:r>
-              <a:rPr kumimoji="0" lang="en-US" altLang="en-US" sz="1800" b="0" i="0" u="none" strike="noStrike" cap="none" normalizeH="0" baseline="0" dirty="0" err="1">
-                <a:ln>
-                  <a:noFill/>
-                </a:ln>
-                <a:solidFill>
-                  <a:srgbClr val="067D17"/>
-                </a:solidFill>
-                <a:effectLst/>
-                <a:latin typeface="JetBrains Mono"/>
-              </a:rPr>
-              <a:t>.</a:t>
-            </a:r>
-            <a:r>
-              <a:rPr kumimoji="0" lang="en-US" altLang="en-US" sz="1800" b="0" i="0" u="none" strike="noStrike" cap="none" normalizeH="0" baseline="0" dirty="0" err="1">
-                <a:ln>
-                  <a:noFill/>
-                </a:ln>
-                <a:solidFill>
-                  <a:srgbClr val="000000"/>
-                </a:solidFill>
-                <a:effectLst/>
-                <a:latin typeface="JetBrains Mono"/>
-              </a:rPr>
-              <a:t>postgresql</a:t>
-            </a:r>
-            <a:r>
-              <a:rPr kumimoji="0" lang="en-US" altLang="en-US" sz="1800" b="0" i="0" u="none" strike="noStrike" cap="none" normalizeH="0" baseline="0" dirty="0" err="1">
-                <a:ln>
-                  <a:noFill/>
-                </a:ln>
-                <a:solidFill>
-                  <a:srgbClr val="067D17"/>
-                </a:solidFill>
-                <a:effectLst/>
-                <a:latin typeface="JetBrains Mono"/>
-              </a:rPr>
-              <a:t>.</a:t>
-            </a:r>
-            <a:r>
-              <a:rPr kumimoji="0" lang="en-US" altLang="en-US" sz="1800" b="0" i="0" u="none" strike="noStrike" cap="none" normalizeH="0" baseline="0" dirty="0" err="1">
-                <a:ln>
-                  <a:noFill/>
-                </a:ln>
-                <a:solidFill>
-                  <a:srgbClr val="000000"/>
-                </a:solidFill>
-                <a:effectLst/>
-                <a:latin typeface="JetBrains Mono"/>
-              </a:rPr>
-              <a:t>Driver</a:t>
-            </a:r>
-            <a:endParaRPr kumimoji="0" lang="en-US" altLang="en-US" sz="4400" b="0" i="0" u="none" strike="noStrike" cap="none" normalizeH="0" baseline="0" dirty="0">
-              <a:ln>
-                <a:noFill/>
-              </a:ln>
-              <a:solidFill>
-                <a:schemeClr val="tx1"/>
-              </a:solidFill>
-              <a:effectLst/>
-              <a:latin typeface="Arial" panose="020B0604020202020204" pitchFamily="34" charset="0"/>
-            </a:endParaRPr>
-          </a:p>
-          <a:p>
-            <a:endParaRPr lang="et-EE" i="1" dirty="0"/>
-          </a:p>
-          <a:p>
-            <a:r>
-              <a:rPr lang="et-EE" i="1" dirty="0"/>
-              <a:t>Press: </a:t>
-            </a:r>
-            <a:r>
-              <a:rPr lang="et-EE" b="1" i="1" dirty="0" err="1"/>
-              <a:t>esc</a:t>
-            </a:r>
-            <a:endParaRPr lang="et-EE" b="1" i="1" dirty="0"/>
-          </a:p>
-          <a:p>
-            <a:r>
-              <a:rPr lang="et-EE" i="1" dirty="0"/>
-              <a:t>Press: </a:t>
-            </a:r>
-            <a:r>
-              <a:rPr lang="et-EE" b="1" i="1" dirty="0"/>
-              <a:t>:</a:t>
-            </a:r>
-            <a:r>
-              <a:rPr lang="et-EE" b="1" i="1" dirty="0" err="1"/>
-              <a:t>wq</a:t>
-            </a:r>
-            <a:endParaRPr lang="et-EE" b="1" i="1" dirty="0"/>
-          </a:p>
-          <a:p>
-            <a:r>
-              <a:rPr lang="et-EE" i="1" dirty="0"/>
-              <a:t>Press: </a:t>
-            </a:r>
-            <a:r>
-              <a:rPr lang="et-EE" b="1" i="1" dirty="0"/>
-              <a:t>Enter</a:t>
-            </a:r>
-          </a:p>
-          <a:p>
-            <a:endParaRPr lang="et-EE" i="1" dirty="0"/>
+              <a:rPr lang="et-EE" b="1" dirty="0" err="1"/>
+              <a:t>Get</a:t>
+            </a:r>
+            <a:r>
+              <a:rPr lang="et-EE" b="1" dirty="0"/>
+              <a:t> </a:t>
+            </a:r>
+            <a:r>
+              <a:rPr lang="et-EE" b="1" dirty="0" err="1"/>
+              <a:t>jar</a:t>
+            </a:r>
+            <a:r>
+              <a:rPr lang="et-EE" b="1" dirty="0"/>
+              <a:t> </a:t>
+            </a:r>
+            <a:r>
+              <a:rPr lang="et-EE" b="1" dirty="0" err="1"/>
+              <a:t>file</a:t>
+            </a:r>
+            <a:r>
+              <a:rPr lang="et-EE" b="1" dirty="0"/>
+              <a:t> </a:t>
+            </a:r>
+            <a:r>
+              <a:rPr lang="et-EE" b="1" dirty="0" err="1"/>
+              <a:t>from</a:t>
+            </a:r>
+            <a:r>
+              <a:rPr lang="et-EE" b="1" dirty="0"/>
+              <a:t> </a:t>
+            </a:r>
+            <a:r>
+              <a:rPr lang="et-EE" b="1" dirty="0" err="1"/>
+              <a:t>above</a:t>
+            </a:r>
+            <a:r>
+              <a:rPr lang="et-EE" b="1" dirty="0"/>
+              <a:t> </a:t>
+            </a:r>
+            <a:r>
+              <a:rPr lang="et-EE" b="1" dirty="0" err="1"/>
+              <a:t>location</a:t>
+            </a:r>
+            <a:endParaRPr lang="en-US" b="1" dirty="0"/>
           </a:p>
         </p:txBody>
       </p:sp>
     </p:spTree>
     <p:extLst>
       <p:ext uri="{BB962C8B-B14F-4D97-AF65-F5344CB8AC3E}">
-        <p14:creationId xmlns:p14="http://schemas.microsoft.com/office/powerpoint/2010/main" val="4251540718"/>
+        <p14:creationId xmlns:p14="http://schemas.microsoft.com/office/powerpoint/2010/main" val="2765466566"/>
       </p:ext>
     </p:extLst>
   </p:cSld>
@@ -6116,7 +8783,7 @@
           <p:cNvPr id="2" name="Title 1">
             <a:extLst>
               <a:ext uri="{FF2B5EF4-FFF2-40B4-BE49-F238E27FC236}">
-                <a16:creationId xmlns:a16="http://schemas.microsoft.com/office/drawing/2014/main" id="{4F4BB594-4B93-49AF-99F5-7AA8D8E404EF}"/>
+                <a16:creationId xmlns:a16="http://schemas.microsoft.com/office/drawing/2014/main" id="{9B42F004-074C-4478-A778-9A0FE7DDBD50}"/>
               </a:ext>
             </a:extLst>
           </p:cNvPr>
@@ -6134,11 +8801,27 @@
           <a:p>
             <a:r>
               <a:rPr lang="et-EE" dirty="0" err="1"/>
-              <a:t>Run</a:t>
-            </a:r>
-            <a:r>
-              <a:rPr lang="et-EE" dirty="0"/>
-              <a:t> .</a:t>
+              <a:t>Try</a:t>
+            </a:r>
+            <a:r>
+              <a:rPr lang="et-EE" dirty="0"/>
+              <a:t> </a:t>
+            </a:r>
+            <a:r>
+              <a:rPr lang="et-EE" dirty="0" err="1"/>
+              <a:t>to</a:t>
+            </a:r>
+            <a:r>
+              <a:rPr lang="et-EE" dirty="0"/>
+              <a:t> </a:t>
+            </a:r>
+            <a:r>
+              <a:rPr lang="et-EE" dirty="0" err="1"/>
+              <a:t>run</a:t>
+            </a:r>
+            <a:r>
+              <a:rPr lang="et-EE" dirty="0"/>
+              <a:t> </a:t>
             </a:r>
             <a:r>
               <a:rPr lang="et-EE" dirty="0" err="1"/>
@@ -6158,373 +8841,72 @@
       </p:sp>
       <p:sp>
         <p:nvSpPr>
-          <p:cNvPr id="3" name="TextBox 2">
+          <p:cNvPr id="3" name="Content Placeholder 2">
             <a:extLst>
               <a:ext uri="{FF2B5EF4-FFF2-40B4-BE49-F238E27FC236}">
-                <a16:creationId xmlns:a16="http://schemas.microsoft.com/office/drawing/2014/main" id="{EC84FC94-AA30-4575-8C1A-04FDF049F7BD}"/>
+                <a16:creationId xmlns:a16="http://schemas.microsoft.com/office/drawing/2014/main" id="{79AC0831-87C6-42B7-8FBC-53441B6AFBF2}"/>
               </a:ext>
             </a:extLst>
           </p:cNvPr>
-          <p:cNvSpPr txBox="1"/>
-          <p:nvPr/>
-        </p:nvSpPr>
-        <p:spPr>
-          <a:xfrm>
-            <a:off x="442838" y="2276872"/>
-            <a:ext cx="7369522" cy="2308324"/>
-          </a:xfrm>
-          <a:prstGeom prst="rect">
-            <a:avLst/>
-          </a:prstGeom>
-          <a:noFill/>
-        </p:spPr>
-        <p:txBody>
-          <a:bodyPr wrap="square" rtlCol="0">
-            <a:spAutoFit/>
-          </a:bodyPr>
+          <p:cNvSpPr>
+            <a:spLocks noGrp="1"/>
+          </p:cNvSpPr>
+          <p:nvPr>
+            <p:ph idx="1"/>
+          </p:nvPr>
+        </p:nvSpPr>
+        <p:spPr/>
+        <p:txBody>
+          <a:bodyPr/>
           <a:lstStyle/>
           <a:p>
-            <a:r>
-              <a:rPr lang="et-EE" dirty="0" err="1"/>
-              <a:t>Run</a:t>
-            </a:r>
-            <a:r>
-              <a:rPr lang="et-EE" dirty="0"/>
-              <a:t> </a:t>
-            </a:r>
-            <a:r>
-              <a:rPr lang="et-EE" dirty="0" err="1"/>
-              <a:t>commands</a:t>
-            </a:r>
-            <a:r>
-              <a:rPr lang="et-EE" dirty="0"/>
-              <a:t>:</a:t>
-            </a:r>
-          </a:p>
-          <a:p>
-            <a:pPr marL="342900" indent="-342900">
-              <a:buAutoNum type="arabicParenR"/>
+            <a:pPr marL="0" indent="0">
+              <a:buNone/>
             </a:pPr>
             <a:r>
-              <a:rPr lang="et-EE" dirty="0" err="1"/>
-              <a:t>sudo</a:t>
-            </a:r>
-            <a:r>
-              <a:rPr lang="et-EE" dirty="0"/>
-              <a:t> </a:t>
-            </a:r>
-            <a:r>
-              <a:rPr lang="et-EE" dirty="0" err="1"/>
-              <a:t>chmod</a:t>
-            </a:r>
-            <a:r>
-              <a:rPr lang="et-EE" dirty="0"/>
-              <a:t> +x my_jar_file.jar</a:t>
-            </a:r>
-          </a:p>
-          <a:p>
-            <a:pPr marL="342900" indent="-342900">
-              <a:buAutoNum type="arabicParenR"/>
-            </a:pPr>
-            <a:r>
-              <a:rPr lang="et-EE" dirty="0"/>
-              <a:t>Test </a:t>
-            </a:r>
-            <a:r>
-              <a:rPr lang="et-EE" dirty="0" err="1"/>
-              <a:t>that</a:t>
-            </a:r>
-            <a:r>
-              <a:rPr lang="et-EE" dirty="0"/>
-              <a:t> </a:t>
-            </a:r>
-            <a:r>
-              <a:rPr lang="et-EE" dirty="0" err="1"/>
-              <a:t>everything</a:t>
-            </a:r>
-            <a:r>
-              <a:rPr lang="et-EE" dirty="0"/>
-              <a:t> </a:t>
-            </a:r>
-            <a:r>
-              <a:rPr lang="et-EE" dirty="0" err="1"/>
-              <a:t>works</a:t>
-            </a:r>
-            <a:r>
-              <a:rPr lang="et-EE" dirty="0"/>
-              <a:t> </a:t>
-            </a:r>
-            <a:r>
-              <a:rPr lang="et-EE" dirty="0" err="1"/>
-              <a:t>with</a:t>
-            </a:r>
-            <a:r>
-              <a:rPr lang="et-EE" dirty="0"/>
-              <a:t> </a:t>
-            </a:r>
-            <a:r>
-              <a:rPr lang="et-EE" dirty="0" err="1"/>
-              <a:t>command</a:t>
+              <a:rPr lang="et-EE" dirty="0"/>
+              <a:t>In </a:t>
+            </a:r>
+            <a:r>
+              <a:rPr lang="et-EE" dirty="0" err="1"/>
+              <a:t>cmd</a:t>
+            </a:r>
+            <a:r>
+              <a:rPr lang="et-EE" dirty="0"/>
+              <a:t> </a:t>
+            </a:r>
+            <a:r>
+              <a:rPr lang="et-EE" dirty="0" err="1"/>
+              <a:t>run</a:t>
             </a:r>
             <a:r>
               <a:rPr lang="et-EE" dirty="0"/>
               <a:t>: </a:t>
             </a:r>
             <a:r>
-              <a:rPr lang="et-EE" dirty="0" err="1"/>
-              <a:t>sudo</a:t>
-            </a:r>
-            <a:r>
-              <a:rPr lang="et-EE" dirty="0"/>
-              <a:t> </a:t>
-            </a:r>
-            <a:r>
-              <a:rPr lang="et-EE" dirty="0" err="1"/>
+              <a:rPr lang="et-EE" b="1" dirty="0" err="1"/>
               <a:t>java</a:t>
             </a:r>
             <a:r>
-              <a:rPr lang="et-EE" dirty="0"/>
+              <a:rPr lang="et-EE" b="1" dirty="0"/>
               <a:t> –</a:t>
             </a:r>
             <a:r>
-              <a:rPr lang="et-EE" dirty="0" err="1"/>
+              <a:rPr lang="et-EE" b="1" dirty="0" err="1"/>
               <a:t>jar</a:t>
             </a:r>
             <a:r>
-              <a:rPr lang="et-EE" dirty="0"/>
-              <a:t> my_jar_file.jar</a:t>
-            </a:r>
-          </a:p>
-          <a:p>
-            <a:r>
-              <a:rPr lang="et-EE" dirty="0"/>
-              <a:t>2.1) </a:t>
-            </a:r>
-            <a:r>
-              <a:rPr lang="et-EE" dirty="0" err="1"/>
-              <a:t>Open</a:t>
-            </a:r>
-            <a:r>
-              <a:rPr lang="et-EE" dirty="0"/>
-              <a:t> (in </a:t>
-            </a:r>
-            <a:r>
-              <a:rPr lang="et-EE" dirty="0" err="1"/>
-              <a:t>browser</a:t>
-            </a:r>
-            <a:r>
-              <a:rPr lang="et-EE" dirty="0"/>
-              <a:t>) </a:t>
-            </a:r>
-            <a:r>
               <a:rPr lang="et-EE" b="1" dirty="0"/>
-              <a:t>http://</a:t>
-            </a:r>
-            <a:r>
-              <a:rPr lang="et-EE" b="1" dirty="0">
-                <a:solidFill>
-                  <a:srgbClr val="FF0000"/>
-                </a:solidFill>
-              </a:rPr>
-              <a:t>your_vm_ip</a:t>
-            </a:r>
-          </a:p>
-          <a:p>
-            <a:r>
-              <a:rPr lang="et-EE" dirty="0"/>
-              <a:t>2.2) </a:t>
-            </a:r>
-            <a:r>
-              <a:rPr lang="et-EE" dirty="0" err="1"/>
-              <a:t>Use</a:t>
-            </a:r>
-            <a:r>
-              <a:rPr lang="et-EE" dirty="0"/>
-              <a:t> </a:t>
-            </a:r>
-            <a:r>
-              <a:rPr lang="et-EE" b="1" dirty="0" err="1"/>
-              <a:t>ctrl+c</a:t>
-            </a:r>
-            <a:r>
-              <a:rPr lang="et-EE" dirty="0"/>
-              <a:t> </a:t>
-            </a:r>
-            <a:r>
-              <a:rPr lang="et-EE" dirty="0" err="1"/>
-              <a:t>to</a:t>
-            </a:r>
-            <a:r>
-              <a:rPr lang="et-EE" dirty="0"/>
-              <a:t> </a:t>
-            </a:r>
-            <a:r>
-              <a:rPr lang="et-EE" dirty="0" err="1"/>
-              <a:t>quit</a:t>
-            </a:r>
-            <a:r>
-              <a:rPr lang="et-EE" dirty="0"/>
-              <a:t> </a:t>
-            </a:r>
-            <a:r>
-              <a:rPr lang="et-EE" dirty="0" err="1"/>
-              <a:t>running</a:t>
-            </a:r>
-            <a:r>
-              <a:rPr lang="et-EE" dirty="0"/>
-              <a:t> </a:t>
-            </a:r>
-            <a:r>
-              <a:rPr lang="et-EE" dirty="0" err="1"/>
-              <a:t>program</a:t>
-            </a:r>
-            <a:endParaRPr lang="et-EE" dirty="0"/>
-          </a:p>
-          <a:p>
-            <a:r>
-              <a:rPr lang="et-EE" dirty="0"/>
-              <a:t>3) Test </a:t>
-            </a:r>
-            <a:r>
-              <a:rPr lang="et-EE" dirty="0" err="1"/>
-              <a:t>that</a:t>
-            </a:r>
-            <a:r>
-              <a:rPr lang="et-EE" dirty="0"/>
-              <a:t> </a:t>
-            </a:r>
-            <a:r>
-              <a:rPr lang="et-EE" dirty="0" err="1"/>
-              <a:t>everything</a:t>
-            </a:r>
-            <a:r>
-              <a:rPr lang="et-EE" dirty="0"/>
-              <a:t> </a:t>
-            </a:r>
-            <a:r>
-              <a:rPr lang="et-EE" dirty="0" err="1"/>
-              <a:t>works</a:t>
-            </a:r>
-            <a:r>
-              <a:rPr lang="et-EE" dirty="0"/>
-              <a:t> </a:t>
-            </a:r>
-            <a:r>
-              <a:rPr lang="et-EE" dirty="0" err="1"/>
-              <a:t>with</a:t>
-            </a:r>
-            <a:r>
-              <a:rPr lang="et-EE" dirty="0"/>
-              <a:t> </a:t>
-            </a:r>
-            <a:r>
-              <a:rPr lang="et-EE" dirty="0" err="1"/>
-              <a:t>command</a:t>
-            </a:r>
-            <a:r>
-              <a:rPr lang="et-EE" dirty="0"/>
-              <a:t>: </a:t>
-            </a:r>
-            <a:r>
-              <a:rPr lang="et-EE" dirty="0" err="1"/>
-              <a:t>sudo</a:t>
-            </a:r>
-            <a:r>
-              <a:rPr lang="et-EE" dirty="0"/>
-              <a:t> ./my_jar_file.jar</a:t>
-            </a:r>
-          </a:p>
-          <a:p>
-            <a:r>
-              <a:rPr lang="et-EE" dirty="0"/>
-              <a:t>3.1) </a:t>
-            </a:r>
-            <a:r>
-              <a:rPr lang="et-EE" dirty="0" err="1"/>
-              <a:t>Open</a:t>
-            </a:r>
-            <a:r>
-              <a:rPr lang="et-EE" dirty="0"/>
-              <a:t> (in </a:t>
-            </a:r>
-            <a:r>
-              <a:rPr lang="et-EE" dirty="0" err="1"/>
-              <a:t>browser</a:t>
-            </a:r>
-            <a:r>
-              <a:rPr lang="et-EE" dirty="0"/>
-              <a:t>) </a:t>
-            </a:r>
-            <a:r>
-              <a:rPr lang="et-EE" b="1" dirty="0"/>
-              <a:t>http://</a:t>
-            </a:r>
-            <a:r>
-              <a:rPr lang="et-EE" b="1" dirty="0">
-                <a:solidFill>
-                  <a:srgbClr val="FF0000"/>
-                </a:solidFill>
-              </a:rPr>
-              <a:t>your_vm_ip</a:t>
-            </a:r>
-          </a:p>
-          <a:p>
-            <a:r>
-              <a:rPr lang="et-EE" dirty="0"/>
-              <a:t>3.2) </a:t>
-            </a:r>
-            <a:r>
-              <a:rPr lang="et-EE" dirty="0" err="1"/>
-              <a:t>Use</a:t>
-            </a:r>
-            <a:r>
-              <a:rPr lang="et-EE" dirty="0"/>
-              <a:t> </a:t>
-            </a:r>
-            <a:r>
-              <a:rPr lang="et-EE" dirty="0" err="1"/>
-              <a:t>ctrl+c</a:t>
-            </a:r>
-            <a:r>
-              <a:rPr lang="et-EE" dirty="0"/>
-              <a:t> </a:t>
-            </a:r>
-            <a:r>
-              <a:rPr lang="et-EE" dirty="0" err="1"/>
-              <a:t>to</a:t>
-            </a:r>
-            <a:r>
-              <a:rPr lang="et-EE" dirty="0"/>
-              <a:t> </a:t>
-            </a:r>
-            <a:r>
-              <a:rPr lang="et-EE" dirty="0" err="1"/>
-              <a:t>quit</a:t>
-            </a:r>
-            <a:r>
-              <a:rPr lang="et-EE" dirty="0"/>
-              <a:t> </a:t>
-            </a:r>
-            <a:r>
-              <a:rPr lang="et-EE" dirty="0" err="1"/>
-              <a:t>running</a:t>
-            </a:r>
-            <a:r>
-              <a:rPr lang="et-EE" dirty="0"/>
-              <a:t> </a:t>
-            </a:r>
-            <a:r>
-              <a:rPr lang="et-EE" dirty="0" err="1"/>
-              <a:t>program</a:t>
-            </a:r>
-            <a:endParaRPr lang="et-EE" dirty="0"/>
+              <a:t> demo-0.0.1-SNAPSHOT.jar</a:t>
+            </a:r>
+            <a:endParaRPr lang="en-US" b="1" dirty="0"/>
           </a:p>
         </p:txBody>
       </p:sp>
     </p:spTree>
     <p:extLst>
       <p:ext uri="{BB962C8B-B14F-4D97-AF65-F5344CB8AC3E}">
-        <p14:creationId xmlns:p14="http://schemas.microsoft.com/office/powerpoint/2010/main" val="2182826747"/>
+        <p14:creationId xmlns:p14="http://schemas.microsoft.com/office/powerpoint/2010/main" val="160939593"/>
       </p:ext>
     </p:extLst>
   </p:cSld>
@@ -6573,24 +8955,12 @@
           <a:lstStyle/>
           <a:p>
             <a:r>
-              <a:rPr lang="et-EE" dirty="0" err="1"/>
-              <a:t>Make</a:t>
-            </a:r>
-            <a:r>
-              <a:rPr lang="et-EE" dirty="0"/>
-              <a:t> </a:t>
-            </a:r>
-            <a:r>
-              <a:rPr lang="et-EE" dirty="0" err="1"/>
-              <a:t>daemon</a:t>
-            </a:r>
-            <a:r>
-              <a:rPr lang="et-EE" dirty="0"/>
-              <a:t> </a:t>
-            </a:r>
-            <a:r>
-              <a:rPr lang="et-EE" dirty="0" err="1"/>
-              <a:t>process</a:t>
+              <a:rPr lang="et-EE" dirty="0"/>
+              <a:t>Google </a:t>
+            </a:r>
+            <a:r>
+              <a:rPr lang="et-EE" dirty="0" err="1"/>
+              <a:t>Cloud</a:t>
             </a:r>
             <a:endParaRPr lang="en-US" dirty="0"/>
           </a:p>
@@ -6598,472 +8968,181 @@
       </p:sp>
       <p:sp>
         <p:nvSpPr>
-          <p:cNvPr id="3" name="TextBox 2">
+          <p:cNvPr id="7" name="Content Placeholder 6">
             <a:extLst>
               <a:ext uri="{FF2B5EF4-FFF2-40B4-BE49-F238E27FC236}">
-                <a16:creationId xmlns:a16="http://schemas.microsoft.com/office/drawing/2014/main" id="{EC84FC94-AA30-4575-8C1A-04FDF049F7BD}"/>
+                <a16:creationId xmlns:a16="http://schemas.microsoft.com/office/drawing/2014/main" id="{5D1C716B-9C57-40D6-A6CC-493EC947E584}"/>
               </a:ext>
             </a:extLst>
           </p:cNvPr>
-          <p:cNvSpPr txBox="1"/>
+          <p:cNvSpPr>
+            <a:spLocks noGrp="1"/>
+          </p:cNvSpPr>
+          <p:nvPr>
+            <p:ph idx="1"/>
+          </p:nvPr>
+        </p:nvSpPr>
+        <p:spPr/>
+        <p:txBody>
+          <a:bodyPr/>
+          <a:lstStyle/>
+          <a:p>
+            <a:r>
+              <a:rPr lang="et-EE" dirty="0" err="1"/>
+              <a:t>Create</a:t>
+            </a:r>
+            <a:r>
+              <a:rPr lang="et-EE" dirty="0"/>
+              <a:t> </a:t>
+            </a:r>
+            <a:r>
+              <a:rPr lang="et-EE" dirty="0" err="1"/>
+              <a:t>account</a:t>
+            </a:r>
+            <a:r>
+              <a:rPr lang="et-EE" dirty="0"/>
+              <a:t> (cloud.google.com)</a:t>
+            </a:r>
+          </a:p>
+          <a:p>
+            <a:r>
+              <a:rPr lang="et-EE" dirty="0" err="1"/>
+              <a:t>Create</a:t>
+            </a:r>
+            <a:r>
+              <a:rPr lang="et-EE" dirty="0"/>
+              <a:t> </a:t>
+            </a:r>
+            <a:r>
+              <a:rPr lang="et-EE" dirty="0" err="1"/>
+              <a:t>new</a:t>
+            </a:r>
+            <a:r>
+              <a:rPr lang="et-EE" dirty="0"/>
+              <a:t> </a:t>
+            </a:r>
+            <a:r>
+              <a:rPr lang="et-EE" dirty="0" err="1"/>
+              <a:t>compute</a:t>
+            </a:r>
+            <a:r>
+              <a:rPr lang="et-EE" dirty="0"/>
+              <a:t> </a:t>
+            </a:r>
+            <a:r>
+              <a:rPr lang="et-EE" dirty="0" err="1"/>
+              <a:t>engine</a:t>
+            </a:r>
+            <a:r>
+              <a:rPr lang="et-EE" dirty="0"/>
+              <a:t> </a:t>
+            </a:r>
+            <a:r>
+              <a:rPr lang="et-EE" dirty="0" err="1"/>
+              <a:t>instance</a:t>
+            </a:r>
+            <a:endParaRPr lang="et-EE" dirty="0"/>
+          </a:p>
+          <a:p>
+            <a:r>
+              <a:rPr lang="et-EE" dirty="0" err="1"/>
+              <a:t>Add</a:t>
+            </a:r>
+            <a:r>
+              <a:rPr lang="et-EE" dirty="0"/>
+              <a:t> </a:t>
+            </a:r>
+            <a:r>
+              <a:rPr lang="et-EE" dirty="0" err="1"/>
+              <a:t>firewall</a:t>
+            </a:r>
+            <a:r>
+              <a:rPr lang="et-EE" dirty="0"/>
+              <a:t> </a:t>
+            </a:r>
+            <a:r>
+              <a:rPr lang="et-EE" dirty="0" err="1"/>
+              <a:t>rules</a:t>
+            </a:r>
+            <a:r>
+              <a:rPr lang="et-EE" dirty="0"/>
+              <a:t> </a:t>
+            </a:r>
+            <a:r>
+              <a:rPr lang="et-EE" dirty="0" err="1"/>
+              <a:t>for</a:t>
+            </a:r>
+            <a:r>
+              <a:rPr lang="et-EE" dirty="0"/>
+              <a:t> http </a:t>
+            </a:r>
+            <a:r>
+              <a:rPr lang="et-EE" dirty="0" err="1"/>
+              <a:t>an</a:t>
+            </a:r>
+            <a:r>
+              <a:rPr lang="et-EE" dirty="0"/>
+              <a:t> https (</a:t>
+            </a:r>
+            <a:r>
+              <a:rPr lang="et-EE" dirty="0" err="1"/>
+              <a:t>while</a:t>
+            </a:r>
+            <a:r>
+              <a:rPr lang="et-EE" dirty="0"/>
+              <a:t> </a:t>
+            </a:r>
+            <a:r>
+              <a:rPr lang="et-EE" dirty="0" err="1"/>
+              <a:t>creating</a:t>
+            </a:r>
+            <a:r>
+              <a:rPr lang="et-EE" dirty="0"/>
+              <a:t>)</a:t>
+            </a:r>
+          </a:p>
+          <a:p>
+            <a:endParaRPr lang="et-EE" dirty="0"/>
+          </a:p>
+          <a:p>
+            <a:endParaRPr lang="en-US" dirty="0"/>
+          </a:p>
+        </p:txBody>
+      </p:sp>
+      <p:pic>
+        <p:nvPicPr>
+          <p:cNvPr id="4" name="Picture 3">
+            <a:extLst>
+              <a:ext uri="{FF2B5EF4-FFF2-40B4-BE49-F238E27FC236}">
+                <a16:creationId xmlns:a16="http://schemas.microsoft.com/office/drawing/2014/main" id="{8C16899F-6681-46FC-BFA9-3539079F8E08}"/>
+              </a:ext>
+            </a:extLst>
+          </p:cNvPr>
+          <p:cNvPicPr>
+            <a:picLocks noChangeAspect="1"/>
+          </p:cNvPicPr>
           <p:nvPr/>
-        </p:nvSpPr>
+        </p:nvPicPr>
+        <p:blipFill>
+          <a:blip r:embed="rId2"/>
+          <a:stretch>
+            <a:fillRect/>
+          </a:stretch>
+        </p:blipFill>
         <p:spPr>
           <a:xfrm>
-            <a:off x="442838" y="2276872"/>
-            <a:ext cx="7369522" cy="2585323"/>
+            <a:off x="827584" y="4149080"/>
+            <a:ext cx="7258403" cy="1296144"/>
           </a:xfrm>
           <a:prstGeom prst="rect">
             <a:avLst/>
           </a:prstGeom>
-          <a:noFill/>
         </p:spPr>
-        <p:txBody>
-          <a:bodyPr wrap="square" rtlCol="0">
-            <a:spAutoFit/>
-          </a:bodyPr>
-          <a:lstStyle/>
-          <a:p>
-            <a:r>
-              <a:rPr lang="et-EE" dirty="0" err="1"/>
-              <a:t>Run</a:t>
-            </a:r>
-            <a:r>
-              <a:rPr lang="et-EE" dirty="0"/>
-              <a:t> </a:t>
-            </a:r>
-            <a:r>
-              <a:rPr lang="et-EE" dirty="0" err="1"/>
-              <a:t>commands</a:t>
-            </a:r>
-            <a:r>
-              <a:rPr lang="et-EE" dirty="0"/>
-              <a:t>:</a:t>
-            </a:r>
-          </a:p>
-          <a:p>
-            <a:pPr marL="342900" indent="-342900">
-              <a:buAutoNum type="arabicParenR"/>
-            </a:pPr>
-            <a:r>
-              <a:rPr lang="et-EE" dirty="0" err="1"/>
-              <a:t>sudo</a:t>
-            </a:r>
-            <a:r>
-              <a:rPr lang="et-EE" dirty="0"/>
-              <a:t> </a:t>
-            </a:r>
-            <a:r>
-              <a:rPr lang="et-EE" dirty="0" err="1"/>
-              <a:t>ln</a:t>
-            </a:r>
-            <a:r>
-              <a:rPr lang="et-EE" dirty="0"/>
-              <a:t> –s </a:t>
-            </a:r>
-            <a:r>
-              <a:rPr lang="et-EE" dirty="0" err="1"/>
-              <a:t>home</a:t>
-            </a:r>
-            <a:r>
-              <a:rPr lang="et-EE" dirty="0"/>
-              <a:t>/</a:t>
-            </a:r>
-            <a:r>
-              <a:rPr lang="et-EE" b="1" dirty="0">
-                <a:solidFill>
-                  <a:srgbClr val="FF0000"/>
-                </a:solidFill>
-              </a:rPr>
-              <a:t>USER_NAME</a:t>
-            </a:r>
-            <a:r>
-              <a:rPr lang="et-EE" dirty="0"/>
-              <a:t>/</a:t>
-            </a:r>
-            <a:r>
-              <a:rPr lang="et-EE" dirty="0">
-                <a:solidFill>
-                  <a:srgbClr val="FF0000"/>
-                </a:solidFill>
-              </a:rPr>
-              <a:t>JAR</a:t>
-            </a:r>
-            <a:r>
-              <a:rPr lang="et-EE" b="1" dirty="0">
-                <a:solidFill>
-                  <a:srgbClr val="FF0000"/>
-                </a:solidFill>
-              </a:rPr>
-              <a:t>_NAME.jar</a:t>
-            </a:r>
-            <a:r>
-              <a:rPr lang="et-EE" dirty="0"/>
-              <a:t> /etc/</a:t>
-            </a:r>
-            <a:r>
-              <a:rPr lang="et-EE" dirty="0" err="1"/>
-              <a:t>init.d</a:t>
-            </a:r>
-            <a:r>
-              <a:rPr lang="et-EE" dirty="0"/>
-              <a:t>/</a:t>
-            </a:r>
-            <a:r>
-              <a:rPr lang="et-EE" b="1" dirty="0" err="1">
-                <a:solidFill>
-                  <a:srgbClr val="FF0000"/>
-                </a:solidFill>
-              </a:rPr>
-              <a:t>app_name</a:t>
-            </a:r>
-            <a:endParaRPr lang="et-EE" b="1" dirty="0">
-              <a:solidFill>
-                <a:srgbClr val="FF0000"/>
-              </a:solidFill>
-            </a:endParaRPr>
-          </a:p>
-          <a:p>
-            <a:pPr marL="342900" indent="-342900">
-              <a:buAutoNum type="arabicParenR"/>
-            </a:pPr>
-            <a:r>
-              <a:rPr lang="et-EE" dirty="0" err="1"/>
-              <a:t>sudo</a:t>
-            </a:r>
-            <a:r>
-              <a:rPr lang="et-EE" dirty="0"/>
-              <a:t> </a:t>
-            </a:r>
-            <a:r>
-              <a:rPr lang="et-EE" dirty="0" err="1"/>
-              <a:t>chown</a:t>
-            </a:r>
-            <a:r>
-              <a:rPr lang="et-EE" dirty="0"/>
-              <a:t> </a:t>
-            </a:r>
-            <a:r>
-              <a:rPr lang="et-EE" dirty="0" err="1"/>
-              <a:t>root:root</a:t>
-            </a:r>
-            <a:r>
-              <a:rPr lang="et-EE" dirty="0"/>
-              <a:t> </a:t>
-            </a:r>
-            <a:r>
-              <a:rPr lang="et-EE" b="1" dirty="0">
-                <a:solidFill>
-                  <a:srgbClr val="FF0000"/>
-                </a:solidFill>
-              </a:rPr>
-              <a:t>JAR_NAME.jar</a:t>
-            </a:r>
-          </a:p>
-          <a:p>
-            <a:pPr marL="342900" indent="-342900">
-              <a:buAutoNum type="arabicParenR"/>
-            </a:pPr>
-            <a:endParaRPr lang="et-EE" dirty="0">
-              <a:solidFill>
-                <a:srgbClr val="FF0000"/>
-              </a:solidFill>
-            </a:endParaRPr>
-          </a:p>
-          <a:p>
-            <a:r>
-              <a:rPr lang="et-EE" dirty="0" err="1"/>
-              <a:t>Run</a:t>
-            </a:r>
-            <a:r>
-              <a:rPr lang="et-EE" dirty="0"/>
-              <a:t> </a:t>
-            </a:r>
-            <a:r>
-              <a:rPr lang="et-EE" dirty="0" err="1"/>
-              <a:t>your</a:t>
-            </a:r>
-            <a:r>
-              <a:rPr lang="et-EE" dirty="0"/>
-              <a:t> </a:t>
-            </a:r>
-            <a:r>
-              <a:rPr lang="et-EE" dirty="0" err="1"/>
-              <a:t>service</a:t>
-            </a:r>
-            <a:r>
-              <a:rPr lang="et-EE" dirty="0"/>
-              <a:t> </a:t>
-            </a:r>
-            <a:r>
-              <a:rPr lang="et-EE" dirty="0" err="1"/>
-              <a:t>with</a:t>
-            </a:r>
-            <a:r>
-              <a:rPr lang="et-EE" dirty="0"/>
-              <a:t>: </a:t>
-            </a:r>
-            <a:r>
-              <a:rPr lang="et-EE" b="1" dirty="0" err="1"/>
-              <a:t>sudo</a:t>
-            </a:r>
-            <a:r>
-              <a:rPr lang="et-EE" dirty="0"/>
-              <a:t> </a:t>
-            </a:r>
-            <a:r>
-              <a:rPr lang="et-EE" b="1" dirty="0"/>
-              <a:t>/etc/</a:t>
-            </a:r>
-            <a:r>
-              <a:rPr lang="et-EE" b="1" dirty="0" err="1"/>
-              <a:t>init.d</a:t>
-            </a:r>
-            <a:r>
-              <a:rPr lang="et-EE" b="1" dirty="0"/>
-              <a:t>/</a:t>
-            </a:r>
-            <a:r>
-              <a:rPr lang="et-EE" b="1" dirty="0" err="1">
-                <a:solidFill>
-                  <a:srgbClr val="FF0000"/>
-                </a:solidFill>
-              </a:rPr>
-              <a:t>app_name</a:t>
-            </a:r>
-            <a:r>
-              <a:rPr lang="et-EE" b="1" dirty="0">
-                <a:solidFill>
-                  <a:srgbClr val="FF0000"/>
-                </a:solidFill>
-              </a:rPr>
-              <a:t> </a:t>
-            </a:r>
-            <a:r>
-              <a:rPr lang="et-EE" b="1" dirty="0"/>
-              <a:t>start</a:t>
-            </a:r>
-          </a:p>
-          <a:p>
-            <a:r>
-              <a:rPr lang="et-EE" dirty="0" err="1"/>
-              <a:t>Stop</a:t>
-            </a:r>
-            <a:r>
-              <a:rPr lang="et-EE" dirty="0"/>
-              <a:t> </a:t>
-            </a:r>
-            <a:r>
-              <a:rPr lang="et-EE" dirty="0" err="1"/>
-              <a:t>your</a:t>
-            </a:r>
-            <a:r>
-              <a:rPr lang="et-EE" dirty="0"/>
-              <a:t> </a:t>
-            </a:r>
-            <a:r>
-              <a:rPr lang="et-EE" dirty="0" err="1"/>
-              <a:t>service</a:t>
-            </a:r>
-            <a:r>
-              <a:rPr lang="et-EE" dirty="0"/>
-              <a:t> </a:t>
-            </a:r>
-            <a:r>
-              <a:rPr lang="et-EE" dirty="0" err="1"/>
-              <a:t>with</a:t>
-            </a:r>
-            <a:r>
-              <a:rPr lang="et-EE" dirty="0"/>
-              <a:t>: </a:t>
-            </a:r>
-            <a:r>
-              <a:rPr lang="et-EE" b="1" dirty="0" err="1"/>
-              <a:t>sudo</a:t>
-            </a:r>
-            <a:r>
-              <a:rPr lang="et-EE" dirty="0"/>
-              <a:t> </a:t>
-            </a:r>
-            <a:r>
-              <a:rPr lang="et-EE" b="1" dirty="0"/>
-              <a:t>/etc/</a:t>
-            </a:r>
-            <a:r>
-              <a:rPr lang="et-EE" b="1" dirty="0" err="1"/>
-              <a:t>init.d</a:t>
-            </a:r>
-            <a:r>
-              <a:rPr lang="et-EE" b="1" dirty="0"/>
-              <a:t>/</a:t>
-            </a:r>
-            <a:r>
-              <a:rPr lang="et-EE" b="1" dirty="0" err="1">
-                <a:solidFill>
-                  <a:srgbClr val="FF0000"/>
-                </a:solidFill>
-              </a:rPr>
-              <a:t>app_name</a:t>
-            </a:r>
-            <a:r>
-              <a:rPr lang="et-EE" b="1" dirty="0">
-                <a:solidFill>
-                  <a:srgbClr val="FF0000"/>
-                </a:solidFill>
-              </a:rPr>
-              <a:t> </a:t>
-            </a:r>
-            <a:r>
-              <a:rPr lang="et-EE" b="1" dirty="0" err="1"/>
-              <a:t>stop</a:t>
-            </a:r>
-            <a:endParaRPr lang="et-EE" b="1" dirty="0"/>
-          </a:p>
-          <a:p>
-            <a:endParaRPr lang="et-EE" b="1" dirty="0"/>
-          </a:p>
-          <a:p>
-            <a:r>
-              <a:rPr lang="et-EE" dirty="0" err="1"/>
-              <a:t>If</a:t>
-            </a:r>
-            <a:r>
-              <a:rPr lang="et-EE" dirty="0"/>
-              <a:t> </a:t>
-            </a:r>
-            <a:r>
-              <a:rPr lang="et-EE" dirty="0" err="1"/>
-              <a:t>you</a:t>
-            </a:r>
-            <a:r>
-              <a:rPr lang="et-EE" dirty="0"/>
-              <a:t> </a:t>
-            </a:r>
-            <a:r>
-              <a:rPr lang="et-EE" dirty="0" err="1"/>
-              <a:t>want</a:t>
-            </a:r>
-            <a:r>
-              <a:rPr lang="et-EE" dirty="0"/>
-              <a:t> </a:t>
-            </a:r>
-            <a:r>
-              <a:rPr lang="et-EE" dirty="0" err="1"/>
-              <a:t>to</a:t>
-            </a:r>
-            <a:r>
-              <a:rPr lang="et-EE" dirty="0"/>
-              <a:t> </a:t>
-            </a:r>
-            <a:r>
-              <a:rPr lang="et-EE" dirty="0" err="1"/>
-              <a:t>check</a:t>
-            </a:r>
-            <a:r>
-              <a:rPr lang="et-EE" dirty="0"/>
-              <a:t> </a:t>
-            </a:r>
-            <a:r>
-              <a:rPr lang="et-EE" dirty="0" err="1"/>
-              <a:t>logs</a:t>
-            </a:r>
-            <a:r>
-              <a:rPr lang="et-EE" dirty="0"/>
-              <a:t> </a:t>
-            </a:r>
-            <a:r>
-              <a:rPr lang="et-EE" dirty="0" err="1"/>
-              <a:t>run</a:t>
-            </a:r>
-            <a:r>
-              <a:rPr lang="et-EE" dirty="0"/>
-              <a:t> </a:t>
-            </a:r>
-            <a:r>
-              <a:rPr lang="et-EE" dirty="0" err="1"/>
-              <a:t>command</a:t>
-            </a:r>
-            <a:r>
-              <a:rPr lang="et-EE" dirty="0"/>
-              <a:t>: tail –f /</a:t>
-            </a:r>
-            <a:r>
-              <a:rPr lang="et-EE" dirty="0" err="1"/>
-              <a:t>var</a:t>
-            </a:r>
-            <a:r>
-              <a:rPr lang="et-EE" dirty="0"/>
-              <a:t>/</a:t>
-            </a:r>
-            <a:r>
-              <a:rPr lang="et-EE" dirty="0" err="1"/>
-              <a:t>log</a:t>
-            </a:r>
-            <a:r>
-              <a:rPr lang="et-EE" dirty="0"/>
-              <a:t>/</a:t>
-            </a:r>
-            <a:r>
-              <a:rPr lang="et-EE" b="1" dirty="0">
-                <a:solidFill>
-                  <a:srgbClr val="FF0000"/>
-                </a:solidFill>
-              </a:rPr>
-              <a:t>app_name</a:t>
-            </a:r>
-            <a:r>
-              <a:rPr lang="et-EE" dirty="0"/>
-              <a:t>.log </a:t>
-            </a:r>
-          </a:p>
-          <a:p>
-            <a:r>
-              <a:rPr lang="et-EE" dirty="0" err="1"/>
-              <a:t>To</a:t>
-            </a:r>
-            <a:r>
-              <a:rPr lang="et-EE" dirty="0"/>
-              <a:t> </a:t>
-            </a:r>
-            <a:r>
-              <a:rPr lang="et-EE" dirty="0" err="1"/>
-              <a:t>quit</a:t>
-            </a:r>
-            <a:r>
-              <a:rPr lang="et-EE" dirty="0"/>
-              <a:t> </a:t>
-            </a:r>
-            <a:r>
-              <a:rPr lang="et-EE" dirty="0" err="1"/>
-              <a:t>viewing</a:t>
-            </a:r>
-            <a:r>
-              <a:rPr lang="et-EE" dirty="0"/>
-              <a:t> </a:t>
-            </a:r>
-            <a:r>
-              <a:rPr lang="et-EE" dirty="0" err="1"/>
-              <a:t>logs</a:t>
-            </a:r>
-            <a:r>
-              <a:rPr lang="et-EE" dirty="0"/>
-              <a:t> press </a:t>
-            </a:r>
-            <a:r>
-              <a:rPr lang="et-EE" b="1" dirty="0" err="1"/>
-              <a:t>ctrl</a:t>
-            </a:r>
-            <a:r>
-              <a:rPr lang="et-EE" b="1" dirty="0"/>
-              <a:t> +c</a:t>
-            </a:r>
-          </a:p>
-        </p:txBody>
-      </p:sp>
+      </p:pic>
     </p:spTree>
     <p:extLst>
       <p:ext uri="{BB962C8B-B14F-4D97-AF65-F5344CB8AC3E}">
-        <p14:creationId xmlns:p14="http://schemas.microsoft.com/office/powerpoint/2010/main" val="315911091"/>
+        <p14:creationId xmlns:p14="http://schemas.microsoft.com/office/powerpoint/2010/main" val="3536800658"/>
       </p:ext>
     </p:extLst>
   </p:cSld>

--- a/src/main/java/ee/bcs/java/lectures/Loeng47 - Google-Cloud-Deploy.pptx
+++ b/src/main/java/ee/bcs/java/lectures/Loeng47 - Google-Cloud-Deploy.pptx
@@ -534,7 +534,7 @@
           <a:p>
             <a:fld id="{60163E65-5F46-4A69-883D-966D9827EBBB}" type="datetimeFigureOut">
               <a:rPr lang="en-US" smtClean="0"/>
-              <a:t>21-Dec-20</a:t>
+              <a:t>22-Dec-20</a:t>
             </a:fld>
             <a:endParaRPr lang="en-US"/>
           </a:p>
@@ -801,6 +801,190 @@
 </p:notesMaster>
 </file>
 
+<file path=ppt/notesSlides/notesSlide1.xml><?xml version="1.0" encoding="utf-8"?>
+<p:notes xmlns:a="http://schemas.openxmlformats.org/drawingml/2006/main" xmlns:r="http://schemas.openxmlformats.org/officeDocument/2006/relationships" xmlns:p="http://schemas.openxmlformats.org/presentationml/2006/main">
+  <p:cSld>
+    <p:spTree>
+      <p:nvGrpSpPr>
+        <p:cNvPr id="1" name=""/>
+        <p:cNvGrpSpPr/>
+        <p:nvPr/>
+      </p:nvGrpSpPr>
+      <p:grpSpPr>
+        <a:xfrm>
+          <a:off x="0" y="0"/>
+          <a:ext cx="0" cy="0"/>
+          <a:chOff x="0" y="0"/>
+          <a:chExt cx="0" cy="0"/>
+        </a:xfrm>
+      </p:grpSpPr>
+      <p:sp>
+        <p:nvSpPr>
+          <p:cNvPr id="2" name="Slide Image Placeholder 1"/>
+          <p:cNvSpPr>
+            <a:spLocks noGrp="1" noRot="1" noChangeAspect="1"/>
+          </p:cNvSpPr>
+          <p:nvPr>
+            <p:ph type="sldImg"/>
+          </p:nvPr>
+        </p:nvSpPr>
+        <p:spPr/>
+      </p:sp>
+      <p:sp>
+        <p:nvSpPr>
+          <p:cNvPr id="3" name="Notes Placeholder 2"/>
+          <p:cNvSpPr>
+            <a:spLocks noGrp="1"/>
+          </p:cNvSpPr>
+          <p:nvPr>
+            <p:ph type="body" idx="1"/>
+          </p:nvPr>
+        </p:nvSpPr>
+        <p:spPr/>
+        <p:txBody>
+          <a:bodyPr/>
+          <a:lstStyle/>
+          <a:p>
+            <a:r>
+              <a:rPr lang="en-US" dirty="0"/>
+              <a:t>https://docs.spring.io/spring-boot/docs/1.5.6.RELEASE/reference/html/boot-features-external-config.html</a:t>
+            </a:r>
+            <a:endParaRPr lang="ru-RU" dirty="0"/>
+          </a:p>
+          <a:p>
+            <a:endParaRPr lang="ru-RU" dirty="0"/>
+          </a:p>
+          <a:p>
+            <a:pPr algn="l">
+              <a:buFont typeface="+mj-lt"/>
+              <a:buNone/>
+            </a:pPr>
+            <a:r>
+              <a:rPr lang="ru-RU" b="0" i="0" dirty="0">
+                <a:solidFill>
+                  <a:srgbClr val="333333"/>
+                </a:solidFill>
+                <a:effectLst/>
+                <a:latin typeface="Helvetica" panose="020B0604020202020204" pitchFamily="34" charset="0"/>
+              </a:rPr>
+              <a:t>14. </a:t>
+            </a:r>
+            <a:r>
+              <a:rPr lang="en-US" b="0" i="0" dirty="0">
+                <a:solidFill>
+                  <a:srgbClr val="333333"/>
+                </a:solidFill>
+                <a:effectLst/>
+                <a:latin typeface="Helvetica" panose="020B0604020202020204" pitchFamily="34" charset="0"/>
+              </a:rPr>
+              <a:t>Application properties outside of your packaged jar (</a:t>
+            </a:r>
+            <a:r>
+              <a:rPr lang="en-US" b="0" i="0" dirty="0" err="1">
+                <a:solidFill>
+                  <a:srgbClr val="333333"/>
+                </a:solidFill>
+                <a:effectLst/>
+                <a:latin typeface="Helvetica" panose="020B0604020202020204" pitchFamily="34" charset="0"/>
+              </a:rPr>
+              <a:t>application.properties</a:t>
+            </a:r>
+            <a:r>
+              <a:rPr lang="en-US" b="0" i="0" dirty="0">
+                <a:solidFill>
+                  <a:srgbClr val="333333"/>
+                </a:solidFill>
+                <a:effectLst/>
+                <a:latin typeface="Helvetica" panose="020B0604020202020204" pitchFamily="34" charset="0"/>
+              </a:rPr>
+              <a:t> and YAML variants).</a:t>
+            </a:r>
+          </a:p>
+          <a:p>
+            <a:pPr algn="l">
+              <a:buFont typeface="+mj-lt"/>
+              <a:buNone/>
+            </a:pPr>
+            <a:r>
+              <a:rPr lang="ru-RU" b="0" i="0" dirty="0">
+                <a:solidFill>
+                  <a:srgbClr val="333333"/>
+                </a:solidFill>
+                <a:effectLst/>
+                <a:latin typeface="Helvetica" panose="020B0604020202020204" pitchFamily="34" charset="0"/>
+              </a:rPr>
+              <a:t>15. </a:t>
+            </a:r>
+            <a:r>
+              <a:rPr lang="en-US" b="0" i="0" dirty="0">
+                <a:solidFill>
+                  <a:srgbClr val="333333"/>
+                </a:solidFill>
+                <a:effectLst/>
+                <a:latin typeface="Helvetica" panose="020B0604020202020204" pitchFamily="34" charset="0"/>
+              </a:rPr>
+              <a:t>Application properties packaged inside your jar (</a:t>
+            </a:r>
+            <a:r>
+              <a:rPr lang="en-US" b="0" i="0" dirty="0" err="1">
+                <a:solidFill>
+                  <a:srgbClr val="333333"/>
+                </a:solidFill>
+                <a:effectLst/>
+                <a:latin typeface="Helvetica" panose="020B0604020202020204" pitchFamily="34" charset="0"/>
+              </a:rPr>
+              <a:t>application.properties</a:t>
+            </a:r>
+            <a:r>
+              <a:rPr lang="en-US" b="0" i="0" dirty="0">
+                <a:solidFill>
+                  <a:srgbClr val="333333"/>
+                </a:solidFill>
+                <a:effectLst/>
+                <a:latin typeface="Helvetica" panose="020B0604020202020204" pitchFamily="34" charset="0"/>
+              </a:rPr>
+              <a:t> and YAML variants).</a:t>
+            </a:r>
+            <a:endParaRPr lang="ru-RU" dirty="0"/>
+          </a:p>
+        </p:txBody>
+      </p:sp>
+      <p:sp>
+        <p:nvSpPr>
+          <p:cNvPr id="4" name="Slide Number Placeholder 3"/>
+          <p:cNvSpPr>
+            <a:spLocks noGrp="1"/>
+          </p:cNvSpPr>
+          <p:nvPr>
+            <p:ph type="sldNum" sz="quarter" idx="5"/>
+          </p:nvPr>
+        </p:nvSpPr>
+        <p:spPr/>
+        <p:txBody>
+          <a:bodyPr/>
+          <a:lstStyle/>
+          <a:p>
+            <a:fld id="{607BAD89-E1C6-42F1-9DB1-30E7B633EEEF}" type="slidenum">
+              <a:rPr lang="en-US" smtClean="0"/>
+              <a:t>14</a:t>
+            </a:fld>
+            <a:endParaRPr lang="en-US"/>
+          </a:p>
+        </p:txBody>
+      </p:sp>
+    </p:spTree>
+    <p:extLst>
+      <p:ext uri="{BB962C8B-B14F-4D97-AF65-F5344CB8AC3E}">
+        <p14:creationId xmlns:p14="http://schemas.microsoft.com/office/powerpoint/2010/main" val="3897055461"/>
+      </p:ext>
+    </p:extLst>
+  </p:cSld>
+  <p:clrMapOvr>
+    <a:masterClrMapping/>
+  </p:clrMapOvr>
+</p:notes>
+</file>
+
 <file path=ppt/slideLayouts/slideLayout1.xml><?xml version="1.0" encoding="utf-8"?>
 <p:sldLayout xmlns:a="http://schemas.openxmlformats.org/drawingml/2006/main" xmlns:r="http://schemas.openxmlformats.org/officeDocument/2006/relationships" xmlns:p="http://schemas.openxmlformats.org/presentationml/2006/main" type="title" preserve="1">
   <p:cSld name="Tiitelslaid">
@@ -992,7 +1176,7 @@
             <a:fld id="{9B034333-4FC0-4832-B48E-1BB4D6BFA92F}" type="datetimeFigureOut">
               <a:rPr lang="et-EE" smtClean="0"/>
               <a:pPr/>
-              <a:t>21.12.2020</a:t>
+              <a:t>22.12.2020</a:t>
             </a:fld>
             <a:endParaRPr lang="et-EE"/>
           </a:p>
@@ -1211,7 +1395,7 @@
             <a:fld id="{9B034333-4FC0-4832-B48E-1BB4D6BFA92F}" type="datetimeFigureOut">
               <a:rPr lang="et-EE" smtClean="0"/>
               <a:pPr/>
-              <a:t>21.12.2020</a:t>
+              <a:t>22.12.2020</a:t>
             </a:fld>
             <a:endParaRPr lang="et-EE"/>
           </a:p>
@@ -1386,7 +1570,7 @@
             <a:fld id="{9B034333-4FC0-4832-B48E-1BB4D6BFA92F}" type="datetimeFigureOut">
               <a:rPr lang="et-EE" smtClean="0"/>
               <a:pPr/>
-              <a:t>21.12.2020</a:t>
+              <a:t>22.12.2020</a:t>
             </a:fld>
             <a:endParaRPr lang="et-EE"/>
           </a:p>
@@ -1629,7 +1813,7 @@
             <a:fld id="{9B034333-4FC0-4832-B48E-1BB4D6BFA92F}" type="datetimeFigureOut">
               <a:rPr lang="et-EE" smtClean="0"/>
               <a:pPr/>
-              <a:t>21.12.2020</a:t>
+              <a:t>22.12.2020</a:t>
             </a:fld>
             <a:endParaRPr lang="et-EE"/>
           </a:p>
@@ -1926,7 +2110,7 @@
             <a:fld id="{9B034333-4FC0-4832-B48E-1BB4D6BFA92F}" type="datetimeFigureOut">
               <a:rPr lang="et-EE" smtClean="0"/>
               <a:pPr/>
-              <a:t>21.12.2020</a:t>
+              <a:t>22.12.2020</a:t>
             </a:fld>
             <a:endParaRPr lang="et-EE"/>
           </a:p>
@@ -2278,7 +2462,7 @@
             <a:fld id="{9B034333-4FC0-4832-B48E-1BB4D6BFA92F}" type="datetimeFigureOut">
               <a:rPr lang="et-EE" smtClean="0"/>
               <a:pPr/>
-              <a:t>21.12.2020</a:t>
+              <a:t>22.12.2020</a:t>
             </a:fld>
             <a:endParaRPr lang="et-EE"/>
           </a:p>
@@ -2778,7 +2962,7 @@
             <a:fld id="{9B034333-4FC0-4832-B48E-1BB4D6BFA92F}" type="datetimeFigureOut">
               <a:rPr lang="et-EE" smtClean="0"/>
               <a:pPr/>
-              <a:t>21.12.2020</a:t>
+              <a:t>22.12.2020</a:t>
             </a:fld>
             <a:endParaRPr lang="et-EE"/>
           </a:p>
@@ -2892,7 +3076,7 @@
             <a:fld id="{9B034333-4FC0-4832-B48E-1BB4D6BFA92F}" type="datetimeFigureOut">
               <a:rPr lang="et-EE" smtClean="0"/>
               <a:pPr/>
-              <a:t>21.12.2020</a:t>
+              <a:t>22.12.2020</a:t>
             </a:fld>
             <a:endParaRPr lang="et-EE"/>
           </a:p>
@@ -2984,7 +3168,7 @@
             <a:fld id="{9B034333-4FC0-4832-B48E-1BB4D6BFA92F}" type="datetimeFigureOut">
               <a:rPr lang="et-EE" smtClean="0"/>
               <a:pPr/>
-              <a:t>21.12.2020</a:t>
+              <a:t>22.12.2020</a:t>
             </a:fld>
             <a:endParaRPr lang="et-EE"/>
           </a:p>
@@ -3256,7 +3440,7 @@
             <a:fld id="{9B034333-4FC0-4832-B48E-1BB4D6BFA92F}" type="datetimeFigureOut">
               <a:rPr lang="et-EE" smtClean="0"/>
               <a:pPr/>
-              <a:t>21.12.2020</a:t>
+              <a:t>22.12.2020</a:t>
             </a:fld>
             <a:endParaRPr lang="et-EE"/>
           </a:p>
@@ -3508,7 +3692,7 @@
             <a:fld id="{9B034333-4FC0-4832-B48E-1BB4D6BFA92F}" type="datetimeFigureOut">
               <a:rPr lang="et-EE" smtClean="0"/>
               <a:pPr/>
-              <a:t>21.12.2020</a:t>
+              <a:t>22.12.2020</a:t>
             </a:fld>
             <a:endParaRPr lang="et-EE"/>
           </a:p>
@@ -3717,7 +3901,7 @@
             <a:fld id="{9B034333-4FC0-4832-B48E-1BB4D6BFA92F}" type="datetimeFigureOut">
               <a:rPr lang="et-EE" smtClean="0"/>
               <a:pPr/>
-              <a:t>21.12.2020</a:t>
+              <a:t>22.12.2020</a:t>
             </a:fld>
             <a:endParaRPr lang="et-EE"/>
           </a:p>
@@ -5035,7 +5219,7 @@
             </a:r>
             <a:r>
               <a:rPr lang="en-US" dirty="0"/>
-              <a:t> </a:t>
+              <a:t>, </a:t>
             </a:r>
             <a:r>
               <a:rPr lang="ru-RU" dirty="0"/>
@@ -5060,7 +5244,7 @@
         <p:spPr>
           <a:xfrm>
             <a:off x="442838" y="2276872"/>
-            <a:ext cx="7369522" cy="3970318"/>
+            <a:ext cx="7369522" cy="4247317"/>
           </a:xfrm>
           <a:prstGeom prst="rect">
             <a:avLst/>
@@ -5297,6 +5481,100 @@
                 <a:latin typeface="JetBrains Mono"/>
               </a:rPr>
               <a:t>postgres</a:t>
+            </a:r>
+            <a:r>
+              <a:rPr kumimoji="0" lang="en-US" altLang="en-US" sz="1800" b="0" i="0" u="none" strike="noStrike" cap="none" normalizeH="0" baseline="0" dirty="0">
+                <a:ln>
+                  <a:noFill/>
+                </a:ln>
+                <a:solidFill>
+                  <a:srgbClr val="067D17"/>
+                </a:solidFill>
+                <a:effectLst/>
+                <a:latin typeface="JetBrains Mono"/>
+              </a:rPr>
+              <a:t> </a:t>
+            </a:r>
+            <a:r>
+              <a:rPr lang="en-US" altLang="en-US" dirty="0">
+                <a:solidFill>
+                  <a:srgbClr val="067D17"/>
+                </a:solidFill>
+                <a:latin typeface="JetBrains Mono"/>
+              </a:rPr>
+              <a:t>//</a:t>
+            </a:r>
+            <a:r>
+              <a:rPr lang="en-US" altLang="en-US" dirty="0" err="1">
+                <a:solidFill>
+                  <a:srgbClr val="067D17"/>
+                </a:solidFill>
+                <a:latin typeface="JetBrains Mono"/>
+              </a:rPr>
+              <a:t>ip</a:t>
+            </a:r>
+            <a:r>
+              <a:rPr lang="en-US" altLang="en-US" dirty="0">
+                <a:solidFill>
+                  <a:srgbClr val="067D17"/>
+                </a:solidFill>
+                <a:latin typeface="JetBrains Mono"/>
+              </a:rPr>
+              <a:t> </a:t>
+            </a:r>
+            <a:r>
+              <a:rPr lang="ru-RU" altLang="en-US" dirty="0">
+                <a:solidFill>
+                  <a:srgbClr val="067D17"/>
+                </a:solidFill>
+                <a:latin typeface="JetBrains Mono"/>
+              </a:rPr>
+              <a:t>берётся из консоли </a:t>
+            </a:r>
+            <a:r>
+              <a:rPr lang="en-US" altLang="en-US" dirty="0">
+                <a:solidFill>
+                  <a:srgbClr val="067D17"/>
+                </a:solidFill>
+                <a:latin typeface="JetBrains Mono"/>
+              </a:rPr>
+              <a:t>google cloud </a:t>
+            </a:r>
+            <a:r>
+              <a:rPr lang="ru-RU" altLang="en-US" dirty="0">
+                <a:solidFill>
+                  <a:srgbClr val="067D17"/>
+                </a:solidFill>
+                <a:latin typeface="JetBrains Mono"/>
+              </a:rPr>
+              <a:t>из самой </a:t>
+            </a:r>
+            <a:r>
+              <a:rPr lang="en-US" altLang="en-US" dirty="0" err="1">
+                <a:solidFill>
+                  <a:srgbClr val="067D17"/>
+                </a:solidFill>
+                <a:latin typeface="JetBrains Mono"/>
+              </a:rPr>
+              <a:t>sql</a:t>
+            </a:r>
+            <a:r>
+              <a:rPr lang="en-US" altLang="en-US" dirty="0">
+                <a:solidFill>
+                  <a:srgbClr val="067D17"/>
+                </a:solidFill>
+                <a:latin typeface="JetBrains Mono"/>
+              </a:rPr>
+              <a:t>-</a:t>
+            </a:r>
+            <a:r>
+              <a:rPr lang="ru-RU" altLang="en-US" dirty="0">
+                <a:solidFill>
+                  <a:srgbClr val="067D17"/>
+                </a:solidFill>
+                <a:latin typeface="JetBrains Mono"/>
+              </a:rPr>
+              <a:t>базы</a:t>
             </a:r>
             <a:br>
               <a:rPr kumimoji="0" lang="en-US" altLang="en-US" sz="1800" b="0" i="0" u="none" strike="noStrike" cap="none" normalizeH="0" baseline="0" dirty="0">
@@ -7335,8 +7613,8 @@
         </p:nvSpPr>
         <p:spPr bwMode="auto">
           <a:xfrm>
-            <a:off x="683568" y="2708920"/>
-            <a:ext cx="7560840" cy="2246769"/>
+            <a:off x="683568" y="2093368"/>
+            <a:ext cx="7560840" cy="3477875"/>
           </a:xfrm>
           <a:prstGeom prst="rect">
             <a:avLst/>
@@ -7883,6 +8161,126 @@
                 <a:latin typeface="JetBrains Mono"/>
               </a:rPr>
               <a:t>&gt;</a:t>
+            </a:r>
+          </a:p>
+          <a:p>
+            <a:pPr marL="0" marR="0" lvl="0" indent="0" algn="l" defTabSz="914400" rtl="0" eaLnBrk="0" fontAlgn="base" latinLnBrk="0" hangingPunct="0">
+              <a:lnSpc>
+                <a:spcPct val="100000"/>
+              </a:lnSpc>
+              <a:spcBef>
+                <a:spcPct val="0"/>
+              </a:spcBef>
+              <a:spcAft>
+                <a:spcPct val="0"/>
+              </a:spcAft>
+              <a:buClrTx/>
+              <a:buSzTx/>
+              <a:buFontTx/>
+              <a:buNone/>
+              <a:tabLst/>
+            </a:pPr>
+            <a:endParaRPr lang="en-US" altLang="en-US" sz="2000" dirty="0">
+              <a:solidFill>
+                <a:srgbClr val="080808"/>
+              </a:solidFill>
+              <a:latin typeface="JetBrains Mono"/>
+            </a:endParaRPr>
+          </a:p>
+          <a:p>
+            <a:pPr marL="0" marR="0" lvl="0" indent="0" algn="l" defTabSz="914400" rtl="0" eaLnBrk="0" fontAlgn="base" latinLnBrk="0" hangingPunct="0">
+              <a:lnSpc>
+                <a:spcPct val="100000"/>
+              </a:lnSpc>
+              <a:spcBef>
+                <a:spcPct val="0"/>
+              </a:spcBef>
+              <a:spcAft>
+                <a:spcPct val="0"/>
+              </a:spcAft>
+              <a:buClrTx/>
+              <a:buSzTx/>
+              <a:buFontTx/>
+              <a:buNone/>
+              <a:tabLst/>
+            </a:pPr>
+            <a:r>
+              <a:rPr kumimoji="0" lang="ru-RU" altLang="en-US" sz="2000" b="0" i="0" u="none" strike="noStrike" cap="none" normalizeH="0" baseline="0" dirty="0">
+                <a:ln>
+                  <a:noFill/>
+                </a:ln>
+                <a:solidFill>
+                  <a:srgbClr val="080808"/>
+                </a:solidFill>
+                <a:effectLst/>
+                <a:latin typeface="JetBrains Mono"/>
+              </a:rPr>
+              <a:t>Надо использовать версию </a:t>
+            </a:r>
+            <a:r>
+              <a:rPr kumimoji="0" lang="ru-RU" altLang="en-US" sz="2000" b="0" i="0" u="none" strike="noStrike" cap="none" normalizeH="0" baseline="0" dirty="0" err="1">
+                <a:ln>
+                  <a:noFill/>
+                </a:ln>
+                <a:solidFill>
+                  <a:srgbClr val="080808"/>
+                </a:solidFill>
+                <a:effectLst/>
+                <a:latin typeface="JetBrains Mono"/>
+              </a:rPr>
+              <a:t>джавы</a:t>
+            </a:r>
+            <a:r>
+              <a:rPr kumimoji="0" lang="ru-RU" altLang="en-US" sz="2000" b="0" i="0" u="none" strike="noStrike" cap="none" normalizeH="0" baseline="0" dirty="0">
+                <a:ln>
+                  <a:noFill/>
+                </a:ln>
+                <a:solidFill>
+                  <a:srgbClr val="080808"/>
+                </a:solidFill>
+                <a:effectLst/>
+                <a:latin typeface="JetBrains Mono"/>
+              </a:rPr>
+              <a:t> с долговременной поддержкой, т.к серверы </a:t>
+            </a:r>
+            <a:r>
+              <a:rPr kumimoji="0" lang="ru-RU" altLang="en-US" sz="2000" b="0" i="0" u="none" strike="noStrike" cap="none" normalizeH="0" baseline="0" dirty="0" err="1">
+                <a:ln>
+                  <a:noFill/>
+                </a:ln>
+                <a:solidFill>
+                  <a:srgbClr val="080808"/>
+                </a:solidFill>
+                <a:effectLst/>
+                <a:latin typeface="JetBrains Mono"/>
+              </a:rPr>
+              <a:t>гугла</a:t>
+            </a:r>
+            <a:r>
+              <a:rPr kumimoji="0" lang="ru-RU" altLang="en-US" sz="2000" b="0" i="0" u="none" strike="noStrike" cap="none" normalizeH="0" baseline="0" dirty="0">
+                <a:ln>
+                  <a:noFill/>
+                </a:ln>
+                <a:solidFill>
+                  <a:srgbClr val="080808"/>
+                </a:solidFill>
+                <a:effectLst/>
+                <a:latin typeface="JetBrains Mono"/>
+              </a:rPr>
+              <a:t> предпочитают поддерживать такие. </a:t>
+            </a:r>
+            <a:r>
+              <a:rPr kumimoji="0" lang="ru-RU" altLang="en-US" sz="2000" b="0" i="0" u="none" strike="noStrike" cap="none" normalizeH="0" baseline="0">
+                <a:ln>
+                  <a:noFill/>
+                </a:ln>
+                <a:solidFill>
+                  <a:srgbClr val="080808"/>
+                </a:solidFill>
+                <a:effectLst/>
+                <a:latin typeface="JetBrains Mono"/>
+              </a:rPr>
+              <a:t>ЮНИКС – консервативна.</a:t>
             </a:r>
             <a:br>
               <a:rPr kumimoji="0" lang="en-US" altLang="en-US" sz="2000" b="0" i="0" u="none" strike="noStrike" cap="none" normalizeH="0" baseline="0" dirty="0">

--- a/src/main/java/ee/bcs/java/lectures/Loeng47 - Google-Cloud-Deploy.pptx
+++ b/src/main/java/ee/bcs/java/lectures/Loeng47 - Google-Cloud-Deploy.pptx
@@ -534,7 +534,7 @@
           <a:p>
             <a:fld id="{60163E65-5F46-4A69-883D-966D9827EBBB}" type="datetimeFigureOut">
               <a:rPr lang="en-US" smtClean="0"/>
-              <a:t>22-Dec-20</a:t>
+              <a:t>05-Feb-21</a:t>
             </a:fld>
             <a:endParaRPr lang="en-US"/>
           </a:p>
@@ -846,6 +846,124 @@
           <a:lstStyle/>
           <a:p>
             <a:r>
+              <a:rPr lang="ru-RU" b="1" i="1" dirty="0" err="1">
+                <a:solidFill>
+                  <a:srgbClr val="202122"/>
+                </a:solidFill>
+                <a:effectLst/>
+                <a:latin typeface="Arial" panose="020B0604020202020204" pitchFamily="34" charset="0"/>
+              </a:rPr>
+              <a:t>V</a:t>
+            </a:r>
+            <a:r>
+              <a:rPr lang="ru-RU" b="0" i="1" dirty="0" err="1">
+                <a:solidFill>
+                  <a:srgbClr val="202122"/>
+                </a:solidFill>
+                <a:effectLst/>
+                <a:latin typeface="Arial" panose="020B0604020202020204" pitchFamily="34" charset="0"/>
+              </a:rPr>
+              <a:t>i</a:t>
+            </a:r>
+            <a:r>
+              <a:rPr lang="ru-RU" b="0" i="1" dirty="0">
+                <a:solidFill>
+                  <a:srgbClr val="202122"/>
+                </a:solidFill>
+                <a:effectLst/>
+                <a:latin typeface="Arial" panose="020B0604020202020204" pitchFamily="34" charset="0"/>
+              </a:rPr>
+              <a:t> </a:t>
+            </a:r>
+            <a:r>
+              <a:rPr lang="ru-RU" b="1" i="1" dirty="0" err="1">
+                <a:solidFill>
+                  <a:srgbClr val="202122"/>
+                </a:solidFill>
+                <a:effectLst/>
+                <a:latin typeface="Arial" panose="020B0604020202020204" pitchFamily="34" charset="0"/>
+              </a:rPr>
+              <a:t>Im</a:t>
+            </a:r>
+            <a:r>
+              <a:rPr lang="ru-RU" b="0" i="1" dirty="0" err="1">
+                <a:solidFill>
+                  <a:srgbClr val="202122"/>
+                </a:solidFill>
+                <a:effectLst/>
+                <a:latin typeface="Arial" panose="020B0604020202020204" pitchFamily="34" charset="0"/>
+              </a:rPr>
+              <a:t>proved</a:t>
+            </a:r>
+            <a:r>
+              <a:rPr lang="ru-RU" b="0" i="0" dirty="0">
+                <a:solidFill>
+                  <a:srgbClr val="202122"/>
+                </a:solidFill>
+                <a:effectLst/>
+                <a:latin typeface="Arial" panose="020B0604020202020204" pitchFamily="34" charset="0"/>
+              </a:rPr>
+              <a:t>, произносится «</a:t>
+            </a:r>
+            <a:r>
+              <a:rPr lang="ru-RU" b="0" i="0" dirty="0" err="1">
+                <a:solidFill>
+                  <a:srgbClr val="202122"/>
+                </a:solidFill>
+                <a:effectLst/>
+                <a:latin typeface="Arial" panose="020B0604020202020204" pitchFamily="34" charset="0"/>
+              </a:rPr>
+              <a:t>вим</a:t>
+            </a:r>
+            <a:r>
+              <a:rPr lang="ru-RU" b="0" i="0" dirty="0">
+                <a:solidFill>
+                  <a:srgbClr val="202122"/>
+                </a:solidFill>
+                <a:effectLst/>
+                <a:latin typeface="Arial" panose="020B0604020202020204" pitchFamily="34" charset="0"/>
+              </a:rPr>
+              <a:t>») — </a:t>
+            </a:r>
+            <a:r>
+              <a:rPr lang="ru-RU" b="0" i="0" u="none" strike="noStrike" dirty="0">
+                <a:solidFill>
+                  <a:srgbClr val="0645AD"/>
+                </a:solidFill>
+                <a:effectLst/>
+                <a:latin typeface="Arial" panose="020B0604020202020204" pitchFamily="34" charset="0"/>
+                <a:hlinkClick r:id="rId3" tooltip="Свободное программное обеспечение"/>
+              </a:rPr>
+              <a:t>свободный</a:t>
+            </a:r>
+            <a:r>
+              <a:rPr lang="ru-RU" b="0" i="0" dirty="0">
+                <a:solidFill>
+                  <a:srgbClr val="202122"/>
+                </a:solidFill>
+                <a:effectLst/>
+                <a:latin typeface="Arial" panose="020B0604020202020204" pitchFamily="34" charset="0"/>
+              </a:rPr>
+              <a:t> </a:t>
+            </a:r>
+            <a:r>
+              <a:rPr lang="ru-RU" b="0" i="0" u="sng" dirty="0">
+                <a:solidFill>
+                  <a:srgbClr val="0645AD"/>
+                </a:solidFill>
+                <a:effectLst/>
+                <a:latin typeface="Arial" panose="020B0604020202020204" pitchFamily="34" charset="0"/>
+                <a:hlinkClick r:id="rId4"/>
+              </a:rPr>
+              <a:t>текстовый редактор</a:t>
+            </a:r>
+            <a:endParaRPr lang="en-US" dirty="0"/>
+          </a:p>
+          <a:p>
+            <a:endParaRPr lang="en-US" dirty="0"/>
+          </a:p>
+          <a:p>
+            <a:r>
               <a:rPr lang="en-US" dirty="0"/>
               <a:t>https://docs.spring.io/spring-boot/docs/1.5.6.RELEASE/reference/html/boot-features-external-config.html</a:t>
             </a:r>
@@ -976,6 +1094,242 @@
     <p:extLst>
       <p:ext uri="{BB962C8B-B14F-4D97-AF65-F5344CB8AC3E}">
         <p14:creationId xmlns:p14="http://schemas.microsoft.com/office/powerpoint/2010/main" val="3897055461"/>
+      </p:ext>
+    </p:extLst>
+  </p:cSld>
+  <p:clrMapOvr>
+    <a:masterClrMapping/>
+  </p:clrMapOvr>
+</p:notes>
+</file>
+
+<file path=ppt/notesSlides/notesSlide2.xml><?xml version="1.0" encoding="utf-8"?>
+<p:notes xmlns:a="http://schemas.openxmlformats.org/drawingml/2006/main" xmlns:r="http://schemas.openxmlformats.org/officeDocument/2006/relationships" xmlns:p="http://schemas.openxmlformats.org/presentationml/2006/main">
+  <p:cSld>
+    <p:spTree>
+      <p:nvGrpSpPr>
+        <p:cNvPr id="1" name=""/>
+        <p:cNvGrpSpPr/>
+        <p:nvPr/>
+      </p:nvGrpSpPr>
+      <p:grpSpPr>
+        <a:xfrm>
+          <a:off x="0" y="0"/>
+          <a:ext cx="0" cy="0"/>
+          <a:chOff x="0" y="0"/>
+          <a:chExt cx="0" cy="0"/>
+        </a:xfrm>
+      </p:grpSpPr>
+      <p:sp>
+        <p:nvSpPr>
+          <p:cNvPr id="2" name="Slide Image Placeholder 1"/>
+          <p:cNvSpPr>
+            <a:spLocks noGrp="1" noRot="1" noChangeAspect="1"/>
+          </p:cNvSpPr>
+          <p:nvPr>
+            <p:ph type="sldImg"/>
+          </p:nvPr>
+        </p:nvSpPr>
+        <p:spPr/>
+      </p:sp>
+      <p:sp>
+        <p:nvSpPr>
+          <p:cNvPr id="3" name="Notes Placeholder 2"/>
+          <p:cNvSpPr>
+            <a:spLocks noGrp="1"/>
+          </p:cNvSpPr>
+          <p:nvPr>
+            <p:ph type="body" idx="1"/>
+          </p:nvPr>
+        </p:nvSpPr>
+        <p:spPr/>
+        <p:txBody>
+          <a:bodyPr/>
+          <a:lstStyle/>
+          <a:p>
+            <a:r>
+              <a:rPr lang="ru-RU" b="0" i="0" dirty="0">
+                <a:solidFill>
+                  <a:srgbClr val="444444"/>
+                </a:solidFill>
+                <a:effectLst/>
+                <a:latin typeface="Open Sans"/>
+              </a:rPr>
+              <a:t>В </a:t>
+            </a:r>
+            <a:r>
+              <a:rPr lang="ru-RU" b="0" i="0" dirty="0" err="1">
+                <a:solidFill>
+                  <a:srgbClr val="444444"/>
+                </a:solidFill>
+                <a:effectLst/>
+                <a:latin typeface="Open Sans"/>
+              </a:rPr>
+              <a:t>Linux</a:t>
+            </a:r>
+            <a:r>
+              <a:rPr lang="ru-RU" b="0" i="0" dirty="0">
+                <a:solidFill>
+                  <a:srgbClr val="444444"/>
+                </a:solidFill>
+                <a:effectLst/>
+                <a:latin typeface="Open Sans"/>
+              </a:rPr>
+              <a:t> существует всего три вида прав - право на чтение, запись и выполнение, а также три категории пользователей, к которым они могут применяться - владелец файла, группа файла и все остальные.</a:t>
+            </a:r>
+            <a:endParaRPr lang="en-US" b="0" i="0" dirty="0">
+              <a:solidFill>
+                <a:srgbClr val="444444"/>
+              </a:solidFill>
+              <a:effectLst/>
+              <a:latin typeface="Open Sans"/>
+            </a:endParaRPr>
+          </a:p>
+          <a:p>
+            <a:endParaRPr lang="en-US" b="0" i="0" dirty="0">
+              <a:solidFill>
+                <a:srgbClr val="444444"/>
+              </a:solidFill>
+              <a:effectLst/>
+              <a:latin typeface="Open Sans"/>
+            </a:endParaRPr>
+          </a:p>
+          <a:p>
+            <a:pPr algn="l" fontAlgn="base">
+              <a:buFont typeface="Arial" panose="020B0604020202020204" pitchFamily="34" charset="0"/>
+              <a:buChar char="•"/>
+            </a:pPr>
+            <a:r>
+              <a:rPr lang="ru-RU" b="1" i="0" dirty="0">
+                <a:solidFill>
+                  <a:srgbClr val="444444"/>
+                </a:solidFill>
+                <a:effectLst/>
+                <a:latin typeface="inherit"/>
+              </a:rPr>
+              <a:t>r</a:t>
+            </a:r>
+            <a:r>
+              <a:rPr lang="ru-RU" b="0" i="0" dirty="0">
+                <a:solidFill>
+                  <a:srgbClr val="444444"/>
+                </a:solidFill>
+                <a:effectLst/>
+                <a:latin typeface="Open Sans"/>
+              </a:rPr>
+              <a:t> - чтение;</a:t>
+            </a:r>
+          </a:p>
+          <a:p>
+            <a:pPr algn="l" fontAlgn="base">
+              <a:buFont typeface="Arial" panose="020B0604020202020204" pitchFamily="34" charset="0"/>
+              <a:buChar char="•"/>
+            </a:pPr>
+            <a:r>
+              <a:rPr lang="ru-RU" b="1" i="0" dirty="0">
+                <a:solidFill>
+                  <a:srgbClr val="444444"/>
+                </a:solidFill>
+                <a:effectLst/>
+                <a:latin typeface="inherit"/>
+              </a:rPr>
+              <a:t>w</a:t>
+            </a:r>
+            <a:r>
+              <a:rPr lang="ru-RU" b="0" i="0" dirty="0">
+                <a:solidFill>
+                  <a:srgbClr val="444444"/>
+                </a:solidFill>
+                <a:effectLst/>
+                <a:latin typeface="Open Sans"/>
+              </a:rPr>
+              <a:t> - запись;</a:t>
+            </a:r>
+          </a:p>
+          <a:p>
+            <a:pPr algn="l" fontAlgn="base">
+              <a:buFont typeface="Arial" panose="020B0604020202020204" pitchFamily="34" charset="0"/>
+              <a:buChar char="•"/>
+            </a:pPr>
+            <a:r>
+              <a:rPr lang="ru-RU" b="1" i="0" dirty="0">
+                <a:solidFill>
+                  <a:srgbClr val="444444"/>
+                </a:solidFill>
+                <a:effectLst/>
+                <a:latin typeface="inherit"/>
+              </a:rPr>
+              <a:t>x</a:t>
+            </a:r>
+            <a:r>
+              <a:rPr lang="ru-RU" b="0" i="0" dirty="0">
+                <a:solidFill>
+                  <a:srgbClr val="444444"/>
+                </a:solidFill>
+                <a:effectLst/>
+                <a:latin typeface="Open Sans"/>
+              </a:rPr>
+              <a:t> - выполнение;</a:t>
+            </a:r>
+          </a:p>
+          <a:p>
+            <a:pPr algn="l" fontAlgn="base">
+              <a:buFont typeface="Arial" panose="020B0604020202020204" pitchFamily="34" charset="0"/>
+              <a:buChar char="•"/>
+            </a:pPr>
+            <a:r>
+              <a:rPr lang="ru-RU" b="1" i="0" dirty="0">
+                <a:solidFill>
+                  <a:srgbClr val="444444"/>
+                </a:solidFill>
+                <a:effectLst/>
+                <a:latin typeface="inherit"/>
+              </a:rPr>
+              <a:t>s</a:t>
+            </a:r>
+            <a:r>
+              <a:rPr lang="ru-RU" b="0" i="0" dirty="0">
+                <a:solidFill>
+                  <a:srgbClr val="444444"/>
+                </a:solidFill>
+                <a:effectLst/>
+                <a:latin typeface="Open Sans"/>
+              </a:rPr>
+              <a:t> - выполнение  от имени суперпользователя (дополнительный);</a:t>
+            </a:r>
+          </a:p>
+          <a:p>
+            <a:endParaRPr lang="ru-RU" dirty="0"/>
+          </a:p>
+        </p:txBody>
+      </p:sp>
+      <p:sp>
+        <p:nvSpPr>
+          <p:cNvPr id="4" name="Slide Number Placeholder 3"/>
+          <p:cNvSpPr>
+            <a:spLocks noGrp="1"/>
+          </p:cNvSpPr>
+          <p:nvPr>
+            <p:ph type="sldNum" sz="quarter" idx="5"/>
+          </p:nvPr>
+        </p:nvSpPr>
+        <p:spPr/>
+        <p:txBody>
+          <a:bodyPr/>
+          <a:lstStyle/>
+          <a:p>
+            <a:fld id="{607BAD89-E1C6-42F1-9DB1-30E7B633EEEF}" type="slidenum">
+              <a:rPr lang="en-US" smtClean="0"/>
+              <a:t>15</a:t>
+            </a:fld>
+            <a:endParaRPr lang="en-US"/>
+          </a:p>
+        </p:txBody>
+      </p:sp>
+    </p:spTree>
+    <p:extLst>
+      <p:ext uri="{BB962C8B-B14F-4D97-AF65-F5344CB8AC3E}">
+        <p14:creationId xmlns:p14="http://schemas.microsoft.com/office/powerpoint/2010/main" val="3506711466"/>
       </p:ext>
     </p:extLst>
   </p:cSld>
@@ -1176,7 +1530,7 @@
             <a:fld id="{9B034333-4FC0-4832-B48E-1BB4D6BFA92F}" type="datetimeFigureOut">
               <a:rPr lang="et-EE" smtClean="0"/>
               <a:pPr/>
-              <a:t>22.12.2020</a:t>
+              <a:t>05.02.2021</a:t>
             </a:fld>
             <a:endParaRPr lang="et-EE"/>
           </a:p>
@@ -1395,7 +1749,7 @@
             <a:fld id="{9B034333-4FC0-4832-B48E-1BB4D6BFA92F}" type="datetimeFigureOut">
               <a:rPr lang="et-EE" smtClean="0"/>
               <a:pPr/>
-              <a:t>22.12.2020</a:t>
+              <a:t>05.02.2021</a:t>
             </a:fld>
             <a:endParaRPr lang="et-EE"/>
           </a:p>
@@ -1570,7 +1924,7 @@
             <a:fld id="{9B034333-4FC0-4832-B48E-1BB4D6BFA92F}" type="datetimeFigureOut">
               <a:rPr lang="et-EE" smtClean="0"/>
               <a:pPr/>
-              <a:t>22.12.2020</a:t>
+              <a:t>05.02.2021</a:t>
             </a:fld>
             <a:endParaRPr lang="et-EE"/>
           </a:p>
@@ -1813,7 +2167,7 @@
             <a:fld id="{9B034333-4FC0-4832-B48E-1BB4D6BFA92F}" type="datetimeFigureOut">
               <a:rPr lang="et-EE" smtClean="0"/>
               <a:pPr/>
-              <a:t>22.12.2020</a:t>
+              <a:t>05.02.2021</a:t>
             </a:fld>
             <a:endParaRPr lang="et-EE"/>
           </a:p>
@@ -2110,7 +2464,7 @@
             <a:fld id="{9B034333-4FC0-4832-B48E-1BB4D6BFA92F}" type="datetimeFigureOut">
               <a:rPr lang="et-EE" smtClean="0"/>
               <a:pPr/>
-              <a:t>22.12.2020</a:t>
+              <a:t>05.02.2021</a:t>
             </a:fld>
             <a:endParaRPr lang="et-EE"/>
           </a:p>
@@ -2462,7 +2816,7 @@
             <a:fld id="{9B034333-4FC0-4832-B48E-1BB4D6BFA92F}" type="datetimeFigureOut">
               <a:rPr lang="et-EE" smtClean="0"/>
               <a:pPr/>
-              <a:t>22.12.2020</a:t>
+              <a:t>05.02.2021</a:t>
             </a:fld>
             <a:endParaRPr lang="et-EE"/>
           </a:p>
@@ -2962,7 +3316,7 @@
             <a:fld id="{9B034333-4FC0-4832-B48E-1BB4D6BFA92F}" type="datetimeFigureOut">
               <a:rPr lang="et-EE" smtClean="0"/>
               <a:pPr/>
-              <a:t>22.12.2020</a:t>
+              <a:t>05.02.2021</a:t>
             </a:fld>
             <a:endParaRPr lang="et-EE"/>
           </a:p>
@@ -3076,7 +3430,7 @@
             <a:fld id="{9B034333-4FC0-4832-B48E-1BB4D6BFA92F}" type="datetimeFigureOut">
               <a:rPr lang="et-EE" smtClean="0"/>
               <a:pPr/>
-              <a:t>22.12.2020</a:t>
+              <a:t>05.02.2021</a:t>
             </a:fld>
             <a:endParaRPr lang="et-EE"/>
           </a:p>
@@ -3168,7 +3522,7 @@
             <a:fld id="{9B034333-4FC0-4832-B48E-1BB4D6BFA92F}" type="datetimeFigureOut">
               <a:rPr lang="et-EE" smtClean="0"/>
               <a:pPr/>
-              <a:t>22.12.2020</a:t>
+              <a:t>05.02.2021</a:t>
             </a:fld>
             <a:endParaRPr lang="et-EE"/>
           </a:p>
@@ -3440,7 +3794,7 @@
             <a:fld id="{9B034333-4FC0-4832-B48E-1BB4D6BFA92F}" type="datetimeFigureOut">
               <a:rPr lang="et-EE" smtClean="0"/>
               <a:pPr/>
-              <a:t>22.12.2020</a:t>
+              <a:t>05.02.2021</a:t>
             </a:fld>
             <a:endParaRPr lang="et-EE"/>
           </a:p>
@@ -3692,7 +4046,7 @@
             <a:fld id="{9B034333-4FC0-4832-B48E-1BB4D6BFA92F}" type="datetimeFigureOut">
               <a:rPr lang="et-EE" smtClean="0"/>
               <a:pPr/>
-              <a:t>22.12.2020</a:t>
+              <a:t>05.02.2021</a:t>
             </a:fld>
             <a:endParaRPr lang="et-EE"/>
           </a:p>
@@ -3901,7 +4255,7 @@
             <a:fld id="{9B034333-4FC0-4832-B48E-1BB4D6BFA92F}" type="datetimeFigureOut">
               <a:rPr lang="et-EE" smtClean="0"/>
               <a:pPr/>
-              <a:t>22.12.2020</a:t>
+              <a:t>05.02.2021</a:t>
             </a:fld>
             <a:endParaRPr lang="et-EE"/>
           </a:p>
@@ -4522,36 +4876,6 @@
           </a:p>
         </p:txBody>
       </p:sp>
-      <p:pic>
-        <p:nvPicPr>
-          <p:cNvPr id="9" name="Picture 8">
-            <a:extLst>
-              <a:ext uri="{FF2B5EF4-FFF2-40B4-BE49-F238E27FC236}">
-                <a16:creationId xmlns:a16="http://schemas.microsoft.com/office/drawing/2014/main" id="{3D8E95DE-4581-46E7-8488-C23125B5BAB1}"/>
-              </a:ext>
-            </a:extLst>
-          </p:cNvPr>
-          <p:cNvPicPr>
-            <a:picLocks noChangeAspect="1"/>
-          </p:cNvPicPr>
-          <p:nvPr/>
-        </p:nvPicPr>
-        <p:blipFill>
-          <a:blip r:embed="rId3"/>
-          <a:stretch>
-            <a:fillRect/>
-          </a:stretch>
-        </p:blipFill>
-        <p:spPr>
-          <a:xfrm>
-            <a:off x="7236296" y="654284"/>
-            <a:ext cx="4901638" cy="5549431"/>
-          </a:xfrm>
-          <a:prstGeom prst="rect">
-            <a:avLst/>
-          </a:prstGeom>
-        </p:spPr>
-      </p:pic>
     </p:spTree>
     <p:extLst>
       <p:ext uri="{BB962C8B-B14F-4D97-AF65-F5344CB8AC3E}">
@@ -4648,8 +4972,38 @@
         </p:blipFill>
         <p:spPr>
           <a:xfrm>
-            <a:off x="827584" y="1556792"/>
+            <a:off x="4681234" y="1756411"/>
             <a:ext cx="4491584" cy="5085184"/>
+          </a:xfrm>
+          <a:prstGeom prst="rect">
+            <a:avLst/>
+          </a:prstGeom>
+        </p:spPr>
+      </p:pic>
+      <p:pic>
+        <p:nvPicPr>
+          <p:cNvPr id="4" name="Picture 3">
+            <a:extLst>
+              <a:ext uri="{FF2B5EF4-FFF2-40B4-BE49-F238E27FC236}">
+                <a16:creationId xmlns:a16="http://schemas.microsoft.com/office/drawing/2014/main" id="{FE118172-1067-4F81-B5C2-3C3F58C9D9C6}"/>
+              </a:ext>
+            </a:extLst>
+          </p:cNvPr>
+          <p:cNvPicPr>
+            <a:picLocks noChangeAspect="1"/>
+          </p:cNvPicPr>
+          <p:nvPr/>
+        </p:nvPicPr>
+        <p:blipFill>
+          <a:blip r:embed="rId2"/>
+          <a:stretch>
+            <a:fillRect/>
+          </a:stretch>
+        </p:blipFill>
+        <p:spPr>
+          <a:xfrm>
+            <a:off x="-18800" y="1946261"/>
+            <a:ext cx="4334041" cy="4906821"/>
           </a:xfrm>
           <a:prstGeom prst="rect">
             <a:avLst/>
@@ -4782,42 +5136,9 @@
           <a:lstStyle/>
           <a:p>
             <a:r>
-              <a:rPr lang="et-EE" dirty="0" err="1"/>
-              <a:t>Go</a:t>
-            </a:r>
-            <a:r>
-              <a:rPr lang="et-EE" dirty="0"/>
-              <a:t> </a:t>
-            </a:r>
-            <a:r>
-              <a:rPr lang="et-EE" dirty="0" err="1"/>
-              <a:t>to</a:t>
-            </a:r>
-            <a:r>
-              <a:rPr lang="et-EE" dirty="0"/>
-              <a:t> </a:t>
-            </a:r>
-            <a:r>
-              <a:rPr lang="et-EE" dirty="0" err="1"/>
-              <a:t>compute</a:t>
-            </a:r>
-            <a:r>
-              <a:rPr lang="et-EE" dirty="0"/>
-              <a:t> </a:t>
-            </a:r>
-            <a:r>
-              <a:rPr lang="et-EE" dirty="0" err="1"/>
-              <a:t>engine</a:t>
-            </a:r>
-            <a:r>
-              <a:rPr lang="et-EE" dirty="0"/>
-              <a:t> and press SSH </a:t>
-            </a:r>
-            <a:r>
-              <a:rPr lang="et-EE" dirty="0" err="1"/>
-              <a:t>button</a:t>
-            </a:r>
-            <a:endParaRPr lang="en-US" dirty="0"/>
+              <a:rPr lang="en-US" dirty="0"/>
+              <a:t>Go to compute engine and press SSH button</a:t>
+            </a:r>
           </a:p>
         </p:txBody>
       </p:sp>
@@ -4881,7 +5202,7 @@
         <p:spPr>
           <a:xfrm>
             <a:off x="442838" y="3212976"/>
-            <a:ext cx="5785346" cy="1477328"/>
+            <a:ext cx="5785346" cy="3616375"/>
           </a:xfrm>
           <a:prstGeom prst="rect">
             <a:avLst/>
@@ -4895,127 +5216,253 @@
           <a:lstStyle/>
           <a:p>
             <a:r>
-              <a:rPr lang="et-EE" dirty="0"/>
+              <a:rPr lang="en-US" dirty="0"/>
               <a:t>In </a:t>
             </a:r>
             <a:r>
-              <a:rPr lang="et-EE" b="1" dirty="0" err="1"/>
-              <a:t>opened</a:t>
-            </a:r>
-            <a:r>
-              <a:rPr lang="et-EE" b="1" dirty="0"/>
-              <a:t> </a:t>
-            </a:r>
-            <a:r>
-              <a:rPr lang="et-EE" b="1" dirty="0" err="1"/>
-              <a:t>console</a:t>
-            </a:r>
-            <a:r>
-              <a:rPr lang="et-EE" b="1" dirty="0"/>
-              <a:t> </a:t>
-            </a:r>
-            <a:r>
-              <a:rPr lang="et-EE" dirty="0" err="1"/>
-              <a:t>give</a:t>
-            </a:r>
-            <a:r>
-              <a:rPr lang="et-EE" dirty="0"/>
-              <a:t> </a:t>
-            </a:r>
-            <a:r>
-              <a:rPr lang="et-EE" dirty="0" err="1"/>
-              <a:t>following</a:t>
-            </a:r>
-            <a:r>
-              <a:rPr lang="et-EE" dirty="0"/>
-              <a:t> </a:t>
-            </a:r>
-            <a:r>
-              <a:rPr lang="et-EE" dirty="0" err="1"/>
-              <a:t>commands</a:t>
-            </a:r>
-            <a:endParaRPr lang="et-EE" dirty="0"/>
-          </a:p>
-          <a:p>
-            <a:endParaRPr lang="et-EE" dirty="0"/>
+              <a:rPr lang="en-US" b="1" dirty="0"/>
+              <a:t>opened console </a:t>
+            </a:r>
+            <a:r>
+              <a:rPr lang="en-US" dirty="0"/>
+              <a:t>give following commands</a:t>
+            </a:r>
+          </a:p>
+          <a:p>
+            <a:endParaRPr lang="en-US" dirty="0"/>
           </a:p>
           <a:p>
             <a:pPr marL="342900" indent="-342900">
               <a:buAutoNum type="arabicParenR"/>
             </a:pPr>
             <a:r>
-              <a:rPr lang="et-EE" dirty="0" err="1"/>
+              <a:rPr lang="en-US" dirty="0" err="1"/>
               <a:t>sudo</a:t>
             </a:r>
             <a:r>
-              <a:rPr lang="et-EE" dirty="0"/>
-              <a:t> </a:t>
-            </a:r>
-            <a:r>
-              <a:rPr lang="et-EE" dirty="0" err="1"/>
-              <a:t>apt</a:t>
-            </a:r>
-            <a:r>
-              <a:rPr lang="et-EE" dirty="0"/>
-              <a:t> </a:t>
-            </a:r>
-            <a:r>
-              <a:rPr lang="et-EE" dirty="0" err="1"/>
-              <a:t>update</a:t>
-            </a:r>
-            <a:endParaRPr lang="et-EE" dirty="0"/>
+              <a:rPr lang="en-US" dirty="0"/>
+              <a:t> apt update</a:t>
+            </a:r>
           </a:p>
           <a:p>
             <a:pPr marL="342900" indent="-342900">
               <a:buAutoNum type="arabicParenR"/>
             </a:pPr>
             <a:r>
-              <a:rPr lang="et-EE" dirty="0" err="1"/>
+              <a:rPr lang="en-US" dirty="0" err="1"/>
               <a:t>sudo</a:t>
             </a:r>
             <a:r>
-              <a:rPr lang="et-EE" dirty="0"/>
-              <a:t> </a:t>
-            </a:r>
-            <a:r>
-              <a:rPr lang="et-EE" dirty="0" err="1"/>
-              <a:t>apt</a:t>
-            </a:r>
-            <a:r>
-              <a:rPr lang="et-EE" dirty="0"/>
-              <a:t> </a:t>
-            </a:r>
-            <a:r>
-              <a:rPr lang="et-EE" dirty="0" err="1"/>
-              <a:t>upgrade</a:t>
-            </a:r>
-            <a:endParaRPr lang="et-EE" dirty="0"/>
+              <a:rPr lang="en-US" dirty="0"/>
+              <a:t> apt upgrade</a:t>
+            </a:r>
           </a:p>
           <a:p>
             <a:pPr marL="342900" indent="-342900">
               <a:buAutoNum type="arabicParenR"/>
             </a:pPr>
             <a:r>
-              <a:rPr lang="et-EE" dirty="0" err="1"/>
+              <a:rPr lang="en-US" dirty="0" err="1"/>
               <a:t>sudo</a:t>
             </a:r>
             <a:r>
-              <a:rPr lang="et-EE" dirty="0"/>
-              <a:t> </a:t>
-            </a:r>
-            <a:r>
-              <a:rPr lang="et-EE" dirty="0" err="1"/>
-              <a:t>apt-get</a:t>
-            </a:r>
-            <a:r>
-              <a:rPr lang="et-EE" dirty="0"/>
-              <a:t> install </a:t>
-            </a:r>
-            <a:r>
-              <a:rPr lang="et-EE" dirty="0" err="1"/>
-              <a:t>default-jdk</a:t>
-            </a:r>
-            <a:endParaRPr lang="et-EE" dirty="0"/>
+              <a:rPr lang="en-US" dirty="0"/>
+              <a:t> apt-get install default-</a:t>
+            </a:r>
+            <a:r>
+              <a:rPr lang="en-US" dirty="0" err="1"/>
+              <a:t>jdk</a:t>
+            </a:r>
+            <a:endParaRPr lang="en-US" dirty="0"/>
+          </a:p>
+          <a:p>
+            <a:pPr marL="342900" indent="-342900">
+              <a:buAutoNum type="arabicParenR"/>
+            </a:pPr>
+            <a:endParaRPr lang="en-US" dirty="0"/>
+          </a:p>
+          <a:p>
+            <a:r>
+              <a:rPr lang="ru-RU" sz="1100" b="1" i="0" dirty="0">
+                <a:solidFill>
+                  <a:srgbClr val="313233"/>
+                </a:solidFill>
+                <a:effectLst/>
+                <a:latin typeface="open sans"/>
+              </a:rPr>
+              <a:t>APT</a:t>
+            </a:r>
+            <a:r>
+              <a:rPr lang="ru-RU" sz="1100" b="0" i="0" dirty="0">
+                <a:solidFill>
+                  <a:srgbClr val="313233"/>
+                </a:solidFill>
+                <a:effectLst/>
+                <a:latin typeface="open sans"/>
+              </a:rPr>
+              <a:t> (</a:t>
+            </a:r>
+            <a:r>
+              <a:rPr lang="ru-RU" sz="1100" b="0" i="0" dirty="0" err="1">
+                <a:solidFill>
+                  <a:srgbClr val="313233"/>
+                </a:solidFill>
+                <a:effectLst/>
+                <a:latin typeface="open sans"/>
+              </a:rPr>
+              <a:t>Advanced</a:t>
+            </a:r>
+            <a:r>
+              <a:rPr lang="ru-RU" sz="1100" b="0" i="0" dirty="0">
+                <a:solidFill>
+                  <a:srgbClr val="313233"/>
+                </a:solidFill>
+                <a:effectLst/>
+                <a:latin typeface="open sans"/>
+              </a:rPr>
+              <a:t> </a:t>
+            </a:r>
+            <a:r>
+              <a:rPr lang="ru-RU" sz="1100" b="0" i="0" dirty="0" err="1">
+                <a:solidFill>
+                  <a:srgbClr val="313233"/>
+                </a:solidFill>
+                <a:effectLst/>
+                <a:latin typeface="open sans"/>
+              </a:rPr>
+              <a:t>Package</a:t>
+            </a:r>
+            <a:r>
+              <a:rPr lang="ru-RU" sz="1100" b="0" i="0" dirty="0">
+                <a:solidFill>
+                  <a:srgbClr val="313233"/>
+                </a:solidFill>
+                <a:effectLst/>
+                <a:latin typeface="open sans"/>
+              </a:rPr>
+              <a:t> </a:t>
+            </a:r>
+            <a:r>
+              <a:rPr lang="ru-RU" sz="1100" b="0" i="0" dirty="0" err="1">
+                <a:solidFill>
+                  <a:srgbClr val="313233"/>
+                </a:solidFill>
+                <a:effectLst/>
+                <a:latin typeface="open sans"/>
+              </a:rPr>
+              <a:t>Tool</a:t>
+            </a:r>
+            <a:r>
+              <a:rPr lang="ru-RU" sz="1100" b="0" i="0" dirty="0">
+                <a:solidFill>
+                  <a:srgbClr val="313233"/>
+                </a:solidFill>
+                <a:effectLst/>
+                <a:latin typeface="open sans"/>
+              </a:rPr>
+              <a:t>) — инструмент командной строки для взаимодействия с системой управления пакетами.</a:t>
+            </a:r>
+            <a:r>
+              <a:rPr lang="en-US" sz="1100" b="0" i="0" dirty="0">
+                <a:solidFill>
+                  <a:srgbClr val="313233"/>
+                </a:solidFill>
+                <a:effectLst/>
+                <a:latin typeface="open sans"/>
+              </a:rPr>
+              <a:t> </a:t>
+            </a:r>
+            <a:r>
+              <a:rPr lang="ru-RU" sz="1100" b="0" i="0" dirty="0">
+                <a:solidFill>
+                  <a:srgbClr val="313233"/>
+                </a:solidFill>
+                <a:effectLst/>
+                <a:latin typeface="open sans"/>
+              </a:rPr>
+              <a:t>Вы можете использовать его для поиска и установки новых пакетов, обновления пакетов, удаления пакетов и т.д.</a:t>
+            </a:r>
+          </a:p>
+          <a:p>
+            <a:endParaRPr lang="ru-RU" sz="1100" dirty="0">
+              <a:solidFill>
+                <a:srgbClr val="313233"/>
+              </a:solidFill>
+              <a:latin typeface="open sans"/>
+            </a:endParaRPr>
+          </a:p>
+          <a:p>
+            <a:r>
+              <a:rPr lang="ru-RU" sz="1100" b="1" i="0" dirty="0" err="1">
+                <a:solidFill>
+                  <a:srgbClr val="313233"/>
+                </a:solidFill>
+                <a:effectLst/>
+                <a:latin typeface="open sans"/>
+              </a:rPr>
+              <a:t>Apt</a:t>
+            </a:r>
+            <a:r>
+              <a:rPr lang="ru-RU" sz="1100" b="0" i="0" dirty="0">
+                <a:solidFill>
+                  <a:srgbClr val="313233"/>
+                </a:solidFill>
+                <a:effectLst/>
+                <a:latin typeface="open sans"/>
+              </a:rPr>
+              <a:t> фактически работает с базой данных доступных пакетов. Если база данных не обновляется, система не будет знать, имеются ли новые пакеты. Вот почему обновление репозитория должно быть первым, что нужно сделать в любой </a:t>
+            </a:r>
+            <a:r>
+              <a:rPr lang="ru-RU" sz="1100" b="1" i="0" dirty="0" err="1">
+                <a:solidFill>
+                  <a:srgbClr val="313233"/>
+                </a:solidFill>
+                <a:effectLst/>
+                <a:latin typeface="open sans"/>
+              </a:rPr>
+              <a:t>Linux</a:t>
+            </a:r>
+            <a:r>
+              <a:rPr lang="ru-RU" sz="1100" b="0" i="0" dirty="0">
+                <a:solidFill>
+                  <a:srgbClr val="313233"/>
+                </a:solidFill>
+                <a:effectLst/>
+                <a:latin typeface="open sans"/>
+              </a:rPr>
+              <a:t>-системе после установки.</a:t>
+            </a:r>
+          </a:p>
+          <a:p>
+            <a:endParaRPr lang="ru-RU" sz="1100" dirty="0">
+              <a:solidFill>
+                <a:srgbClr val="313233"/>
+              </a:solidFill>
+              <a:latin typeface="open sans"/>
+            </a:endParaRPr>
+          </a:p>
+          <a:p>
+            <a:r>
+              <a:rPr lang="ru-RU" sz="1100" b="0" i="0" dirty="0">
+                <a:solidFill>
+                  <a:srgbClr val="313233"/>
+                </a:solidFill>
+                <a:effectLst/>
+                <a:latin typeface="open sans"/>
+              </a:rPr>
+              <a:t>После обновления базы данных пакетов вы можете обновить установленные пакеты </a:t>
+            </a:r>
+            <a:r>
+              <a:rPr lang="en-US" sz="1100" b="0" i="0" dirty="0">
+                <a:solidFill>
+                  <a:srgbClr val="313233"/>
+                </a:solidFill>
+                <a:effectLst/>
+                <a:latin typeface="open sans"/>
+              </a:rPr>
+              <a:t>upgrade</a:t>
+            </a:r>
+            <a:endParaRPr lang="en-US" sz="1100" dirty="0"/>
           </a:p>
         </p:txBody>
       </p:sp>
@@ -6436,7 +6883,7 @@
         <p:spPr>
           <a:xfrm>
             <a:off x="442838" y="2276872"/>
-            <a:ext cx="7369522" cy="4247317"/>
+            <a:ext cx="7369522" cy="4832092"/>
           </a:xfrm>
           <a:prstGeom prst="rect">
             <a:avLst/>
@@ -6542,13 +6989,66 @@
               </a:rPr>
               <a:t>app_name</a:t>
             </a:r>
-            <a:endParaRPr lang="et-EE" b="1" dirty="0">
+            <a:endParaRPr lang="en-US" b="1" dirty="0">
               <a:solidFill>
                 <a:srgbClr val="FF0000"/>
               </a:solidFill>
             </a:endParaRPr>
           </a:p>
           <a:p>
+            <a:pPr marL="800100" lvl="1" indent="-342900">
+              <a:buAutoNum type="arabicParenR"/>
+            </a:pPr>
+            <a:r>
+              <a:rPr lang="ru-RU" sz="1200" b="0" i="0" dirty="0">
+                <a:solidFill>
+                  <a:srgbClr val="000000"/>
+                </a:solidFill>
+                <a:effectLst/>
+                <a:latin typeface="Verdana" panose="020B0604030504040204" pitchFamily="34" charset="0"/>
+              </a:rPr>
+              <a:t>создание ссылки на файл</a:t>
+            </a:r>
+            <a:r>
+              <a:rPr lang="en-US" sz="1200" b="0" i="0" dirty="0">
+                <a:solidFill>
+                  <a:srgbClr val="000000"/>
+                </a:solidFill>
+                <a:effectLst/>
+                <a:latin typeface="Verdana" panose="020B0604030504040204" pitchFamily="34" charset="0"/>
+              </a:rPr>
+              <a:t> –s: make symbolic=soft link instead of hard link</a:t>
+            </a:r>
+          </a:p>
+          <a:p>
+            <a:pPr marL="800100" lvl="1" indent="-342900">
+              <a:buAutoNum type="arabicParenR"/>
+            </a:pPr>
+            <a:r>
+              <a:rPr lang="en-US" sz="1200" dirty="0">
+                <a:solidFill>
+                  <a:srgbClr val="000000"/>
+                </a:solidFill>
+                <a:latin typeface="Verdana" panose="020B0604030504040204" pitchFamily="34" charset="0"/>
+              </a:rPr>
+              <a:t>Hard link </a:t>
+            </a:r>
+            <a:r>
+              <a:rPr lang="ru-RU" sz="1200" dirty="0">
+                <a:solidFill>
+                  <a:srgbClr val="000000"/>
+                </a:solidFill>
+                <a:latin typeface="Verdana" panose="020B0604030504040204" pitchFamily="34" charset="0"/>
+              </a:rPr>
+              <a:t>меняется если например целевой файл перемещается</a:t>
+            </a:r>
+            <a:endParaRPr lang="et-EE" sz="1200" b="1" dirty="0">
+              <a:solidFill>
+                <a:srgbClr val="FF0000"/>
+              </a:solidFill>
+            </a:endParaRPr>
+          </a:p>
+          <a:p>
             <a:pPr marL="342900" indent="-342900">
               <a:buAutoNum type="arabicParenR"/>
             </a:pPr>
@@ -6584,6 +7084,51 @@
               </a:rPr>
               <a:t>JAR_NAME.jar</a:t>
             </a:r>
+            <a:endParaRPr lang="ru-RU" b="1" dirty="0">
+              <a:solidFill>
+                <a:srgbClr val="FF0000"/>
+              </a:solidFill>
+            </a:endParaRPr>
+          </a:p>
+          <a:p>
+            <a:pPr marL="800100" lvl="1" indent="-342900">
+              <a:buAutoNum type="arabicParenR"/>
+            </a:pPr>
+            <a:r>
+              <a:rPr lang="ru-RU" sz="1200" b="0" i="0" dirty="0">
+                <a:solidFill>
+                  <a:srgbClr val="1C1717"/>
+                </a:solidFill>
+                <a:effectLst/>
+                <a:latin typeface="Helvetica Neue"/>
+              </a:rPr>
+              <a:t>Команда </a:t>
+            </a:r>
+            <a:r>
+              <a:rPr lang="ru-RU" sz="1200" b="1" i="0" dirty="0" err="1">
+                <a:solidFill>
+                  <a:srgbClr val="1C1717"/>
+                </a:solidFill>
+                <a:effectLst/>
+                <a:latin typeface="Helvetica Neue"/>
+              </a:rPr>
+              <a:t>chown</a:t>
+            </a:r>
+            <a:r>
+              <a:rPr lang="ru-RU" sz="1200" b="0" i="0" dirty="0">
+                <a:solidFill>
+                  <a:srgbClr val="1C1717"/>
+                </a:solidFill>
+                <a:effectLst/>
+                <a:latin typeface="Helvetica Neue"/>
+              </a:rPr>
+              <a:t> используется для изменения владельца файла или группы</a:t>
+            </a:r>
+            <a:endParaRPr lang="et-EE" sz="1200" b="1" dirty="0">
+              <a:solidFill>
+                <a:srgbClr val="FF0000"/>
+              </a:solidFill>
+            </a:endParaRPr>
           </a:p>
           <a:p>
             <a:pPr marL="342900" indent="-342900">
@@ -7548,7 +8093,12 @@
             <p:ph type="title"/>
           </p:nvPr>
         </p:nvSpPr>
-        <p:spPr/>
+        <p:spPr>
+          <a:xfrm>
+            <a:off x="107504" y="0"/>
+            <a:ext cx="8229600" cy="1143000"/>
+          </a:xfrm>
+        </p:spPr>
         <p:txBody>
           <a:bodyPr/>
           <a:lstStyle/>
@@ -7613,8 +8163,8 @@
         </p:nvSpPr>
         <p:spPr bwMode="auto">
           <a:xfrm>
-            <a:off x="683568" y="2093368"/>
-            <a:ext cx="7560840" cy="3477875"/>
+            <a:off x="775269" y="2060848"/>
+            <a:ext cx="7560840" cy="3785652"/>
           </a:xfrm>
           <a:prstGeom prst="rect">
             <a:avLst/>
@@ -8267,20 +8817,34 @@
                 <a:effectLst/>
                 <a:latin typeface="JetBrains Mono"/>
               </a:rPr>
-              <a:t> предпочитают поддерживать такие. </a:t>
-            </a:r>
-            <a:r>
-              <a:rPr kumimoji="0" lang="ru-RU" altLang="en-US" sz="2000" b="0" i="0" u="none" strike="noStrike" cap="none" normalizeH="0" baseline="0">
-                <a:ln>
-                  <a:noFill/>
-                </a:ln>
+              <a:t> предпочитают поддерживать такие. ЮНИКС – консервативна.</a:t>
+            </a:r>
+          </a:p>
+          <a:p>
+            <a:pPr marL="0" marR="0" lvl="0" indent="0" algn="l" defTabSz="914400" rtl="0" eaLnBrk="0" fontAlgn="base" latinLnBrk="0" hangingPunct="0">
+              <a:lnSpc>
+                <a:spcPct val="100000"/>
+              </a:lnSpc>
+              <a:spcBef>
+                <a:spcPct val="0"/>
+              </a:spcBef>
+              <a:spcAft>
+                <a:spcPct val="0"/>
+              </a:spcAft>
+              <a:buClrTx/>
+              <a:buSzTx/>
+              <a:buFontTx/>
+              <a:buNone/>
+              <a:tabLst/>
+            </a:pPr>
+            <a:r>
+              <a:rPr lang="en-US" altLang="en-US" sz="2000" dirty="0">
                 <a:solidFill>
                   <a:srgbClr val="080808"/>
                 </a:solidFill>
-                <a:effectLst/>
                 <a:latin typeface="JetBrains Mono"/>
               </a:rPr>
-              <a:t>ЮНИКС – консервативна.</a:t>
+              <a:t>LTS – long term support</a:t>
             </a:r>
             <a:br>
               <a:rPr kumimoji="0" lang="en-US" altLang="en-US" sz="2000" b="0" i="0" u="none" strike="noStrike" cap="none" normalizeH="0" baseline="0" dirty="0">

--- a/src/main/java/ee/bcs/java/lectures/Loeng47 - Google-Cloud-Deploy.pptx
+++ b/src/main/java/ee/bcs/java/lectures/Loeng47 - Google-Cloud-Deploy.pptx
@@ -534,7 +534,7 @@
           <a:p>
             <a:fld id="{60163E65-5F46-4A69-883D-966D9827EBBB}" type="datetimeFigureOut">
               <a:rPr lang="en-US" smtClean="0"/>
-              <a:t>05-Feb-21</a:t>
+              <a:t>16-Feb-21</a:t>
             </a:fld>
             <a:endParaRPr lang="en-US"/>
           </a:p>
@@ -1530,7 +1530,7 @@
             <a:fld id="{9B034333-4FC0-4832-B48E-1BB4D6BFA92F}" type="datetimeFigureOut">
               <a:rPr lang="et-EE" smtClean="0"/>
               <a:pPr/>
-              <a:t>05.02.2021</a:t>
+              <a:t>16.02.2021</a:t>
             </a:fld>
             <a:endParaRPr lang="et-EE"/>
           </a:p>
@@ -1749,7 +1749,7 @@
             <a:fld id="{9B034333-4FC0-4832-B48E-1BB4D6BFA92F}" type="datetimeFigureOut">
               <a:rPr lang="et-EE" smtClean="0"/>
               <a:pPr/>
-              <a:t>05.02.2021</a:t>
+              <a:t>16.02.2021</a:t>
             </a:fld>
             <a:endParaRPr lang="et-EE"/>
           </a:p>
@@ -1924,7 +1924,7 @@
             <a:fld id="{9B034333-4FC0-4832-B48E-1BB4D6BFA92F}" type="datetimeFigureOut">
               <a:rPr lang="et-EE" smtClean="0"/>
               <a:pPr/>
-              <a:t>05.02.2021</a:t>
+              <a:t>16.02.2021</a:t>
             </a:fld>
             <a:endParaRPr lang="et-EE"/>
           </a:p>
@@ -2167,7 +2167,7 @@
             <a:fld id="{9B034333-4FC0-4832-B48E-1BB4D6BFA92F}" type="datetimeFigureOut">
               <a:rPr lang="et-EE" smtClean="0"/>
               <a:pPr/>
-              <a:t>05.02.2021</a:t>
+              <a:t>16.02.2021</a:t>
             </a:fld>
             <a:endParaRPr lang="et-EE"/>
           </a:p>
@@ -2464,7 +2464,7 @@
             <a:fld id="{9B034333-4FC0-4832-B48E-1BB4D6BFA92F}" type="datetimeFigureOut">
               <a:rPr lang="et-EE" smtClean="0"/>
               <a:pPr/>
-              <a:t>05.02.2021</a:t>
+              <a:t>16.02.2021</a:t>
             </a:fld>
             <a:endParaRPr lang="et-EE"/>
           </a:p>
@@ -2816,7 +2816,7 @@
             <a:fld id="{9B034333-4FC0-4832-B48E-1BB4D6BFA92F}" type="datetimeFigureOut">
               <a:rPr lang="et-EE" smtClean="0"/>
               <a:pPr/>
-              <a:t>05.02.2021</a:t>
+              <a:t>16.02.2021</a:t>
             </a:fld>
             <a:endParaRPr lang="et-EE"/>
           </a:p>
@@ -3316,7 +3316,7 @@
             <a:fld id="{9B034333-4FC0-4832-B48E-1BB4D6BFA92F}" type="datetimeFigureOut">
               <a:rPr lang="et-EE" smtClean="0"/>
               <a:pPr/>
-              <a:t>05.02.2021</a:t>
+              <a:t>16.02.2021</a:t>
             </a:fld>
             <a:endParaRPr lang="et-EE"/>
           </a:p>
@@ -3430,7 +3430,7 @@
             <a:fld id="{9B034333-4FC0-4832-B48E-1BB4D6BFA92F}" type="datetimeFigureOut">
               <a:rPr lang="et-EE" smtClean="0"/>
               <a:pPr/>
-              <a:t>05.02.2021</a:t>
+              <a:t>16.02.2021</a:t>
             </a:fld>
             <a:endParaRPr lang="et-EE"/>
           </a:p>
@@ -3522,7 +3522,7 @@
             <a:fld id="{9B034333-4FC0-4832-B48E-1BB4D6BFA92F}" type="datetimeFigureOut">
               <a:rPr lang="et-EE" smtClean="0"/>
               <a:pPr/>
-              <a:t>05.02.2021</a:t>
+              <a:t>16.02.2021</a:t>
             </a:fld>
             <a:endParaRPr lang="et-EE"/>
           </a:p>
@@ -3794,7 +3794,7 @@
             <a:fld id="{9B034333-4FC0-4832-B48E-1BB4D6BFA92F}" type="datetimeFigureOut">
               <a:rPr lang="et-EE" smtClean="0"/>
               <a:pPr/>
-              <a:t>05.02.2021</a:t>
+              <a:t>16.02.2021</a:t>
             </a:fld>
             <a:endParaRPr lang="et-EE"/>
           </a:p>
@@ -4046,7 +4046,7 @@
             <a:fld id="{9B034333-4FC0-4832-B48E-1BB4D6BFA92F}" type="datetimeFigureOut">
               <a:rPr lang="et-EE" smtClean="0"/>
               <a:pPr/>
-              <a:t>05.02.2021</a:t>
+              <a:t>16.02.2021</a:t>
             </a:fld>
             <a:endParaRPr lang="et-EE"/>
           </a:p>
@@ -4255,7 +4255,7 @@
             <a:fld id="{9B034333-4FC0-4832-B48E-1BB4D6BFA92F}" type="datetimeFigureOut">
               <a:rPr lang="et-EE" smtClean="0"/>
               <a:pPr/>
-              <a:t>05.02.2021</a:t>
+              <a:t>16.02.2021</a:t>
             </a:fld>
             <a:endParaRPr lang="et-EE"/>
           </a:p>
@@ -5691,7 +5691,7 @@
         <p:spPr>
           <a:xfrm>
             <a:off x="442838" y="2276872"/>
-            <a:ext cx="7369522" cy="4247317"/>
+            <a:ext cx="7369522" cy="4524315"/>
           </a:xfrm>
           <a:prstGeom prst="rect">
             <a:avLst/>
@@ -5929,112 +5929,18 @@
               </a:rPr>
               <a:t>postgres</a:t>
             </a:r>
-            <a:r>
-              <a:rPr kumimoji="0" lang="en-US" altLang="en-US" sz="1800" b="0" i="0" u="none" strike="noStrike" cap="none" normalizeH="0" baseline="0" dirty="0">
-                <a:ln>
-                  <a:noFill/>
-                </a:ln>
-                <a:solidFill>
-                  <a:srgbClr val="067D17"/>
-                </a:solidFill>
-                <a:effectLst/>
-                <a:latin typeface="JetBrains Mono"/>
-              </a:rPr>
-              <a:t> </a:t>
-            </a:r>
-            <a:r>
-              <a:rPr lang="en-US" altLang="en-US" dirty="0">
-                <a:solidFill>
-                  <a:srgbClr val="067D17"/>
-                </a:solidFill>
-                <a:latin typeface="JetBrains Mono"/>
-              </a:rPr>
-              <a:t>//</a:t>
-            </a:r>
-            <a:r>
-              <a:rPr lang="en-US" altLang="en-US" dirty="0" err="1">
-                <a:solidFill>
-                  <a:srgbClr val="067D17"/>
-                </a:solidFill>
-                <a:latin typeface="JetBrains Mono"/>
-              </a:rPr>
-              <a:t>ip</a:t>
-            </a:r>
-            <a:r>
-              <a:rPr lang="en-US" altLang="en-US" dirty="0">
-                <a:solidFill>
-                  <a:srgbClr val="067D17"/>
-                </a:solidFill>
-                <a:latin typeface="JetBrains Mono"/>
-              </a:rPr>
-              <a:t> </a:t>
-            </a:r>
-            <a:r>
-              <a:rPr lang="ru-RU" altLang="en-US" dirty="0">
-                <a:solidFill>
-                  <a:srgbClr val="067D17"/>
-                </a:solidFill>
-                <a:latin typeface="JetBrains Mono"/>
-              </a:rPr>
-              <a:t>берётся из консоли </a:t>
-            </a:r>
-            <a:r>
-              <a:rPr lang="en-US" altLang="en-US" dirty="0">
-                <a:solidFill>
-                  <a:srgbClr val="067D17"/>
-                </a:solidFill>
-                <a:latin typeface="JetBrains Mono"/>
-              </a:rPr>
-              <a:t>google cloud </a:t>
-            </a:r>
-            <a:r>
-              <a:rPr lang="ru-RU" altLang="en-US" dirty="0">
-                <a:solidFill>
-                  <a:srgbClr val="067D17"/>
-                </a:solidFill>
-                <a:latin typeface="JetBrains Mono"/>
-              </a:rPr>
-              <a:t>из самой </a:t>
-            </a:r>
-            <a:r>
-              <a:rPr lang="en-US" altLang="en-US" dirty="0" err="1">
-                <a:solidFill>
-                  <a:srgbClr val="067D17"/>
-                </a:solidFill>
-                <a:latin typeface="JetBrains Mono"/>
-              </a:rPr>
-              <a:t>sql</a:t>
-            </a:r>
-            <a:r>
-              <a:rPr lang="en-US" altLang="en-US" dirty="0">
-                <a:solidFill>
-                  <a:srgbClr val="067D17"/>
-                </a:solidFill>
-                <a:latin typeface="JetBrains Mono"/>
-              </a:rPr>
-              <a:t>-</a:t>
-            </a:r>
-            <a:r>
-              <a:rPr lang="ru-RU" altLang="en-US" dirty="0">
-                <a:solidFill>
-                  <a:srgbClr val="067D17"/>
-                </a:solidFill>
-                <a:latin typeface="JetBrains Mono"/>
-              </a:rPr>
-              <a:t>базы</a:t>
-            </a:r>
-            <a:br>
-              <a:rPr kumimoji="0" lang="en-US" altLang="en-US" sz="1800" b="0" i="0" u="none" strike="noStrike" cap="none" normalizeH="0" baseline="0" dirty="0">
-                <a:ln>
-                  <a:noFill/>
-                </a:ln>
-                <a:solidFill>
-                  <a:srgbClr val="067D17"/>
-                </a:solidFill>
-                <a:effectLst/>
-                <a:latin typeface="JetBrains Mono"/>
-              </a:rPr>
-            </a:br>
+            <a:endParaRPr kumimoji="0" lang="en-US" altLang="en-US" sz="1800" b="0" i="0" u="none" strike="noStrike" cap="none" normalizeH="0" baseline="0" dirty="0">
+              <a:ln>
+                <a:noFill/>
+              </a:ln>
+              <a:solidFill>
+                <a:srgbClr val="067D17"/>
+              </a:solidFill>
+              <a:effectLst/>
+              <a:latin typeface="JetBrains Mono"/>
+            </a:endParaRPr>
+          </a:p>
+          <a:p>
             <a:r>
               <a:rPr kumimoji="0" lang="en-US" altLang="en-US" sz="1800" b="0" i="0" u="none" strike="noStrike" cap="none" normalizeH="0" baseline="0" dirty="0" err="1">
                 <a:ln>
@@ -6292,6 +6198,93 @@
             </a:r>
           </a:p>
           <a:p>
+            <a:endParaRPr lang="en-US" i="1" dirty="0"/>
+          </a:p>
+          <a:p>
+            <a:endParaRPr lang="en-US" i="1" dirty="0"/>
+          </a:p>
+          <a:p>
+            <a:r>
+              <a:rPr lang="en-US" altLang="en-US" dirty="0">
+                <a:solidFill>
+                  <a:srgbClr val="067D17"/>
+                </a:solidFill>
+                <a:latin typeface="JetBrains Mono"/>
+              </a:rPr>
+              <a:t>//</a:t>
+            </a:r>
+            <a:r>
+              <a:rPr lang="en-US" altLang="en-US" dirty="0" err="1">
+                <a:solidFill>
+                  <a:srgbClr val="067D17"/>
+                </a:solidFill>
+                <a:latin typeface="JetBrains Mono"/>
+              </a:rPr>
+              <a:t>ip</a:t>
+            </a:r>
+            <a:r>
+              <a:rPr lang="en-US" altLang="en-US" dirty="0">
+                <a:solidFill>
+                  <a:srgbClr val="067D17"/>
+                </a:solidFill>
+                <a:latin typeface="JetBrains Mono"/>
+              </a:rPr>
+              <a:t> </a:t>
+            </a:r>
+            <a:r>
+              <a:rPr lang="ru-RU" altLang="en-US" dirty="0">
+                <a:solidFill>
+                  <a:srgbClr val="067D17"/>
+                </a:solidFill>
+                <a:latin typeface="JetBrains Mono"/>
+              </a:rPr>
+              <a:t>берётся из консоли </a:t>
+            </a:r>
+            <a:r>
+              <a:rPr lang="en-US" altLang="en-US" dirty="0">
+                <a:solidFill>
+                  <a:srgbClr val="067D17"/>
+                </a:solidFill>
+                <a:latin typeface="JetBrains Mono"/>
+              </a:rPr>
+              <a:t>google cloud </a:t>
+            </a:r>
+            <a:r>
+              <a:rPr lang="ru-RU" altLang="en-US" dirty="0">
+                <a:solidFill>
+                  <a:srgbClr val="067D17"/>
+                </a:solidFill>
+                <a:latin typeface="JetBrains Mono"/>
+              </a:rPr>
+              <a:t>из самой </a:t>
+            </a:r>
+            <a:r>
+              <a:rPr lang="en-US" altLang="en-US" dirty="0" err="1">
+                <a:solidFill>
+                  <a:srgbClr val="067D17"/>
+                </a:solidFill>
+                <a:latin typeface="JetBrains Mono"/>
+              </a:rPr>
+              <a:t>sql</a:t>
+            </a:r>
+            <a:r>
+              <a:rPr lang="en-US" altLang="en-US" dirty="0">
+                <a:solidFill>
+                  <a:srgbClr val="067D17"/>
+                </a:solidFill>
+                <a:latin typeface="JetBrains Mono"/>
+              </a:rPr>
+              <a:t>-</a:t>
+            </a:r>
+            <a:r>
+              <a:rPr lang="ru-RU" altLang="en-US" dirty="0">
+                <a:solidFill>
+                  <a:srgbClr val="067D17"/>
+                </a:solidFill>
+                <a:latin typeface="JetBrains Mono"/>
+              </a:rPr>
+              <a:t>базы</a:t>
+            </a:r>
             <a:endParaRPr lang="et-EE" i="1" dirty="0"/>
           </a:p>
         </p:txBody>
@@ -6839,7 +6832,12 @@
             <p:ph type="title"/>
           </p:nvPr>
         </p:nvSpPr>
-        <p:spPr/>
+        <p:spPr>
+          <a:xfrm>
+            <a:off x="12799" y="17150"/>
+            <a:ext cx="8229600" cy="1143000"/>
+          </a:xfrm>
+        </p:spPr>
         <p:txBody>
           <a:bodyPr/>
           <a:lstStyle/>
@@ -6882,7 +6880,7 @@
         </p:nvSpPr>
         <p:spPr>
           <a:xfrm>
-            <a:off x="442838" y="2276872"/>
+            <a:off x="442838" y="1484784"/>
             <a:ext cx="7369522" cy="4832092"/>
           </a:xfrm>
           <a:prstGeom prst="rect">
@@ -6932,6 +6930,10 @@
             <a:r>
               <a:rPr lang="et-EE" dirty="0"/>
               <a:t> –s </a:t>
+            </a:r>
+            <a:r>
+              <a:rPr lang="en-US" dirty="0"/>
+              <a:t>/</a:t>
             </a:r>
             <a:r>
               <a:rPr lang="et-EE" dirty="0" err="1"/>
